--- a/doc/SPCNVMe_Introduction.pptx
+++ b/doc/SPCNVMe_Introduction.pptx
@@ -5,7 +5,7 @@
     <p:sldMasterId id="2147483648" r:id="rId1"/>
   </p:sldMasterIdLst>
   <p:notesMasterIdLst>
-    <p:notesMasterId r:id="rId64"/>
+    <p:notesMasterId r:id="rId63"/>
   </p:notesMasterIdLst>
   <p:sldIdLst>
     <p:sldId id="256" r:id="rId2"/>
@@ -35,41 +35,40 @@
     <p:sldId id="342" r:id="rId26"/>
     <p:sldId id="343" r:id="rId27"/>
     <p:sldId id="344" r:id="rId28"/>
-    <p:sldId id="289" r:id="rId29"/>
-    <p:sldId id="276" r:id="rId30"/>
-    <p:sldId id="281" r:id="rId31"/>
-    <p:sldId id="283" r:id="rId32"/>
-    <p:sldId id="284" r:id="rId33"/>
-    <p:sldId id="279" r:id="rId34"/>
-    <p:sldId id="261" r:id="rId35"/>
-    <p:sldId id="295" r:id="rId36"/>
-    <p:sldId id="298" r:id="rId37"/>
-    <p:sldId id="292" r:id="rId38"/>
-    <p:sldId id="315" r:id="rId39"/>
-    <p:sldId id="297" r:id="rId40"/>
-    <p:sldId id="316" r:id="rId41"/>
-    <p:sldId id="317" r:id="rId42"/>
-    <p:sldId id="319" r:id="rId43"/>
-    <p:sldId id="318" r:id="rId44"/>
-    <p:sldId id="322" r:id="rId45"/>
-    <p:sldId id="320" r:id="rId46"/>
-    <p:sldId id="347" r:id="rId47"/>
-    <p:sldId id="321" r:id="rId48"/>
-    <p:sldId id="323" r:id="rId49"/>
-    <p:sldId id="296" r:id="rId50"/>
-    <p:sldId id="294" r:id="rId51"/>
-    <p:sldId id="293" r:id="rId52"/>
-    <p:sldId id="349" r:id="rId53"/>
+    <p:sldId id="357" r:id="rId29"/>
+    <p:sldId id="354" r:id="rId30"/>
+    <p:sldId id="292" r:id="rId31"/>
+    <p:sldId id="361" r:id="rId32"/>
+    <p:sldId id="276" r:id="rId33"/>
+    <p:sldId id="281" r:id="rId34"/>
+    <p:sldId id="283" r:id="rId35"/>
+    <p:sldId id="284" r:id="rId36"/>
+    <p:sldId id="279" r:id="rId37"/>
+    <p:sldId id="261" r:id="rId38"/>
+    <p:sldId id="295" r:id="rId39"/>
+    <p:sldId id="298" r:id="rId40"/>
+    <p:sldId id="315" r:id="rId41"/>
+    <p:sldId id="297" r:id="rId42"/>
+    <p:sldId id="316" r:id="rId43"/>
+    <p:sldId id="317" r:id="rId44"/>
+    <p:sldId id="319" r:id="rId45"/>
+    <p:sldId id="318" r:id="rId46"/>
+    <p:sldId id="322" r:id="rId47"/>
+    <p:sldId id="320" r:id="rId48"/>
+    <p:sldId id="347" r:id="rId49"/>
+    <p:sldId id="321" r:id="rId50"/>
+    <p:sldId id="296" r:id="rId51"/>
+    <p:sldId id="294" r:id="rId52"/>
+    <p:sldId id="293" r:id="rId53"/>
     <p:sldId id="348" r:id="rId54"/>
-    <p:sldId id="352" r:id="rId55"/>
-    <p:sldId id="351" r:id="rId56"/>
-    <p:sldId id="350" r:id="rId57"/>
-    <p:sldId id="325" r:id="rId58"/>
-    <p:sldId id="324" r:id="rId59"/>
-    <p:sldId id="346" r:id="rId60"/>
-    <p:sldId id="262" r:id="rId61"/>
-    <p:sldId id="299" r:id="rId62"/>
-    <p:sldId id="291" r:id="rId63"/>
+    <p:sldId id="351" r:id="rId55"/>
+    <p:sldId id="350" r:id="rId56"/>
+    <p:sldId id="325" r:id="rId57"/>
+    <p:sldId id="324" r:id="rId58"/>
+    <p:sldId id="346" r:id="rId59"/>
+    <p:sldId id="262" r:id="rId60"/>
+    <p:sldId id="299" r:id="rId61"/>
+    <p:sldId id="291" r:id="rId62"/>
   </p:sldIdLst>
   <p:sldSz cx="12192000" cy="6858000"/>
   <p:notesSz cx="6858000" cy="9144000"/>
@@ -3254,7 +3253,7 @@
         <a:p>
           <a:r>
             <a:rPr lang="en-US" altLang="zh-TW" sz="2400" dirty="0"/>
-            <a:t>Disable device state </a:t>
+            <a:t>Disable device controller </a:t>
           </a:r>
           <a:endParaRPr lang="zh-TW" altLang="en-US" sz="2400" dirty="0"/>
         </a:p>
@@ -3362,7 +3361,7 @@
         <a:p>
           <a:r>
             <a:rPr lang="en-US" altLang="zh-TW" sz="2400" dirty="0"/>
-            <a:t>Enable device</a:t>
+            <a:t>Enable controller</a:t>
           </a:r>
           <a:endParaRPr lang="zh-TW" altLang="en-US" sz="2400" dirty="0"/>
         </a:p>
@@ -3612,7 +3611,7 @@
   <dgm:whole/>
   <dgm:extLst>
     <a:ext uri="http://schemas.microsoft.com/office/drawing/2008/diagram">
-      <dsp:dataModelExt xmlns:dsp="http://schemas.microsoft.com/office/drawing/2008/diagram" relId="rId6" minVer="http://schemas.openxmlformats.org/drawingml/2006/diagram"/>
+      <dsp:dataModelExt xmlns:dsp="http://schemas.microsoft.com/office/drawing/2008/diagram" relId="rId7" minVer="http://schemas.openxmlformats.org/drawingml/2006/diagram"/>
     </a:ext>
   </dgm:extLst>
 </dgm:dataModel>
@@ -3726,62 +3725,6 @@
       </dgm:t>
     </dgm:pt>
     <dgm:pt modelId="{2827459F-54D9-420A-AEA6-8DD05CAF0936}" type="parTrans" cxnId="{CD3F7B39-CDA5-441F-A336-D468662A7CA7}">
-      <dgm:prSet/>
-      <dgm:spPr/>
-      <dgm:t>
-        <a:bodyPr/>
-        <a:lstStyle/>
-        <a:p>
-          <a:endParaRPr lang="zh-TW" altLang="en-US"/>
-        </a:p>
-      </dgm:t>
-    </dgm:pt>
-    <dgm:pt modelId="{64CC87F0-9FFE-46C3-BEEB-DFE1DACBB759}">
-      <dgm:prSet phldrT="[文字]" custT="1">
-        <dgm:style>
-          <a:lnRef idx="1">
-            <a:schemeClr val="accent6"/>
-          </a:lnRef>
-          <a:fillRef idx="2">
-            <a:schemeClr val="accent6"/>
-          </a:fillRef>
-          <a:effectRef idx="1">
-            <a:schemeClr val="accent6"/>
-          </a:effectRef>
-          <a:fontRef idx="minor">
-            <a:schemeClr val="dk1"/>
-          </a:fontRef>
-        </dgm:style>
-      </dgm:prSet>
-      <dgm:spPr/>
-      <dgm:t>
-        <a:bodyPr/>
-        <a:lstStyle/>
-        <a:p>
-          <a:r>
-            <a:rPr lang="en-US" altLang="zh-TW" sz="2400" dirty="0"/>
-            <a:t>Setup </a:t>
-          </a:r>
-          <a:r>
-            <a:rPr lang="en-US" altLang="zh-TW" sz="2400" dirty="0" err="1"/>
-            <a:t>AdminQueue</a:t>
-          </a:r>
-          <a:endParaRPr lang="zh-TW" altLang="en-US" sz="2400" dirty="0"/>
-        </a:p>
-      </dgm:t>
-    </dgm:pt>
-    <dgm:pt modelId="{CD4C9C8F-7E2A-44EB-8EAD-CE2706159E7E}" type="sibTrans" cxnId="{B81042D1-D880-4592-B835-D09393AE71CA}">
-      <dgm:prSet/>
-      <dgm:spPr/>
-      <dgm:t>
-        <a:bodyPr/>
-        <a:lstStyle/>
-        <a:p>
-          <a:endParaRPr lang="zh-TW" altLang="en-US"/>
-        </a:p>
-      </dgm:t>
-    </dgm:pt>
-    <dgm:pt modelId="{094AC538-95F9-4DAF-86DE-5095C3DE4AAD}" type="parTrans" cxnId="{B81042D1-D880-4592-B835-D09393AE71CA}">
       <dgm:prSet/>
       <dgm:spPr/>
       <dgm:t>
@@ -3916,112 +3859,88 @@
       </dgm:prSet>
       <dgm:spPr/>
     </dgm:pt>
-    <dgm:pt modelId="{2C160C0F-D642-4686-8DCB-AD5BBD70A186}" type="pres">
-      <dgm:prSet presAssocID="{5FE54E62-0041-40EA-B78E-8E11FF5D2834}" presName="FiveNodes_1" presStyleLbl="node1" presStyleIdx="0" presStyleCnt="5">
+    <dgm:pt modelId="{EDA48B9C-4AE6-43E4-A14F-B882EBD7E8F6}" type="pres">
+      <dgm:prSet presAssocID="{5FE54E62-0041-40EA-B78E-8E11FF5D2834}" presName="FourNodes_1" presStyleLbl="node1" presStyleIdx="0" presStyleCnt="4">
         <dgm:presLayoutVars>
           <dgm:bulletEnabled val="1"/>
         </dgm:presLayoutVars>
       </dgm:prSet>
       <dgm:spPr/>
     </dgm:pt>
-    <dgm:pt modelId="{4745AE6A-C528-446F-9564-D2ED2AADD67C}" type="pres">
-      <dgm:prSet presAssocID="{5FE54E62-0041-40EA-B78E-8E11FF5D2834}" presName="FiveNodes_2" presStyleLbl="node1" presStyleIdx="1" presStyleCnt="5">
+    <dgm:pt modelId="{7AAAE863-C63F-4255-9F5E-C00EBECA9F17}" type="pres">
+      <dgm:prSet presAssocID="{5FE54E62-0041-40EA-B78E-8E11FF5D2834}" presName="FourNodes_2" presStyleLbl="node1" presStyleIdx="1" presStyleCnt="4">
         <dgm:presLayoutVars>
           <dgm:bulletEnabled val="1"/>
         </dgm:presLayoutVars>
       </dgm:prSet>
       <dgm:spPr/>
     </dgm:pt>
-    <dgm:pt modelId="{7E403B99-5A35-4E44-8F58-1E2A5F477238}" type="pres">
-      <dgm:prSet presAssocID="{5FE54E62-0041-40EA-B78E-8E11FF5D2834}" presName="FiveNodes_3" presStyleLbl="node1" presStyleIdx="2" presStyleCnt="5">
+    <dgm:pt modelId="{ECA15803-F536-44A7-A7F1-F43A22E31150}" type="pres">
+      <dgm:prSet presAssocID="{5FE54E62-0041-40EA-B78E-8E11FF5D2834}" presName="FourNodes_3" presStyleLbl="node1" presStyleIdx="2" presStyleCnt="4">
         <dgm:presLayoutVars>
           <dgm:bulletEnabled val="1"/>
         </dgm:presLayoutVars>
       </dgm:prSet>
       <dgm:spPr/>
     </dgm:pt>
-    <dgm:pt modelId="{2EA18E26-53AB-427E-A7DC-42E19A3F1B60}" type="pres">
-      <dgm:prSet presAssocID="{5FE54E62-0041-40EA-B78E-8E11FF5D2834}" presName="FiveNodes_4" presStyleLbl="node1" presStyleIdx="3" presStyleCnt="5">
+    <dgm:pt modelId="{E66D6DB9-B411-48BB-9A41-AF8AE1A04E46}" type="pres">
+      <dgm:prSet presAssocID="{5FE54E62-0041-40EA-B78E-8E11FF5D2834}" presName="FourNodes_4" presStyleLbl="node1" presStyleIdx="3" presStyleCnt="4">
         <dgm:presLayoutVars>
           <dgm:bulletEnabled val="1"/>
         </dgm:presLayoutVars>
       </dgm:prSet>
       <dgm:spPr/>
     </dgm:pt>
-    <dgm:pt modelId="{AE4F2023-53E2-4F36-AFCD-6D177090750E}" type="pres">
-      <dgm:prSet presAssocID="{5FE54E62-0041-40EA-B78E-8E11FF5D2834}" presName="FiveNodes_5" presStyleLbl="node1" presStyleIdx="4" presStyleCnt="5">
+    <dgm:pt modelId="{321FA15E-5B57-4464-A09A-14C0307AA0D7}" type="pres">
+      <dgm:prSet presAssocID="{5FE54E62-0041-40EA-B78E-8E11FF5D2834}" presName="FourConn_1-2" presStyleLbl="fgAccFollowNode1" presStyleIdx="0" presStyleCnt="3">
         <dgm:presLayoutVars>
           <dgm:bulletEnabled val="1"/>
         </dgm:presLayoutVars>
       </dgm:prSet>
       <dgm:spPr/>
     </dgm:pt>
-    <dgm:pt modelId="{746C342B-21FF-432C-925A-C4DE5DAA3C9F}" type="pres">
-      <dgm:prSet presAssocID="{5FE54E62-0041-40EA-B78E-8E11FF5D2834}" presName="FiveConn_1-2" presStyleLbl="fgAccFollowNode1" presStyleIdx="0" presStyleCnt="4">
+    <dgm:pt modelId="{8ADE744B-82FC-4BBB-88B7-6C3FB56676DB}" type="pres">
+      <dgm:prSet presAssocID="{5FE54E62-0041-40EA-B78E-8E11FF5D2834}" presName="FourConn_2-3" presStyleLbl="fgAccFollowNode1" presStyleIdx="1" presStyleCnt="3">
         <dgm:presLayoutVars>
           <dgm:bulletEnabled val="1"/>
         </dgm:presLayoutVars>
       </dgm:prSet>
       <dgm:spPr/>
     </dgm:pt>
-    <dgm:pt modelId="{CA94A841-5423-4372-9E43-5E2BAD61795B}" type="pres">
-      <dgm:prSet presAssocID="{5FE54E62-0041-40EA-B78E-8E11FF5D2834}" presName="FiveConn_2-3" presStyleLbl="fgAccFollowNode1" presStyleIdx="1" presStyleCnt="4">
+    <dgm:pt modelId="{E478050C-A3D2-4E85-957B-ED5DAE6D192F}" type="pres">
+      <dgm:prSet presAssocID="{5FE54E62-0041-40EA-B78E-8E11FF5D2834}" presName="FourConn_3-4" presStyleLbl="fgAccFollowNode1" presStyleIdx="2" presStyleCnt="3">
         <dgm:presLayoutVars>
           <dgm:bulletEnabled val="1"/>
         </dgm:presLayoutVars>
       </dgm:prSet>
       <dgm:spPr/>
     </dgm:pt>
-    <dgm:pt modelId="{0CF132EA-F2FD-4830-9DE1-55E1F152A093}" type="pres">
-      <dgm:prSet presAssocID="{5FE54E62-0041-40EA-B78E-8E11FF5D2834}" presName="FiveConn_3-4" presStyleLbl="fgAccFollowNode1" presStyleIdx="2" presStyleCnt="4">
+    <dgm:pt modelId="{4E849F54-5F2C-4E25-AADE-3F73ECA2D408}" type="pres">
+      <dgm:prSet presAssocID="{5FE54E62-0041-40EA-B78E-8E11FF5D2834}" presName="FourNodes_1_text" presStyleLbl="node1" presStyleIdx="3" presStyleCnt="4">
         <dgm:presLayoutVars>
           <dgm:bulletEnabled val="1"/>
         </dgm:presLayoutVars>
       </dgm:prSet>
       <dgm:spPr/>
     </dgm:pt>
-    <dgm:pt modelId="{3942DED4-634A-47C9-BB00-99BA8D2F4CA7}" type="pres">
-      <dgm:prSet presAssocID="{5FE54E62-0041-40EA-B78E-8E11FF5D2834}" presName="FiveConn_4-5" presStyleLbl="fgAccFollowNode1" presStyleIdx="3" presStyleCnt="4">
+    <dgm:pt modelId="{AE942D7D-ACED-4A07-9D32-CA9A4AE611DF}" type="pres">
+      <dgm:prSet presAssocID="{5FE54E62-0041-40EA-B78E-8E11FF5D2834}" presName="FourNodes_2_text" presStyleLbl="node1" presStyleIdx="3" presStyleCnt="4">
         <dgm:presLayoutVars>
           <dgm:bulletEnabled val="1"/>
         </dgm:presLayoutVars>
       </dgm:prSet>
       <dgm:spPr/>
     </dgm:pt>
-    <dgm:pt modelId="{1C64BFD2-4A3B-4A42-A4C7-F205B612B28F}" type="pres">
-      <dgm:prSet presAssocID="{5FE54E62-0041-40EA-B78E-8E11FF5D2834}" presName="FiveNodes_1_text" presStyleLbl="node1" presStyleIdx="4" presStyleCnt="5">
+    <dgm:pt modelId="{342EF507-7D1B-429C-9B49-D0F914E3F1B5}" type="pres">
+      <dgm:prSet presAssocID="{5FE54E62-0041-40EA-B78E-8E11FF5D2834}" presName="FourNodes_3_text" presStyleLbl="node1" presStyleIdx="3" presStyleCnt="4">
         <dgm:presLayoutVars>
           <dgm:bulletEnabled val="1"/>
         </dgm:presLayoutVars>
       </dgm:prSet>
       <dgm:spPr/>
     </dgm:pt>
-    <dgm:pt modelId="{C19FE931-6E3D-4AAC-897B-86BBE093AA39}" type="pres">
-      <dgm:prSet presAssocID="{5FE54E62-0041-40EA-B78E-8E11FF5D2834}" presName="FiveNodes_2_text" presStyleLbl="node1" presStyleIdx="4" presStyleCnt="5">
-        <dgm:presLayoutVars>
-          <dgm:bulletEnabled val="1"/>
-        </dgm:presLayoutVars>
-      </dgm:prSet>
-      <dgm:spPr/>
-    </dgm:pt>
-    <dgm:pt modelId="{6F83222C-8A3C-4803-8C8B-537C4A92397C}" type="pres">
-      <dgm:prSet presAssocID="{5FE54E62-0041-40EA-B78E-8E11FF5D2834}" presName="FiveNodes_3_text" presStyleLbl="node1" presStyleIdx="4" presStyleCnt="5">
-        <dgm:presLayoutVars>
-          <dgm:bulletEnabled val="1"/>
-        </dgm:presLayoutVars>
-      </dgm:prSet>
-      <dgm:spPr/>
-    </dgm:pt>
-    <dgm:pt modelId="{996EDC78-FAFB-4D83-9D2D-1E507500FD98}" type="pres">
-      <dgm:prSet presAssocID="{5FE54E62-0041-40EA-B78E-8E11FF5D2834}" presName="FiveNodes_4_text" presStyleLbl="node1" presStyleIdx="4" presStyleCnt="5">
-        <dgm:presLayoutVars>
-          <dgm:bulletEnabled val="1"/>
-        </dgm:presLayoutVars>
-      </dgm:prSet>
-      <dgm:spPr/>
-    </dgm:pt>
-    <dgm:pt modelId="{417313F0-57AF-4DE5-AF84-DCE09B49ACA7}" type="pres">
-      <dgm:prSet presAssocID="{5FE54E62-0041-40EA-B78E-8E11FF5D2834}" presName="FiveNodes_5_text" presStyleLbl="node1" presStyleIdx="4" presStyleCnt="5">
+    <dgm:pt modelId="{9F1A95DC-9CA8-455D-801C-866BD0E130BB}" type="pres">
+      <dgm:prSet presAssocID="{5FE54E62-0041-40EA-B78E-8E11FF5D2834}" presName="FourNodes_4_text" presStyleLbl="node1" presStyleIdx="3" presStyleCnt="4">
         <dgm:presLayoutVars>
           <dgm:bulletEnabled val="1"/>
         </dgm:presLayoutVars>
@@ -4030,47 +3949,40 @@
     </dgm:pt>
   </dgm:ptLst>
   <dgm:cxnLst>
-    <dgm:cxn modelId="{CD391204-7FA8-407F-8E5D-3402EC079909}" type="presOf" srcId="{64CC87F0-9FFE-46C3-BEEB-DFE1DACBB759}" destId="{6F83222C-8A3C-4803-8C8B-537C4A92397C}" srcOrd="1" destOrd="0" presId="urn:microsoft.com/office/officeart/2005/8/layout/vProcess5"/>
-    <dgm:cxn modelId="{02158E15-5BAF-435A-95CB-0D2E5618C1EC}" type="presOf" srcId="{D5A362C1-2F77-46E8-8E7C-FDE32C7E1704}" destId="{CA94A841-5423-4372-9E43-5E2BAD61795B}" srcOrd="0" destOrd="0" presId="urn:microsoft.com/office/officeart/2005/8/layout/vProcess5"/>
-    <dgm:cxn modelId="{2E75D623-7AA5-427E-8472-6C4A7F056648}" type="presOf" srcId="{F3ADCD74-FD05-42CE-B49A-A80C8C0AE33B}" destId="{2EA18E26-53AB-427E-A7DC-42E19A3F1B60}" srcOrd="0" destOrd="0" presId="urn:microsoft.com/office/officeart/2005/8/layout/vProcess5"/>
-    <dgm:cxn modelId="{85D6D92D-1759-400C-B664-446329195D2D}" type="presOf" srcId="{1E2F2989-9302-4C2B-952D-D3915ABF1448}" destId="{4745AE6A-C528-446F-9564-D2ED2AADD67C}" srcOrd="0" destOrd="0" presId="urn:microsoft.com/office/officeart/2005/8/layout/vProcess5"/>
-    <dgm:cxn modelId="{14BD2339-C944-4AF6-98E2-ED658F9CF014}" type="presOf" srcId="{887C793B-778E-4581-8E0E-20C36503307A}" destId="{417313F0-57AF-4DE5-AF84-DCE09B49ACA7}" srcOrd="1" destOrd="0" presId="urn:microsoft.com/office/officeart/2005/8/layout/vProcess5"/>
+    <dgm:cxn modelId="{711CFF02-4886-4542-B68C-2BCD22303BFE}" type="presOf" srcId="{F3ADCD74-FD05-42CE-B49A-A80C8C0AE33B}" destId="{342EF507-7D1B-429C-9B49-D0F914E3F1B5}" srcOrd="1" destOrd="0" presId="urn:microsoft.com/office/officeart/2005/8/layout/vProcess5"/>
+    <dgm:cxn modelId="{E11EDD07-6444-4AE5-9426-131ADA2BA6CC}" type="presOf" srcId="{1E2F2989-9302-4C2B-952D-D3915ABF1448}" destId="{AE942D7D-ACED-4A07-9D32-CA9A4AE611DF}" srcOrd="1" destOrd="0" presId="urn:microsoft.com/office/officeart/2005/8/layout/vProcess5"/>
+    <dgm:cxn modelId="{58928214-B400-48DA-8D69-D0F8B4FC3B2E}" type="presOf" srcId="{D5A362C1-2F77-46E8-8E7C-FDE32C7E1704}" destId="{8ADE744B-82FC-4BBB-88B7-6C3FB56676DB}" srcOrd="0" destOrd="0" presId="urn:microsoft.com/office/officeart/2005/8/layout/vProcess5"/>
+    <dgm:cxn modelId="{291C0837-5EDF-4184-AFBE-2A0859809F74}" type="presOf" srcId="{FD1ACBE3-019B-4700-AEC3-4BAFECC65A61}" destId="{EDA48B9C-4AE6-43E4-A14F-B882EBD7E8F6}" srcOrd="0" destOrd="0" presId="urn:microsoft.com/office/officeart/2005/8/layout/vProcess5"/>
     <dgm:cxn modelId="{CD3F7B39-CDA5-441F-A336-D468662A7CA7}" srcId="{5FE54E62-0041-40EA-B78E-8E11FF5D2834}" destId="{1E2F2989-9302-4C2B-952D-D3915ABF1448}" srcOrd="1" destOrd="0" parTransId="{2827459F-54D9-420A-AEA6-8DD05CAF0936}" sibTransId="{D5A362C1-2F77-46E8-8E7C-FDE32C7E1704}"/>
-    <dgm:cxn modelId="{1510DC65-9D3A-4E0E-AB99-C898007011F7}" type="presOf" srcId="{CD4C9C8F-7E2A-44EB-8EAD-CE2706159E7E}" destId="{0CF132EA-F2FD-4830-9DE1-55E1F152A093}" srcOrd="0" destOrd="0" presId="urn:microsoft.com/office/officeart/2005/8/layout/vProcess5"/>
-    <dgm:cxn modelId="{711BDD45-74AD-4691-B458-A619099E3DA1}" type="presOf" srcId="{887C793B-778E-4581-8E0E-20C36503307A}" destId="{AE4F2023-53E2-4F36-AFCD-6D177090750E}" srcOrd="0" destOrd="0" presId="urn:microsoft.com/office/officeart/2005/8/layout/vProcess5"/>
-    <dgm:cxn modelId="{DFA75057-DD12-406D-B92E-FA8F4369A382}" type="presOf" srcId="{389451E5-A623-401F-B164-49AA443143D7}" destId="{3942DED4-634A-47C9-BB00-99BA8D2F4CA7}" srcOrd="0" destOrd="0" presId="urn:microsoft.com/office/officeart/2005/8/layout/vProcess5"/>
-    <dgm:cxn modelId="{C310E05A-F109-40A3-AC62-B8332F7DE73C}" type="presOf" srcId="{1E2F2989-9302-4C2B-952D-D3915ABF1448}" destId="{C19FE931-6E3D-4AAC-897B-86BBE093AA39}" srcOrd="1" destOrd="0" presId="urn:microsoft.com/office/officeart/2005/8/layout/vProcess5"/>
+    <dgm:cxn modelId="{50AAE645-AFF6-4DC3-AD40-37614E47033A}" type="presOf" srcId="{4C35BC09-EE46-43B4-A03B-8734DCB4BC95}" destId="{321FA15E-5B57-4464-A09A-14C0307AA0D7}" srcOrd="0" destOrd="0" presId="urn:microsoft.com/office/officeart/2005/8/layout/vProcess5"/>
+    <dgm:cxn modelId="{1BD1CF6D-BB08-4641-B86E-D44B6836AE91}" type="presOf" srcId="{887C793B-778E-4581-8E0E-20C36503307A}" destId="{9F1A95DC-9CA8-455D-801C-866BD0E130BB}" srcOrd="1" destOrd="0" presId="urn:microsoft.com/office/officeart/2005/8/layout/vProcess5"/>
     <dgm:cxn modelId="{AD15BB7F-D9CB-427E-9DFE-432E56F3A60B}" srcId="{5FE54E62-0041-40EA-B78E-8E11FF5D2834}" destId="{FD1ACBE3-019B-4700-AEC3-4BAFECC65A61}" srcOrd="0" destOrd="0" parTransId="{E8E58B15-7176-4D07-A999-77785251EBFA}" sibTransId="{4C35BC09-EE46-43B4-A03B-8734DCB4BC95}"/>
     <dgm:cxn modelId="{6AF95483-A1CD-41DA-ACA9-F1309E1637BA}" type="presOf" srcId="{5FE54E62-0041-40EA-B78E-8E11FF5D2834}" destId="{86D8F946-97DF-42F4-AEAE-B50C95B74FAA}" srcOrd="0" destOrd="0" presId="urn:microsoft.com/office/officeart/2005/8/layout/vProcess5"/>
-    <dgm:cxn modelId="{FEE32DA5-A3D1-4799-98D7-64A2EB15AD6B}" type="presOf" srcId="{FD1ACBE3-019B-4700-AEC3-4BAFECC65A61}" destId="{2C160C0F-D642-4686-8DCB-AD5BBD70A186}" srcOrd="0" destOrd="0" presId="urn:microsoft.com/office/officeart/2005/8/layout/vProcess5"/>
-    <dgm:cxn modelId="{DE9601BB-82C9-47F3-979E-15C7EB9427E0}" type="presOf" srcId="{4C35BC09-EE46-43B4-A03B-8734DCB4BC95}" destId="{746C342B-21FF-432C-925A-C4DE5DAA3C9F}" srcOrd="0" destOrd="0" presId="urn:microsoft.com/office/officeart/2005/8/layout/vProcess5"/>
-    <dgm:cxn modelId="{89BC0FC1-23F5-4BAE-8CE6-86E3EDF2A346}" srcId="{5FE54E62-0041-40EA-B78E-8E11FF5D2834}" destId="{F3ADCD74-FD05-42CE-B49A-A80C8C0AE33B}" srcOrd="3" destOrd="0" parTransId="{F7702854-9C0E-4987-8382-3F2F934A82CC}" sibTransId="{389451E5-A623-401F-B164-49AA443143D7}"/>
-    <dgm:cxn modelId="{60DD26CA-E3DB-4D88-AB04-B008599062F3}" type="presOf" srcId="{F3ADCD74-FD05-42CE-B49A-A80C8C0AE33B}" destId="{996EDC78-FAFB-4D83-9D2D-1E507500FD98}" srcOrd="1" destOrd="0" presId="urn:microsoft.com/office/officeart/2005/8/layout/vProcess5"/>
-    <dgm:cxn modelId="{9AAAEDCA-3C68-4882-8A16-9E96B1446B78}" srcId="{5FE54E62-0041-40EA-B78E-8E11FF5D2834}" destId="{887C793B-778E-4581-8E0E-20C36503307A}" srcOrd="4" destOrd="0" parTransId="{370C5565-3026-4FCD-A221-5E694061652D}" sibTransId="{DC1619E0-5707-4BF5-835F-A7925D01C7BB}"/>
-    <dgm:cxn modelId="{951B2FCB-6F87-4844-8468-D275AD363091}" type="presOf" srcId="{FD1ACBE3-019B-4700-AEC3-4BAFECC65A61}" destId="{1C64BFD2-4A3B-4A42-A4C7-F205B612B28F}" srcOrd="1" destOrd="0" presId="urn:microsoft.com/office/officeart/2005/8/layout/vProcess5"/>
-    <dgm:cxn modelId="{B81042D1-D880-4592-B835-D09393AE71CA}" srcId="{5FE54E62-0041-40EA-B78E-8E11FF5D2834}" destId="{64CC87F0-9FFE-46C3-BEEB-DFE1DACBB759}" srcOrd="2" destOrd="0" parTransId="{094AC538-95F9-4DAF-86DE-5095C3DE4AAD}" sibTransId="{CD4C9C8F-7E2A-44EB-8EAD-CE2706159E7E}"/>
-    <dgm:cxn modelId="{439DFEDE-300F-4F16-A195-4844E3021864}" type="presOf" srcId="{64CC87F0-9FFE-46C3-BEEB-DFE1DACBB759}" destId="{7E403B99-5A35-4E44-8F58-1E2A5F477238}" srcOrd="0" destOrd="0" presId="urn:microsoft.com/office/officeart/2005/8/layout/vProcess5"/>
+    <dgm:cxn modelId="{A61351B4-5F59-4305-845A-FCAC3D895573}" type="presOf" srcId="{FD1ACBE3-019B-4700-AEC3-4BAFECC65A61}" destId="{4E849F54-5F2C-4E25-AADE-3F73ECA2D408}" srcOrd="1" destOrd="0" presId="urn:microsoft.com/office/officeart/2005/8/layout/vProcess5"/>
+    <dgm:cxn modelId="{89BC0FC1-23F5-4BAE-8CE6-86E3EDF2A346}" srcId="{5FE54E62-0041-40EA-B78E-8E11FF5D2834}" destId="{F3ADCD74-FD05-42CE-B49A-A80C8C0AE33B}" srcOrd="2" destOrd="0" parTransId="{F7702854-9C0E-4987-8382-3F2F934A82CC}" sibTransId="{389451E5-A623-401F-B164-49AA443143D7}"/>
+    <dgm:cxn modelId="{27026EC1-5481-4122-8BEF-82C85602924F}" type="presOf" srcId="{887C793B-778E-4581-8E0E-20C36503307A}" destId="{E66D6DB9-B411-48BB-9A41-AF8AE1A04E46}" srcOrd="0" destOrd="0" presId="urn:microsoft.com/office/officeart/2005/8/layout/vProcess5"/>
+    <dgm:cxn modelId="{9AAAEDCA-3C68-4882-8A16-9E96B1446B78}" srcId="{5FE54E62-0041-40EA-B78E-8E11FF5D2834}" destId="{887C793B-778E-4581-8E0E-20C36503307A}" srcOrd="3" destOrd="0" parTransId="{370C5565-3026-4FCD-A221-5E694061652D}" sibTransId="{DC1619E0-5707-4BF5-835F-A7925D01C7BB}"/>
+    <dgm:cxn modelId="{831D68F5-EBE5-42DA-89CE-DCD51D832CBD}" type="presOf" srcId="{F3ADCD74-FD05-42CE-B49A-A80C8C0AE33B}" destId="{ECA15803-F536-44A7-A7F1-F43A22E31150}" srcOrd="0" destOrd="0" presId="urn:microsoft.com/office/officeart/2005/8/layout/vProcess5"/>
+    <dgm:cxn modelId="{69F57CFD-A62D-4E0B-B25A-77D38FC7BEF8}" type="presOf" srcId="{389451E5-A623-401F-B164-49AA443143D7}" destId="{E478050C-A3D2-4E85-957B-ED5DAE6D192F}" srcOrd="0" destOrd="0" presId="urn:microsoft.com/office/officeart/2005/8/layout/vProcess5"/>
+    <dgm:cxn modelId="{17B569FF-B022-4873-B328-CB5EF9F4E57B}" type="presOf" srcId="{1E2F2989-9302-4C2B-952D-D3915ABF1448}" destId="{7AAAE863-C63F-4255-9F5E-C00EBECA9F17}" srcOrd="0" destOrd="0" presId="urn:microsoft.com/office/officeart/2005/8/layout/vProcess5"/>
     <dgm:cxn modelId="{C6F37656-DC5A-4344-AE92-000BBBAFCCE0}" type="presParOf" srcId="{86D8F946-97DF-42F4-AEAE-B50C95B74FAA}" destId="{7D63F24D-4280-4F7A-909C-205D94AE0DE7}" srcOrd="0" destOrd="0" presId="urn:microsoft.com/office/officeart/2005/8/layout/vProcess5"/>
-    <dgm:cxn modelId="{D2E3B46F-DE82-4D63-9E2A-72DCBC6821B5}" type="presParOf" srcId="{86D8F946-97DF-42F4-AEAE-B50C95B74FAA}" destId="{2C160C0F-D642-4686-8DCB-AD5BBD70A186}" srcOrd="1" destOrd="0" presId="urn:microsoft.com/office/officeart/2005/8/layout/vProcess5"/>
-    <dgm:cxn modelId="{C35F953D-0201-458A-996F-ECA35F2DFC8A}" type="presParOf" srcId="{86D8F946-97DF-42F4-AEAE-B50C95B74FAA}" destId="{4745AE6A-C528-446F-9564-D2ED2AADD67C}" srcOrd="2" destOrd="0" presId="urn:microsoft.com/office/officeart/2005/8/layout/vProcess5"/>
-    <dgm:cxn modelId="{9F04061B-D85F-42C5-AA75-82E6C7D38E68}" type="presParOf" srcId="{86D8F946-97DF-42F4-AEAE-B50C95B74FAA}" destId="{7E403B99-5A35-4E44-8F58-1E2A5F477238}" srcOrd="3" destOrd="0" presId="urn:microsoft.com/office/officeart/2005/8/layout/vProcess5"/>
-    <dgm:cxn modelId="{E4D4AE3E-5C70-49CB-90F7-285A8D2B2C78}" type="presParOf" srcId="{86D8F946-97DF-42F4-AEAE-B50C95B74FAA}" destId="{2EA18E26-53AB-427E-A7DC-42E19A3F1B60}" srcOrd="4" destOrd="0" presId="urn:microsoft.com/office/officeart/2005/8/layout/vProcess5"/>
-    <dgm:cxn modelId="{398E7531-B82F-4890-9B07-044928D09DCA}" type="presParOf" srcId="{86D8F946-97DF-42F4-AEAE-B50C95B74FAA}" destId="{AE4F2023-53E2-4F36-AFCD-6D177090750E}" srcOrd="5" destOrd="0" presId="urn:microsoft.com/office/officeart/2005/8/layout/vProcess5"/>
-    <dgm:cxn modelId="{E36BA66D-3BC2-4FC7-9393-77F05E9D71BC}" type="presParOf" srcId="{86D8F946-97DF-42F4-AEAE-B50C95B74FAA}" destId="{746C342B-21FF-432C-925A-C4DE5DAA3C9F}" srcOrd="6" destOrd="0" presId="urn:microsoft.com/office/officeart/2005/8/layout/vProcess5"/>
-    <dgm:cxn modelId="{F2930015-F02A-463B-AA97-7D5B34705274}" type="presParOf" srcId="{86D8F946-97DF-42F4-AEAE-B50C95B74FAA}" destId="{CA94A841-5423-4372-9E43-5E2BAD61795B}" srcOrd="7" destOrd="0" presId="urn:microsoft.com/office/officeart/2005/8/layout/vProcess5"/>
-    <dgm:cxn modelId="{8B493B1C-40BF-4E29-9FC3-C334FB6F135F}" type="presParOf" srcId="{86D8F946-97DF-42F4-AEAE-B50C95B74FAA}" destId="{0CF132EA-F2FD-4830-9DE1-55E1F152A093}" srcOrd="8" destOrd="0" presId="urn:microsoft.com/office/officeart/2005/8/layout/vProcess5"/>
-    <dgm:cxn modelId="{315BDE85-C45A-4996-B919-29858FF5759E}" type="presParOf" srcId="{86D8F946-97DF-42F4-AEAE-B50C95B74FAA}" destId="{3942DED4-634A-47C9-BB00-99BA8D2F4CA7}" srcOrd="9" destOrd="0" presId="urn:microsoft.com/office/officeart/2005/8/layout/vProcess5"/>
-    <dgm:cxn modelId="{4EB1BDD0-1B83-48F3-87C4-3360BA051507}" type="presParOf" srcId="{86D8F946-97DF-42F4-AEAE-B50C95B74FAA}" destId="{1C64BFD2-4A3B-4A42-A4C7-F205B612B28F}" srcOrd="10" destOrd="0" presId="urn:microsoft.com/office/officeart/2005/8/layout/vProcess5"/>
-    <dgm:cxn modelId="{F3AFE62F-8FBF-4CEC-BC7E-5E9CE7D73E45}" type="presParOf" srcId="{86D8F946-97DF-42F4-AEAE-B50C95B74FAA}" destId="{C19FE931-6E3D-4AAC-897B-86BBE093AA39}" srcOrd="11" destOrd="0" presId="urn:microsoft.com/office/officeart/2005/8/layout/vProcess5"/>
-    <dgm:cxn modelId="{06717247-E020-411A-80A8-1A386CE4E078}" type="presParOf" srcId="{86D8F946-97DF-42F4-AEAE-B50C95B74FAA}" destId="{6F83222C-8A3C-4803-8C8B-537C4A92397C}" srcOrd="12" destOrd="0" presId="urn:microsoft.com/office/officeart/2005/8/layout/vProcess5"/>
-    <dgm:cxn modelId="{81F7D88D-C17A-46E0-9998-5D65B30FDBDF}" type="presParOf" srcId="{86D8F946-97DF-42F4-AEAE-B50C95B74FAA}" destId="{996EDC78-FAFB-4D83-9D2D-1E507500FD98}" srcOrd="13" destOrd="0" presId="urn:microsoft.com/office/officeart/2005/8/layout/vProcess5"/>
-    <dgm:cxn modelId="{021C60B2-B916-4B48-ABC3-78EDA628817B}" type="presParOf" srcId="{86D8F946-97DF-42F4-AEAE-B50C95B74FAA}" destId="{417313F0-57AF-4DE5-AF84-DCE09B49ACA7}" srcOrd="14" destOrd="0" presId="urn:microsoft.com/office/officeart/2005/8/layout/vProcess5"/>
+    <dgm:cxn modelId="{7BB95E3D-6742-4244-A0A2-1C21E09A31D2}" type="presParOf" srcId="{86D8F946-97DF-42F4-AEAE-B50C95B74FAA}" destId="{EDA48B9C-4AE6-43E4-A14F-B882EBD7E8F6}" srcOrd="1" destOrd="0" presId="urn:microsoft.com/office/officeart/2005/8/layout/vProcess5"/>
+    <dgm:cxn modelId="{5B5E02B7-EF13-4B69-8A7F-6D2700FEE516}" type="presParOf" srcId="{86D8F946-97DF-42F4-AEAE-B50C95B74FAA}" destId="{7AAAE863-C63F-4255-9F5E-C00EBECA9F17}" srcOrd="2" destOrd="0" presId="urn:microsoft.com/office/officeart/2005/8/layout/vProcess5"/>
+    <dgm:cxn modelId="{732D2C52-F61E-4B75-A849-985AF290B4B8}" type="presParOf" srcId="{86D8F946-97DF-42F4-AEAE-B50C95B74FAA}" destId="{ECA15803-F536-44A7-A7F1-F43A22E31150}" srcOrd="3" destOrd="0" presId="urn:microsoft.com/office/officeart/2005/8/layout/vProcess5"/>
+    <dgm:cxn modelId="{AF39D3D2-DA2B-4AAC-83D8-3171E7F87E20}" type="presParOf" srcId="{86D8F946-97DF-42F4-AEAE-B50C95B74FAA}" destId="{E66D6DB9-B411-48BB-9A41-AF8AE1A04E46}" srcOrd="4" destOrd="0" presId="urn:microsoft.com/office/officeart/2005/8/layout/vProcess5"/>
+    <dgm:cxn modelId="{94BBFF5B-7728-4FE2-8476-2ADB0A70AF4E}" type="presParOf" srcId="{86D8F946-97DF-42F4-AEAE-B50C95B74FAA}" destId="{321FA15E-5B57-4464-A09A-14C0307AA0D7}" srcOrd="5" destOrd="0" presId="urn:microsoft.com/office/officeart/2005/8/layout/vProcess5"/>
+    <dgm:cxn modelId="{C2920889-F52C-46FB-AB6C-8B8FFDB98C54}" type="presParOf" srcId="{86D8F946-97DF-42F4-AEAE-B50C95B74FAA}" destId="{8ADE744B-82FC-4BBB-88B7-6C3FB56676DB}" srcOrd="6" destOrd="0" presId="urn:microsoft.com/office/officeart/2005/8/layout/vProcess5"/>
+    <dgm:cxn modelId="{F44A4330-FF67-477B-B1A0-47951819D867}" type="presParOf" srcId="{86D8F946-97DF-42F4-AEAE-B50C95B74FAA}" destId="{E478050C-A3D2-4E85-957B-ED5DAE6D192F}" srcOrd="7" destOrd="0" presId="urn:microsoft.com/office/officeart/2005/8/layout/vProcess5"/>
+    <dgm:cxn modelId="{93BCA9A8-7C22-48F4-961F-31C585B00C06}" type="presParOf" srcId="{86D8F946-97DF-42F4-AEAE-B50C95B74FAA}" destId="{4E849F54-5F2C-4E25-AADE-3F73ECA2D408}" srcOrd="8" destOrd="0" presId="urn:microsoft.com/office/officeart/2005/8/layout/vProcess5"/>
+    <dgm:cxn modelId="{4316827D-6F19-4C70-AE33-C012F9B43996}" type="presParOf" srcId="{86D8F946-97DF-42F4-AEAE-B50C95B74FAA}" destId="{AE942D7D-ACED-4A07-9D32-CA9A4AE611DF}" srcOrd="9" destOrd="0" presId="urn:microsoft.com/office/officeart/2005/8/layout/vProcess5"/>
+    <dgm:cxn modelId="{F62C9AA7-5294-438D-A08B-155EF234BAF3}" type="presParOf" srcId="{86D8F946-97DF-42F4-AEAE-B50C95B74FAA}" destId="{342EF507-7D1B-429C-9B49-D0F914E3F1B5}" srcOrd="10" destOrd="0" presId="urn:microsoft.com/office/officeart/2005/8/layout/vProcess5"/>
+    <dgm:cxn modelId="{2471F71D-7BCF-4F9C-91D4-1055685F9D5B}" type="presParOf" srcId="{86D8F946-97DF-42F4-AEAE-B50C95B74FAA}" destId="{9F1A95DC-9CA8-455D-801C-866BD0E130BB}" srcOrd="11" destOrd="0" presId="urn:microsoft.com/office/officeart/2005/8/layout/vProcess5"/>
   </dgm:cxnLst>
   <dgm:bg/>
   <dgm:whole/>
   <dgm:extLst>
     <a:ext uri="http://schemas.microsoft.com/office/drawing/2008/diagram">
-      <dsp:dataModelExt xmlns:dsp="http://schemas.microsoft.com/office/drawing/2008/diagram" relId="rId11" minVer="http://schemas.openxmlformats.org/drawingml/2006/diagram"/>
+      <dsp:dataModelExt xmlns:dsp="http://schemas.microsoft.com/office/drawing/2008/diagram" relId="rId12" minVer="http://schemas.openxmlformats.org/drawingml/2006/diagram"/>
     </a:ext>
   </dgm:extLst>
 </dgm:dataModel>
@@ -4246,6 +4158,58 @@
         </a:p>
       </dgm:t>
     </dgm:pt>
+    <dgm:pt modelId="{693F4FED-0941-4FE6-8925-8129330467AB}">
+      <dgm:prSet phldrT="[文字]">
+        <dgm:style>
+          <a:lnRef idx="1">
+            <a:schemeClr val="accent4"/>
+          </a:lnRef>
+          <a:fillRef idx="2">
+            <a:schemeClr val="accent4"/>
+          </a:fillRef>
+          <a:effectRef idx="1">
+            <a:schemeClr val="accent4"/>
+          </a:effectRef>
+          <a:fontRef idx="minor">
+            <a:schemeClr val="dk1"/>
+          </a:fontRef>
+        </dgm:style>
+      </dgm:prSet>
+      <dgm:spPr/>
+      <dgm:t>
+        <a:bodyPr/>
+        <a:lstStyle/>
+        <a:p>
+          <a:r>
+            <a:rPr lang="en-US" altLang="zh-TW" dirty="0"/>
+            <a:t>Disable controller</a:t>
+          </a:r>
+          <a:endParaRPr lang="zh-TW" altLang="en-US" dirty="0"/>
+        </a:p>
+      </dgm:t>
+    </dgm:pt>
+    <dgm:pt modelId="{202A742B-872A-470E-A6BE-640F0A13246B}" type="parTrans" cxnId="{ED1BFC4B-701D-4C40-835C-570D10D71E6E}">
+      <dgm:prSet/>
+      <dgm:spPr/>
+      <dgm:t>
+        <a:bodyPr/>
+        <a:lstStyle/>
+        <a:p>
+          <a:endParaRPr lang="zh-TW" altLang="en-US"/>
+        </a:p>
+      </dgm:t>
+    </dgm:pt>
+    <dgm:pt modelId="{E776C281-DF83-47D2-ABE2-980BC743A666}" type="sibTrans" cxnId="{ED1BFC4B-701D-4C40-835C-570D10D71E6E}">
+      <dgm:prSet/>
+      <dgm:spPr/>
+      <dgm:t>
+        <a:bodyPr/>
+        <a:lstStyle/>
+        <a:p>
+          <a:endParaRPr lang="zh-TW" altLang="en-US"/>
+        </a:p>
+      </dgm:t>
+    </dgm:pt>
     <dgm:pt modelId="{AB9C7FA0-D862-4828-8AEB-109FA3752C3C}" type="pres">
       <dgm:prSet presAssocID="{A386D9BF-5AF2-4BB2-ACE2-9E75FE00A403}" presName="outerComposite" presStyleCnt="0">
         <dgm:presLayoutVars>
@@ -4262,64 +4226,88 @@
       </dgm:prSet>
       <dgm:spPr/>
     </dgm:pt>
-    <dgm:pt modelId="{610175AC-756E-41EA-A658-1F3D11B6A416}" type="pres">
-      <dgm:prSet presAssocID="{A386D9BF-5AF2-4BB2-ACE2-9E75FE00A403}" presName="ThreeNodes_1" presStyleLbl="node1" presStyleIdx="0" presStyleCnt="3">
+    <dgm:pt modelId="{73F3CBAE-6173-4895-867F-F50D754685F0}" type="pres">
+      <dgm:prSet presAssocID="{A386D9BF-5AF2-4BB2-ACE2-9E75FE00A403}" presName="FourNodes_1" presStyleLbl="node1" presStyleIdx="0" presStyleCnt="4">
         <dgm:presLayoutVars>
           <dgm:bulletEnabled val="1"/>
         </dgm:presLayoutVars>
       </dgm:prSet>
       <dgm:spPr/>
     </dgm:pt>
-    <dgm:pt modelId="{5FC40E8D-4926-49BA-A3D5-F0DAE9A03496}" type="pres">
-      <dgm:prSet presAssocID="{A386D9BF-5AF2-4BB2-ACE2-9E75FE00A403}" presName="ThreeNodes_2" presStyleLbl="node1" presStyleIdx="1" presStyleCnt="3">
+    <dgm:pt modelId="{37104333-1FA3-451C-9D09-A5B659A654E5}" type="pres">
+      <dgm:prSet presAssocID="{A386D9BF-5AF2-4BB2-ACE2-9E75FE00A403}" presName="FourNodes_2" presStyleLbl="node1" presStyleIdx="1" presStyleCnt="4">
         <dgm:presLayoutVars>
           <dgm:bulletEnabled val="1"/>
         </dgm:presLayoutVars>
       </dgm:prSet>
       <dgm:spPr/>
     </dgm:pt>
-    <dgm:pt modelId="{B62EE5C8-FF7B-405A-AD8A-2ADA6EDCFDE1}" type="pres">
-      <dgm:prSet presAssocID="{A386D9BF-5AF2-4BB2-ACE2-9E75FE00A403}" presName="ThreeNodes_3" presStyleLbl="node1" presStyleIdx="2" presStyleCnt="3">
+    <dgm:pt modelId="{5118A2D9-00FD-4414-84FB-D9CA1BDD70DD}" type="pres">
+      <dgm:prSet presAssocID="{A386D9BF-5AF2-4BB2-ACE2-9E75FE00A403}" presName="FourNodes_3" presStyleLbl="node1" presStyleIdx="2" presStyleCnt="4">
         <dgm:presLayoutVars>
           <dgm:bulletEnabled val="1"/>
         </dgm:presLayoutVars>
       </dgm:prSet>
       <dgm:spPr/>
     </dgm:pt>
-    <dgm:pt modelId="{E14A5974-3ACC-4623-B1AC-EBD37311096F}" type="pres">
-      <dgm:prSet presAssocID="{A386D9BF-5AF2-4BB2-ACE2-9E75FE00A403}" presName="ThreeConn_1-2" presStyleLbl="fgAccFollowNode1" presStyleIdx="0" presStyleCnt="2">
+    <dgm:pt modelId="{0042D654-9B96-45D0-AAB4-7E2CF733DEB0}" type="pres">
+      <dgm:prSet presAssocID="{A386D9BF-5AF2-4BB2-ACE2-9E75FE00A403}" presName="FourNodes_4" presStyleLbl="node1" presStyleIdx="3" presStyleCnt="4">
         <dgm:presLayoutVars>
           <dgm:bulletEnabled val="1"/>
         </dgm:presLayoutVars>
       </dgm:prSet>
       <dgm:spPr/>
     </dgm:pt>
-    <dgm:pt modelId="{3165DC32-2991-47C1-BF3D-3F3AB925B253}" type="pres">
-      <dgm:prSet presAssocID="{A386D9BF-5AF2-4BB2-ACE2-9E75FE00A403}" presName="ThreeConn_2-3" presStyleLbl="fgAccFollowNode1" presStyleIdx="1" presStyleCnt="2">
+    <dgm:pt modelId="{02B794F5-CC86-49DA-97ED-B664F4608914}" type="pres">
+      <dgm:prSet presAssocID="{A386D9BF-5AF2-4BB2-ACE2-9E75FE00A403}" presName="FourConn_1-2" presStyleLbl="fgAccFollowNode1" presStyleIdx="0" presStyleCnt="3">
         <dgm:presLayoutVars>
           <dgm:bulletEnabled val="1"/>
         </dgm:presLayoutVars>
       </dgm:prSet>
       <dgm:spPr/>
     </dgm:pt>
-    <dgm:pt modelId="{6439C9C9-12E2-4EA6-AB1A-339E3E2B740B}" type="pres">
-      <dgm:prSet presAssocID="{A386D9BF-5AF2-4BB2-ACE2-9E75FE00A403}" presName="ThreeNodes_1_text" presStyleLbl="node1" presStyleIdx="2" presStyleCnt="3">
+    <dgm:pt modelId="{B53626A8-32B4-4C11-BEBE-71C1BA1E56CC}" type="pres">
+      <dgm:prSet presAssocID="{A386D9BF-5AF2-4BB2-ACE2-9E75FE00A403}" presName="FourConn_2-3" presStyleLbl="fgAccFollowNode1" presStyleIdx="1" presStyleCnt="3">
         <dgm:presLayoutVars>
           <dgm:bulletEnabled val="1"/>
         </dgm:presLayoutVars>
       </dgm:prSet>
       <dgm:spPr/>
     </dgm:pt>
-    <dgm:pt modelId="{C4875E8B-210E-45D3-8902-77CB75A19362}" type="pres">
-      <dgm:prSet presAssocID="{A386D9BF-5AF2-4BB2-ACE2-9E75FE00A403}" presName="ThreeNodes_2_text" presStyleLbl="node1" presStyleIdx="2" presStyleCnt="3">
+    <dgm:pt modelId="{AF1E192F-5E41-49A3-BE6F-2C20577B04D1}" type="pres">
+      <dgm:prSet presAssocID="{A386D9BF-5AF2-4BB2-ACE2-9E75FE00A403}" presName="FourConn_3-4" presStyleLbl="fgAccFollowNode1" presStyleIdx="2" presStyleCnt="3">
         <dgm:presLayoutVars>
           <dgm:bulletEnabled val="1"/>
         </dgm:presLayoutVars>
       </dgm:prSet>
       <dgm:spPr/>
     </dgm:pt>
-    <dgm:pt modelId="{F14FAEF0-BDD6-476D-8153-223141D69582}" type="pres">
-      <dgm:prSet presAssocID="{A386D9BF-5AF2-4BB2-ACE2-9E75FE00A403}" presName="ThreeNodes_3_text" presStyleLbl="node1" presStyleIdx="2" presStyleCnt="3">
+    <dgm:pt modelId="{46914599-D57E-4268-B707-576382288142}" type="pres">
+      <dgm:prSet presAssocID="{A386D9BF-5AF2-4BB2-ACE2-9E75FE00A403}" presName="FourNodes_1_text" presStyleLbl="node1" presStyleIdx="3" presStyleCnt="4">
+        <dgm:presLayoutVars>
+          <dgm:bulletEnabled val="1"/>
+        </dgm:presLayoutVars>
+      </dgm:prSet>
+      <dgm:spPr/>
+    </dgm:pt>
+    <dgm:pt modelId="{A9F14D43-F8FB-4CB1-BEBA-FBD400E18CEA}" type="pres">
+      <dgm:prSet presAssocID="{A386D9BF-5AF2-4BB2-ACE2-9E75FE00A403}" presName="FourNodes_2_text" presStyleLbl="node1" presStyleIdx="3" presStyleCnt="4">
+        <dgm:presLayoutVars>
+          <dgm:bulletEnabled val="1"/>
+        </dgm:presLayoutVars>
+      </dgm:prSet>
+      <dgm:spPr/>
+    </dgm:pt>
+    <dgm:pt modelId="{32257946-ED47-4FDA-BDB6-CBADF33C7D25}" type="pres">
+      <dgm:prSet presAssocID="{A386D9BF-5AF2-4BB2-ACE2-9E75FE00A403}" presName="FourNodes_3_text" presStyleLbl="node1" presStyleIdx="3" presStyleCnt="4">
+        <dgm:presLayoutVars>
+          <dgm:bulletEnabled val="1"/>
+        </dgm:presLayoutVars>
+      </dgm:prSet>
+      <dgm:spPr/>
+    </dgm:pt>
+    <dgm:pt modelId="{7D10DA78-EDE8-4DA0-88F1-E9548CFF6453}" type="pres">
+      <dgm:prSet presAssocID="{A386D9BF-5AF2-4BB2-ACE2-9E75FE00A403}" presName="FourNodes_4_text" presStyleLbl="node1" presStyleIdx="3" presStyleCnt="4">
         <dgm:presLayoutVars>
           <dgm:bulletEnabled val="1"/>
         </dgm:presLayoutVars>
@@ -4328,27 +4316,34 @@
     </dgm:pt>
   </dgm:ptLst>
   <dgm:cxnLst>
-    <dgm:cxn modelId="{BC54F40E-35ED-4CE2-94F8-00F8D384D917}" type="presOf" srcId="{4C334464-3042-443A-9209-D2162465074D}" destId="{E14A5974-3ACC-4623-B1AC-EBD37311096F}" srcOrd="0" destOrd="0" presId="urn:microsoft.com/office/officeart/2005/8/layout/vProcess5"/>
-    <dgm:cxn modelId="{F48FE33E-B9ED-4B23-B935-F29812F0A09F}" type="presOf" srcId="{B7035F75-109F-42C4-9249-7CAAC1426DCC}" destId="{C4875E8B-210E-45D3-8902-77CB75A19362}" srcOrd="1" destOrd="0" presId="urn:microsoft.com/office/officeart/2005/8/layout/vProcess5"/>
-    <dgm:cxn modelId="{A8846243-E5BF-46E4-BF6C-398D885905DB}" type="presOf" srcId="{9E7EA19A-2948-48E7-BD45-86837138F514}" destId="{610175AC-756E-41EA-A658-1F3D11B6A416}" srcOrd="0" destOrd="0" presId="urn:microsoft.com/office/officeart/2005/8/layout/vProcess5"/>
-    <dgm:cxn modelId="{B91B4D52-B887-40BB-A3D3-39A324395822}" srcId="{A386D9BF-5AF2-4BB2-ACE2-9E75FE00A403}" destId="{4A4B0D95-ABED-458A-8FC0-26BBDFC22802}" srcOrd="2" destOrd="0" parTransId="{607982FB-65FF-48CC-8406-8A1BAA394913}" sibTransId="{72BA66B2-B7C3-4341-96B4-FFFC1135EB7C}"/>
-    <dgm:cxn modelId="{07230F57-5E66-46F2-A4B3-82DA4E8C3C90}" type="presOf" srcId="{DD70C249-2002-4AE2-AB3A-7F7A2500A88C}" destId="{3165DC32-2991-47C1-BF3D-3F3AB925B253}" srcOrd="0" destOrd="0" presId="urn:microsoft.com/office/officeart/2005/8/layout/vProcess5"/>
-    <dgm:cxn modelId="{329C3E78-BEF1-4DCE-89EB-38B92A44D58F}" type="presOf" srcId="{4A4B0D95-ABED-458A-8FC0-26BBDFC22802}" destId="{B62EE5C8-FF7B-405A-AD8A-2ADA6EDCFDE1}" srcOrd="0" destOrd="0" presId="urn:microsoft.com/office/officeart/2005/8/layout/vProcess5"/>
-    <dgm:cxn modelId="{942DE57A-5FB8-4134-A351-F6FC5A432B78}" type="presOf" srcId="{B7035F75-109F-42C4-9249-7CAAC1426DCC}" destId="{5FC40E8D-4926-49BA-A3D5-F0DAE9A03496}" srcOrd="0" destOrd="0" presId="urn:microsoft.com/office/officeart/2005/8/layout/vProcess5"/>
-    <dgm:cxn modelId="{1A25D0AC-67B7-437A-9DB5-FE431E4B6662}" type="presOf" srcId="{4A4B0D95-ABED-458A-8FC0-26BBDFC22802}" destId="{F14FAEF0-BDD6-476D-8153-223141D69582}" srcOrd="1" destOrd="0" presId="urn:microsoft.com/office/officeart/2005/8/layout/vProcess5"/>
-    <dgm:cxn modelId="{817A2BAF-3F92-4A3A-884C-5444B5E852B1}" type="presOf" srcId="{9E7EA19A-2948-48E7-BD45-86837138F514}" destId="{6439C9C9-12E2-4EA6-AB1A-339E3E2B740B}" srcOrd="1" destOrd="0" presId="urn:microsoft.com/office/officeart/2005/8/layout/vProcess5"/>
+    <dgm:cxn modelId="{2BC01603-2549-472C-B532-A441E77A2F59}" type="presOf" srcId="{4A4B0D95-ABED-458A-8FC0-26BBDFC22802}" destId="{0042D654-9B96-45D0-AAB4-7E2CF733DEB0}" srcOrd="0" destOrd="0" presId="urn:microsoft.com/office/officeart/2005/8/layout/vProcess5"/>
+    <dgm:cxn modelId="{46715708-DFA6-4CCA-8A3C-2DC698066434}" type="presOf" srcId="{693F4FED-0941-4FE6-8925-8129330467AB}" destId="{5118A2D9-00FD-4414-84FB-D9CA1BDD70DD}" srcOrd="0" destOrd="0" presId="urn:microsoft.com/office/officeart/2005/8/layout/vProcess5"/>
+    <dgm:cxn modelId="{3D187B2A-55BC-444E-9A53-5D409C3A51A2}" type="presOf" srcId="{4C334464-3042-443A-9209-D2162465074D}" destId="{02B794F5-CC86-49DA-97ED-B664F4608914}" srcOrd="0" destOrd="0" presId="urn:microsoft.com/office/officeart/2005/8/layout/vProcess5"/>
+    <dgm:cxn modelId="{B5005B3B-3576-4B64-B041-E942BD297C0C}" type="presOf" srcId="{B7035F75-109F-42C4-9249-7CAAC1426DCC}" destId="{37104333-1FA3-451C-9D09-A5B659A654E5}" srcOrd="0" destOrd="0" presId="urn:microsoft.com/office/officeart/2005/8/layout/vProcess5"/>
+    <dgm:cxn modelId="{ED1BFC4B-701D-4C40-835C-570D10D71E6E}" srcId="{A386D9BF-5AF2-4BB2-ACE2-9E75FE00A403}" destId="{693F4FED-0941-4FE6-8925-8129330467AB}" srcOrd="2" destOrd="0" parTransId="{202A742B-872A-470E-A6BE-640F0A13246B}" sibTransId="{E776C281-DF83-47D2-ABE2-980BC743A666}"/>
+    <dgm:cxn modelId="{B91B4D52-B887-40BB-A3D3-39A324395822}" srcId="{A386D9BF-5AF2-4BB2-ACE2-9E75FE00A403}" destId="{4A4B0D95-ABED-458A-8FC0-26BBDFC22802}" srcOrd="3" destOrd="0" parTransId="{607982FB-65FF-48CC-8406-8A1BAA394913}" sibTransId="{72BA66B2-B7C3-4341-96B4-FFFC1135EB7C}"/>
+    <dgm:cxn modelId="{19CF8355-B35B-4764-9636-04A30C5AA189}" type="presOf" srcId="{E776C281-DF83-47D2-ABE2-980BC743A666}" destId="{AF1E192F-5E41-49A3-BE6F-2C20577B04D1}" srcOrd="0" destOrd="0" presId="urn:microsoft.com/office/officeart/2005/8/layout/vProcess5"/>
+    <dgm:cxn modelId="{74671876-4047-4C7E-9F32-83B8BE769508}" type="presOf" srcId="{B7035F75-109F-42C4-9249-7CAAC1426DCC}" destId="{A9F14D43-F8FB-4CB1-BEBA-FBD400E18CEA}" srcOrd="1" destOrd="0" presId="urn:microsoft.com/office/officeart/2005/8/layout/vProcess5"/>
+    <dgm:cxn modelId="{8BD82B97-0E9B-4244-959C-62ED4BCD2098}" type="presOf" srcId="{9E7EA19A-2948-48E7-BD45-86837138F514}" destId="{46914599-D57E-4268-B707-576382288142}" srcOrd="1" destOrd="0" presId="urn:microsoft.com/office/officeart/2005/8/layout/vProcess5"/>
     <dgm:cxn modelId="{A9D9C7B0-4FCD-459E-9661-346AF1625331}" srcId="{A386D9BF-5AF2-4BB2-ACE2-9E75FE00A403}" destId="{B7035F75-109F-42C4-9249-7CAAC1426DCC}" srcOrd="1" destOrd="0" parTransId="{43715973-17CA-4211-8144-161D15CCA678}" sibTransId="{DD70C249-2002-4AE2-AB3A-7F7A2500A88C}"/>
+    <dgm:cxn modelId="{91ACC6B9-C2E2-43F4-B575-8722FE2B445F}" type="presOf" srcId="{DD70C249-2002-4AE2-AB3A-7F7A2500A88C}" destId="{B53626A8-32B4-4C11-BEBE-71C1BA1E56CC}" srcOrd="0" destOrd="0" presId="urn:microsoft.com/office/officeart/2005/8/layout/vProcess5"/>
     <dgm:cxn modelId="{F2E739C9-D104-43B8-96CE-1A1CBED74962}" srcId="{A386D9BF-5AF2-4BB2-ACE2-9E75FE00A403}" destId="{9E7EA19A-2948-48E7-BD45-86837138F514}" srcOrd="0" destOrd="0" parTransId="{4D0F695F-CDB8-4FF5-9B6E-81BFCF19720D}" sibTransId="{4C334464-3042-443A-9209-D2162465074D}"/>
+    <dgm:cxn modelId="{37E9DED7-4A39-4C67-9D0B-FBB2C52A68C3}" type="presOf" srcId="{693F4FED-0941-4FE6-8925-8129330467AB}" destId="{32257946-ED47-4FDA-BDB6-CBADF33C7D25}" srcOrd="1" destOrd="0" presId="urn:microsoft.com/office/officeart/2005/8/layout/vProcess5"/>
+    <dgm:cxn modelId="{22FE7CD9-A999-43CA-BF8F-88FD62736D5E}" type="presOf" srcId="{9E7EA19A-2948-48E7-BD45-86837138F514}" destId="{73F3CBAE-6173-4895-867F-F50D754685F0}" srcOrd="0" destOrd="0" presId="urn:microsoft.com/office/officeart/2005/8/layout/vProcess5"/>
+    <dgm:cxn modelId="{3FBFAFF0-47BA-4F7A-90CD-DAC81C7B6137}" type="presOf" srcId="{4A4B0D95-ABED-458A-8FC0-26BBDFC22802}" destId="{7D10DA78-EDE8-4DA0-88F1-E9548CFF6453}" srcOrd="1" destOrd="0" presId="urn:microsoft.com/office/officeart/2005/8/layout/vProcess5"/>
     <dgm:cxn modelId="{E19911F2-BD69-4389-ADCD-A8B9A6D093DC}" type="presOf" srcId="{A386D9BF-5AF2-4BB2-ACE2-9E75FE00A403}" destId="{AB9C7FA0-D862-4828-8AEB-109FA3752C3C}" srcOrd="0" destOrd="0" presId="urn:microsoft.com/office/officeart/2005/8/layout/vProcess5"/>
     <dgm:cxn modelId="{D6E76219-72E2-4C0C-8079-CBEC125AE851}" type="presParOf" srcId="{AB9C7FA0-D862-4828-8AEB-109FA3752C3C}" destId="{DE41C8F7-0D1D-439E-A6D6-A54480A6EF45}" srcOrd="0" destOrd="0" presId="urn:microsoft.com/office/officeart/2005/8/layout/vProcess5"/>
-    <dgm:cxn modelId="{AF66C2E4-8CAB-4D37-B154-7FCEC552471B}" type="presParOf" srcId="{AB9C7FA0-D862-4828-8AEB-109FA3752C3C}" destId="{610175AC-756E-41EA-A658-1F3D11B6A416}" srcOrd="1" destOrd="0" presId="urn:microsoft.com/office/officeart/2005/8/layout/vProcess5"/>
-    <dgm:cxn modelId="{A0C4D471-2A55-4B85-BDBE-6EB6B81651B2}" type="presParOf" srcId="{AB9C7FA0-D862-4828-8AEB-109FA3752C3C}" destId="{5FC40E8D-4926-49BA-A3D5-F0DAE9A03496}" srcOrd="2" destOrd="0" presId="urn:microsoft.com/office/officeart/2005/8/layout/vProcess5"/>
-    <dgm:cxn modelId="{87876C69-1E8F-4A61-AA8D-4A891EA2B14B}" type="presParOf" srcId="{AB9C7FA0-D862-4828-8AEB-109FA3752C3C}" destId="{B62EE5C8-FF7B-405A-AD8A-2ADA6EDCFDE1}" srcOrd="3" destOrd="0" presId="urn:microsoft.com/office/officeart/2005/8/layout/vProcess5"/>
-    <dgm:cxn modelId="{EBB9DD33-8D88-4D39-B3E6-9E236A4A6618}" type="presParOf" srcId="{AB9C7FA0-D862-4828-8AEB-109FA3752C3C}" destId="{E14A5974-3ACC-4623-B1AC-EBD37311096F}" srcOrd="4" destOrd="0" presId="urn:microsoft.com/office/officeart/2005/8/layout/vProcess5"/>
-    <dgm:cxn modelId="{933D7175-6167-4E0C-81B0-586CF41265B0}" type="presParOf" srcId="{AB9C7FA0-D862-4828-8AEB-109FA3752C3C}" destId="{3165DC32-2991-47C1-BF3D-3F3AB925B253}" srcOrd="5" destOrd="0" presId="urn:microsoft.com/office/officeart/2005/8/layout/vProcess5"/>
-    <dgm:cxn modelId="{35C8D3F3-C6C1-4C6F-B373-5D35DB7BB609}" type="presParOf" srcId="{AB9C7FA0-D862-4828-8AEB-109FA3752C3C}" destId="{6439C9C9-12E2-4EA6-AB1A-339E3E2B740B}" srcOrd="6" destOrd="0" presId="urn:microsoft.com/office/officeart/2005/8/layout/vProcess5"/>
-    <dgm:cxn modelId="{8477F3BF-482F-4F17-8D0F-C82EE8D9AC36}" type="presParOf" srcId="{AB9C7FA0-D862-4828-8AEB-109FA3752C3C}" destId="{C4875E8B-210E-45D3-8902-77CB75A19362}" srcOrd="7" destOrd="0" presId="urn:microsoft.com/office/officeart/2005/8/layout/vProcess5"/>
-    <dgm:cxn modelId="{6E7706E7-9AE8-49E1-B460-CF1E666AB5D0}" type="presParOf" srcId="{AB9C7FA0-D862-4828-8AEB-109FA3752C3C}" destId="{F14FAEF0-BDD6-476D-8153-223141D69582}" srcOrd="8" destOrd="0" presId="urn:microsoft.com/office/officeart/2005/8/layout/vProcess5"/>
+    <dgm:cxn modelId="{94969D92-28CE-44EC-8F82-65DC5E095A1F}" type="presParOf" srcId="{AB9C7FA0-D862-4828-8AEB-109FA3752C3C}" destId="{73F3CBAE-6173-4895-867F-F50D754685F0}" srcOrd="1" destOrd="0" presId="urn:microsoft.com/office/officeart/2005/8/layout/vProcess5"/>
+    <dgm:cxn modelId="{5A18A831-CA23-4270-B9E4-32C9969EA2B2}" type="presParOf" srcId="{AB9C7FA0-D862-4828-8AEB-109FA3752C3C}" destId="{37104333-1FA3-451C-9D09-A5B659A654E5}" srcOrd="2" destOrd="0" presId="urn:microsoft.com/office/officeart/2005/8/layout/vProcess5"/>
+    <dgm:cxn modelId="{CDF69C8B-1005-4A98-A5AB-C6FCFDA0E648}" type="presParOf" srcId="{AB9C7FA0-D862-4828-8AEB-109FA3752C3C}" destId="{5118A2D9-00FD-4414-84FB-D9CA1BDD70DD}" srcOrd="3" destOrd="0" presId="urn:microsoft.com/office/officeart/2005/8/layout/vProcess5"/>
+    <dgm:cxn modelId="{365E7E2C-3E02-4036-868E-2A5504748178}" type="presParOf" srcId="{AB9C7FA0-D862-4828-8AEB-109FA3752C3C}" destId="{0042D654-9B96-45D0-AAB4-7E2CF733DEB0}" srcOrd="4" destOrd="0" presId="urn:microsoft.com/office/officeart/2005/8/layout/vProcess5"/>
+    <dgm:cxn modelId="{BBA87982-1E96-4A0A-9E40-2307B2001360}" type="presParOf" srcId="{AB9C7FA0-D862-4828-8AEB-109FA3752C3C}" destId="{02B794F5-CC86-49DA-97ED-B664F4608914}" srcOrd="5" destOrd="0" presId="urn:microsoft.com/office/officeart/2005/8/layout/vProcess5"/>
+    <dgm:cxn modelId="{59A83E88-BBF4-4175-ACD0-F96134CA5D22}" type="presParOf" srcId="{AB9C7FA0-D862-4828-8AEB-109FA3752C3C}" destId="{B53626A8-32B4-4C11-BEBE-71C1BA1E56CC}" srcOrd="6" destOrd="0" presId="urn:microsoft.com/office/officeart/2005/8/layout/vProcess5"/>
+    <dgm:cxn modelId="{5357A562-29E5-434C-969A-2F9968135C3B}" type="presParOf" srcId="{AB9C7FA0-D862-4828-8AEB-109FA3752C3C}" destId="{AF1E192F-5E41-49A3-BE6F-2C20577B04D1}" srcOrd="7" destOrd="0" presId="urn:microsoft.com/office/officeart/2005/8/layout/vProcess5"/>
+    <dgm:cxn modelId="{CC5C0919-9E0C-478E-AA7A-5CB23D622E46}" type="presParOf" srcId="{AB9C7FA0-D862-4828-8AEB-109FA3752C3C}" destId="{46914599-D57E-4268-B707-576382288142}" srcOrd="8" destOrd="0" presId="urn:microsoft.com/office/officeart/2005/8/layout/vProcess5"/>
+    <dgm:cxn modelId="{5134C83F-C9E3-43EB-BD14-B2DA6F072965}" type="presParOf" srcId="{AB9C7FA0-D862-4828-8AEB-109FA3752C3C}" destId="{A9F14D43-F8FB-4CB1-BEBA-FBD400E18CEA}" srcOrd="9" destOrd="0" presId="urn:microsoft.com/office/officeart/2005/8/layout/vProcess5"/>
+    <dgm:cxn modelId="{8126323D-2EC8-4E97-B052-D3E841E96B1B}" type="presParOf" srcId="{AB9C7FA0-D862-4828-8AEB-109FA3752C3C}" destId="{32257946-ED47-4FDA-BDB6-CBADF33C7D25}" srcOrd="10" destOrd="0" presId="urn:microsoft.com/office/officeart/2005/8/layout/vProcess5"/>
+    <dgm:cxn modelId="{84788DFE-F9FE-44E6-A38D-0D3596572BA9}" type="presParOf" srcId="{AB9C7FA0-D862-4828-8AEB-109FA3752C3C}" destId="{7D10DA78-EDE8-4DA0-88F1-E9548CFF6453}" srcOrd="11" destOrd="0" presId="urn:microsoft.com/office/officeart/2005/8/layout/vProcess5"/>
   </dgm:cxnLst>
   <dgm:bg/>
   <dgm:whole/>
@@ -4398,7 +4393,7 @@
         <a:p>
           <a:r>
             <a:rPr lang="en-US" altLang="zh-TW" dirty="0"/>
-            <a:t>Set register to disable device</a:t>
+            <a:t>Set register to disable controller</a:t>
           </a:r>
           <a:endParaRPr lang="zh-TW" altLang="en-US" dirty="0"/>
         </a:p>
@@ -4747,7 +4742,7 @@
           </a:pPr>
           <a:r>
             <a:rPr lang="en-US" altLang="zh-TW" sz="2400" kern="1200" dirty="0"/>
-            <a:t>Disable device state </a:t>
+            <a:t>Disable device controller </a:t>
           </a:r>
           <a:endParaRPr lang="zh-TW" altLang="en-US" sz="2400" kern="1200" dirty="0"/>
         </a:p>
@@ -5033,7 +5028,7 @@
           </a:pPr>
           <a:r>
             <a:rPr lang="en-US" altLang="zh-TW" sz="2400" kern="1200" dirty="0"/>
-            <a:t>Enable device</a:t>
+            <a:t>Enable controller</a:t>
           </a:r>
           <a:endParaRPr lang="zh-TW" altLang="en-US" sz="2400" kern="1200" dirty="0"/>
         </a:p>
@@ -5375,7 +5370,7 @@
       <dsp:cNvGrpSpPr/>
     </dsp:nvGrpSpPr>
     <dsp:grpSpPr/>
-    <dsp:sp modelId="{2C160C0F-D642-4686-8DCB-AD5BBD70A186}">
+    <dsp:sp modelId="{EDA48B9C-4AE6-43E4-A14F-B882EBD7E8F6}">
       <dsp:nvSpPr>
         <dsp:cNvPr id="0" name=""/>
         <dsp:cNvSpPr/>
@@ -5383,7 +5378,7 @@
       <dsp:spPr>
         <a:xfrm>
           <a:off x="0" y="0"/>
-          <a:ext cx="4435200" cy="777600"/>
+          <a:ext cx="4608000" cy="950400"/>
         </a:xfrm>
         <a:prstGeom prst="roundRect">
           <a:avLst>
@@ -5465,19 +5460,19 @@
         </a:p>
       </dsp:txBody>
       <dsp:txXfrm>
-        <a:off x="22775" y="22775"/>
-        <a:ext cx="3505130" cy="732050"/>
+        <a:off x="27836" y="27836"/>
+        <a:ext cx="3502136" cy="894728"/>
       </dsp:txXfrm>
     </dsp:sp>
-    <dsp:sp modelId="{4745AE6A-C528-446F-9564-D2ED2AADD67C}">
+    <dsp:sp modelId="{7AAAE863-C63F-4255-9F5E-C00EBECA9F17}">
       <dsp:nvSpPr>
         <dsp:cNvPr id="0" name=""/>
         <dsp:cNvSpPr/>
       </dsp:nvSpPr>
       <dsp:spPr>
         <a:xfrm>
-          <a:off x="331200" y="885600"/>
-          <a:ext cx="4435200" cy="777600"/>
+          <a:off x="385919" y="1123200"/>
+          <a:ext cx="4608000" cy="950400"/>
         </a:xfrm>
         <a:prstGeom prst="roundRect">
           <a:avLst>
@@ -5559,117 +5554,19 @@
         </a:p>
       </dsp:txBody>
       <dsp:txXfrm>
-        <a:off x="353975" y="908375"/>
-        <a:ext cx="3553009" cy="732049"/>
+        <a:off x="413755" y="1151036"/>
+        <a:ext cx="3548648" cy="894728"/>
       </dsp:txXfrm>
     </dsp:sp>
-    <dsp:sp modelId="{7E403B99-5A35-4E44-8F58-1E2A5F477238}">
+    <dsp:sp modelId="{ECA15803-F536-44A7-A7F1-F43A22E31150}">
       <dsp:nvSpPr>
         <dsp:cNvPr id="0" name=""/>
         <dsp:cNvSpPr/>
       </dsp:nvSpPr>
       <dsp:spPr>
         <a:xfrm>
-          <a:off x="662399" y="1771200"/>
-          <a:ext cx="4435200" cy="777600"/>
-        </a:xfrm>
-        <a:prstGeom prst="roundRect">
-          <a:avLst>
-            <a:gd name="adj" fmla="val 10000"/>
-          </a:avLst>
-        </a:prstGeom>
-        <a:gradFill rotWithShape="1">
-          <a:gsLst>
-            <a:gs pos="0">
-              <a:schemeClr val="accent6">
-                <a:lumMod val="110000"/>
-                <a:satMod val="105000"/>
-                <a:tint val="67000"/>
-              </a:schemeClr>
-            </a:gs>
-            <a:gs pos="50000">
-              <a:schemeClr val="accent6">
-                <a:lumMod val="105000"/>
-                <a:satMod val="103000"/>
-                <a:tint val="73000"/>
-              </a:schemeClr>
-            </a:gs>
-            <a:gs pos="100000">
-              <a:schemeClr val="accent6">
-                <a:lumMod val="105000"/>
-                <a:satMod val="109000"/>
-                <a:tint val="81000"/>
-              </a:schemeClr>
-            </a:gs>
-          </a:gsLst>
-          <a:lin ang="5400000" scaled="0"/>
-        </a:gradFill>
-        <a:ln w="6350" cap="flat" cmpd="sng" algn="ctr">
-          <a:solidFill>
-            <a:schemeClr val="accent6"/>
-          </a:solidFill>
-          <a:prstDash val="solid"/>
-          <a:miter lim="800000"/>
-        </a:ln>
-        <a:effectLst/>
-      </dsp:spPr>
-      <dsp:style>
-        <a:lnRef idx="1">
-          <a:schemeClr val="accent6"/>
-        </a:lnRef>
-        <a:fillRef idx="2">
-          <a:schemeClr val="accent6"/>
-        </a:fillRef>
-        <a:effectRef idx="1">
-          <a:schemeClr val="accent6"/>
-        </a:effectRef>
-        <a:fontRef idx="minor">
-          <a:schemeClr val="dk1"/>
-        </a:fontRef>
-      </dsp:style>
-      <dsp:txBody>
-        <a:bodyPr spcFirstLastPara="0" vert="horz" wrap="square" lIns="91440" tIns="91440" rIns="91440" bIns="91440" numCol="1" spcCol="1270" anchor="ctr" anchorCtr="0">
-          <a:noAutofit/>
-        </a:bodyPr>
-        <a:lstStyle/>
-        <a:p>
-          <a:pPr marL="0" lvl="0" indent="0" algn="l" defTabSz="1066800">
-            <a:lnSpc>
-              <a:spcPct val="90000"/>
-            </a:lnSpc>
-            <a:spcBef>
-              <a:spcPct val="0"/>
-            </a:spcBef>
-            <a:spcAft>
-              <a:spcPct val="35000"/>
-            </a:spcAft>
-            <a:buNone/>
-          </a:pPr>
-          <a:r>
-            <a:rPr lang="en-US" altLang="zh-TW" sz="2400" kern="1200" dirty="0"/>
-            <a:t>Setup </a:t>
-          </a:r>
-          <a:r>
-            <a:rPr lang="en-US" altLang="zh-TW" sz="2400" kern="1200" dirty="0" err="1"/>
-            <a:t>AdminQueue</a:t>
-          </a:r>
-          <a:endParaRPr lang="zh-TW" altLang="en-US" sz="2400" kern="1200" dirty="0"/>
-        </a:p>
-      </dsp:txBody>
-      <dsp:txXfrm>
-        <a:off x="685174" y="1793975"/>
-        <a:ext cx="3553010" cy="732049"/>
-      </dsp:txXfrm>
-    </dsp:sp>
-    <dsp:sp modelId="{2EA18E26-53AB-427E-A7DC-42E19A3F1B60}">
-      <dsp:nvSpPr>
-        <dsp:cNvPr id="0" name=""/>
-        <dsp:cNvSpPr/>
-      </dsp:nvSpPr>
-      <dsp:spPr>
-        <a:xfrm>
-          <a:off x="993600" y="2656800"/>
-          <a:ext cx="4435200" cy="777600"/>
+          <a:off x="766080" y="2246400"/>
+          <a:ext cx="4608000" cy="950400"/>
         </a:xfrm>
         <a:prstGeom prst="roundRect">
           <a:avLst>
@@ -5751,19 +5648,19 @@
         </a:p>
       </dsp:txBody>
       <dsp:txXfrm>
-        <a:off x="1016375" y="2679575"/>
-        <a:ext cx="3553009" cy="732049"/>
+        <a:off x="793916" y="2274236"/>
+        <a:ext cx="3554408" cy="894728"/>
       </dsp:txXfrm>
     </dsp:sp>
-    <dsp:sp modelId="{AE4F2023-53E2-4F36-AFCD-6D177090750E}">
+    <dsp:sp modelId="{E66D6DB9-B411-48BB-9A41-AF8AE1A04E46}">
       <dsp:nvSpPr>
         <dsp:cNvPr id="0" name=""/>
         <dsp:cNvSpPr/>
       </dsp:nvSpPr>
       <dsp:spPr>
         <a:xfrm>
-          <a:off x="1324799" y="3542400"/>
-          <a:ext cx="4435200" cy="777600"/>
+          <a:off x="1152000" y="3369600"/>
+          <a:ext cx="4608000" cy="950400"/>
         </a:xfrm>
         <a:prstGeom prst="roundRect">
           <a:avLst>
@@ -5849,19 +5746,19 @@
         </a:p>
       </dsp:txBody>
       <dsp:txXfrm>
-        <a:off x="1347574" y="3565175"/>
-        <a:ext cx="3553010" cy="732049"/>
+        <a:off x="1179836" y="3397436"/>
+        <a:ext cx="3548648" cy="894728"/>
       </dsp:txXfrm>
     </dsp:sp>
-    <dsp:sp modelId="{746C342B-21FF-432C-925A-C4DE5DAA3C9F}">
+    <dsp:sp modelId="{321FA15E-5B57-4464-A09A-14C0307AA0D7}">
       <dsp:nvSpPr>
         <dsp:cNvPr id="0" name=""/>
         <dsp:cNvSpPr/>
       </dsp:nvSpPr>
       <dsp:spPr>
         <a:xfrm>
-          <a:off x="3929760" y="568080"/>
-          <a:ext cx="505440" cy="505440"/>
+          <a:off x="3990240" y="727920"/>
+          <a:ext cx="617760" cy="617760"/>
         </a:xfrm>
         <a:prstGeom prst="downArrow">
           <a:avLst>
@@ -5908,12 +5805,12 @@
         <a:fontRef idx="minor"/>
       </dsp:style>
       <dsp:txBody>
-        <a:bodyPr spcFirstLastPara="0" vert="horz" wrap="square" lIns="29210" tIns="29210" rIns="29210" bIns="29210" numCol="1" spcCol="1270" anchor="ctr" anchorCtr="0">
+        <a:bodyPr spcFirstLastPara="0" vert="horz" wrap="square" lIns="35560" tIns="35560" rIns="35560" bIns="35560" numCol="1" spcCol="1270" anchor="ctr" anchorCtr="0">
           <a:noAutofit/>
         </a:bodyPr>
         <a:lstStyle/>
         <a:p>
-          <a:pPr marL="0" lvl="0" indent="0" algn="ctr" defTabSz="1022350">
+          <a:pPr marL="0" lvl="0" indent="0" algn="ctr" defTabSz="1244600">
             <a:lnSpc>
               <a:spcPct val="90000"/>
             </a:lnSpc>
@@ -5925,23 +5822,23 @@
             </a:spcAft>
             <a:buNone/>
           </a:pPr>
-          <a:endParaRPr lang="zh-TW" altLang="en-US" sz="2300" kern="1200"/>
+          <a:endParaRPr lang="zh-TW" altLang="en-US" sz="2800" kern="1200"/>
         </a:p>
       </dsp:txBody>
       <dsp:txXfrm>
-        <a:off x="4043484" y="568080"/>
-        <a:ext cx="277992" cy="380344"/>
+        <a:off x="4129236" y="727920"/>
+        <a:ext cx="339768" cy="464864"/>
       </dsp:txXfrm>
     </dsp:sp>
-    <dsp:sp modelId="{CA94A841-5423-4372-9E43-5E2BAD61795B}">
+    <dsp:sp modelId="{8ADE744B-82FC-4BBB-88B7-6C3FB56676DB}">
       <dsp:nvSpPr>
         <dsp:cNvPr id="0" name=""/>
         <dsp:cNvSpPr/>
       </dsp:nvSpPr>
       <dsp:spPr>
         <a:xfrm>
-          <a:off x="4260960" y="1453680"/>
-          <a:ext cx="505440" cy="505440"/>
+          <a:off x="4376160" y="1851120"/>
+          <a:ext cx="617760" cy="617760"/>
         </a:xfrm>
         <a:prstGeom prst="downArrow">
           <a:avLst>
@@ -5988,12 +5885,12 @@
         <a:fontRef idx="minor"/>
       </dsp:style>
       <dsp:txBody>
-        <a:bodyPr spcFirstLastPara="0" vert="horz" wrap="square" lIns="29210" tIns="29210" rIns="29210" bIns="29210" numCol="1" spcCol="1270" anchor="ctr" anchorCtr="0">
+        <a:bodyPr spcFirstLastPara="0" vert="horz" wrap="square" lIns="35560" tIns="35560" rIns="35560" bIns="35560" numCol="1" spcCol="1270" anchor="ctr" anchorCtr="0">
           <a:noAutofit/>
         </a:bodyPr>
         <a:lstStyle/>
         <a:p>
-          <a:pPr marL="0" lvl="0" indent="0" algn="ctr" defTabSz="1022350">
+          <a:pPr marL="0" lvl="0" indent="0" algn="ctr" defTabSz="1244600">
             <a:lnSpc>
               <a:spcPct val="90000"/>
             </a:lnSpc>
@@ -6005,23 +5902,23 @@
             </a:spcAft>
             <a:buNone/>
           </a:pPr>
-          <a:endParaRPr lang="zh-TW" altLang="en-US" sz="2300" kern="1200"/>
+          <a:endParaRPr lang="zh-TW" altLang="en-US" sz="2800" kern="1200"/>
         </a:p>
       </dsp:txBody>
       <dsp:txXfrm>
-        <a:off x="4374684" y="1453680"/>
-        <a:ext cx="277992" cy="380344"/>
+        <a:off x="4515156" y="1851120"/>
+        <a:ext cx="339768" cy="464864"/>
       </dsp:txXfrm>
     </dsp:sp>
-    <dsp:sp modelId="{0CF132EA-F2FD-4830-9DE1-55E1F152A093}">
+    <dsp:sp modelId="{E478050C-A3D2-4E85-957B-ED5DAE6D192F}">
       <dsp:nvSpPr>
         <dsp:cNvPr id="0" name=""/>
         <dsp:cNvSpPr/>
       </dsp:nvSpPr>
       <dsp:spPr>
         <a:xfrm>
-          <a:off x="4592159" y="2326320"/>
-          <a:ext cx="505440" cy="505440"/>
+          <a:off x="4756320" y="2974320"/>
+          <a:ext cx="617760" cy="617760"/>
         </a:xfrm>
         <a:prstGeom prst="downArrow">
           <a:avLst>
@@ -6068,12 +5965,12 @@
         <a:fontRef idx="minor"/>
       </dsp:style>
       <dsp:txBody>
-        <a:bodyPr spcFirstLastPara="0" vert="horz" wrap="square" lIns="29210" tIns="29210" rIns="29210" bIns="29210" numCol="1" spcCol="1270" anchor="ctr" anchorCtr="0">
+        <a:bodyPr spcFirstLastPara="0" vert="horz" wrap="square" lIns="35560" tIns="35560" rIns="35560" bIns="35560" numCol="1" spcCol="1270" anchor="ctr" anchorCtr="0">
           <a:noAutofit/>
         </a:bodyPr>
         <a:lstStyle/>
         <a:p>
-          <a:pPr marL="0" lvl="0" indent="0" algn="ctr" defTabSz="1022350">
+          <a:pPr marL="0" lvl="0" indent="0" algn="ctr" defTabSz="1244600">
             <a:lnSpc>
               <a:spcPct val="90000"/>
             </a:lnSpc>
@@ -6085,92 +5982,12 @@
             </a:spcAft>
             <a:buNone/>
           </a:pPr>
-          <a:endParaRPr lang="zh-TW" altLang="en-US" sz="2300" kern="1200"/>
+          <a:endParaRPr lang="zh-TW" altLang="en-US" sz="2800" kern="1200"/>
         </a:p>
       </dsp:txBody>
       <dsp:txXfrm>
-        <a:off x="4705883" y="2326320"/>
-        <a:ext cx="277992" cy="380344"/>
-      </dsp:txXfrm>
-    </dsp:sp>
-    <dsp:sp modelId="{3942DED4-634A-47C9-BB00-99BA8D2F4CA7}">
-      <dsp:nvSpPr>
-        <dsp:cNvPr id="0" name=""/>
-        <dsp:cNvSpPr/>
-      </dsp:nvSpPr>
-      <dsp:spPr>
-        <a:xfrm>
-          <a:off x="4923360" y="3220560"/>
-          <a:ext cx="505440" cy="505440"/>
-        </a:xfrm>
-        <a:prstGeom prst="downArrow">
-          <a:avLst>
-            <a:gd name="adj1" fmla="val 55000"/>
-            <a:gd name="adj2" fmla="val 45000"/>
-          </a:avLst>
-        </a:prstGeom>
-        <a:solidFill>
-          <a:schemeClr val="accent1">
-            <a:alpha val="90000"/>
-            <a:tint val="40000"/>
-            <a:hueOff val="0"/>
-            <a:satOff val="0"/>
-            <a:lumOff val="0"/>
-            <a:alphaOff val="0"/>
-          </a:schemeClr>
-        </a:solidFill>
-        <a:ln w="12700" cap="flat" cmpd="sng" algn="ctr">
-          <a:solidFill>
-            <a:schemeClr val="accent1">
-              <a:alpha val="90000"/>
-              <a:tint val="40000"/>
-              <a:hueOff val="0"/>
-              <a:satOff val="0"/>
-              <a:lumOff val="0"/>
-              <a:alphaOff val="0"/>
-            </a:schemeClr>
-          </a:solidFill>
-          <a:prstDash val="solid"/>
-          <a:miter lim="800000"/>
-        </a:ln>
-        <a:effectLst/>
-      </dsp:spPr>
-      <dsp:style>
-        <a:lnRef idx="2">
-          <a:scrgbClr r="0" g="0" b="0"/>
-        </a:lnRef>
-        <a:fillRef idx="1">
-          <a:scrgbClr r="0" g="0" b="0"/>
-        </a:fillRef>
-        <a:effectRef idx="0">
-          <a:scrgbClr r="0" g="0" b="0"/>
-        </a:effectRef>
-        <a:fontRef idx="minor"/>
-      </dsp:style>
-      <dsp:txBody>
-        <a:bodyPr spcFirstLastPara="0" vert="horz" wrap="square" lIns="29210" tIns="29210" rIns="29210" bIns="29210" numCol="1" spcCol="1270" anchor="ctr" anchorCtr="0">
-          <a:noAutofit/>
-        </a:bodyPr>
-        <a:lstStyle/>
-        <a:p>
-          <a:pPr marL="0" lvl="0" indent="0" algn="ctr" defTabSz="1022350">
-            <a:lnSpc>
-              <a:spcPct val="90000"/>
-            </a:lnSpc>
-            <a:spcBef>
-              <a:spcPct val="0"/>
-            </a:spcBef>
-            <a:spcAft>
-              <a:spcPct val="35000"/>
-            </a:spcAft>
-            <a:buNone/>
-          </a:pPr>
-          <a:endParaRPr lang="zh-TW" altLang="en-US" sz="2300" kern="1200"/>
-        </a:p>
-      </dsp:txBody>
-      <dsp:txXfrm>
-        <a:off x="5037084" y="3220560"/>
-        <a:ext cx="277992" cy="380344"/>
+        <a:off x="4895316" y="2974320"/>
+        <a:ext cx="339768" cy="464864"/>
       </dsp:txXfrm>
     </dsp:sp>
   </dsp:spTree>
@@ -6185,7 +6002,7 @@
       <dsp:cNvGrpSpPr/>
     </dsp:nvGrpSpPr>
     <dsp:grpSpPr/>
-    <dsp:sp modelId="{610175AC-756E-41EA-A658-1F3D11B6A416}">
+    <dsp:sp modelId="{73F3CBAE-6173-4895-867F-F50D754685F0}">
       <dsp:nvSpPr>
         <dsp:cNvPr id="0" name=""/>
         <dsp:cNvSpPr/>
@@ -6193,7 +6010,7 @@
       <dsp:spPr>
         <a:xfrm>
           <a:off x="0" y="0"/>
-          <a:ext cx="4896000" cy="1296000"/>
+          <a:ext cx="4608000" cy="950400"/>
         </a:xfrm>
         <a:prstGeom prst="roundRect">
           <a:avLst>
@@ -6250,12 +6067,12 @@
         </a:fontRef>
       </dsp:style>
       <dsp:txBody>
-        <a:bodyPr spcFirstLastPara="0" vert="horz" wrap="square" lIns="129540" tIns="129540" rIns="129540" bIns="129540" numCol="1" spcCol="1270" anchor="ctr" anchorCtr="0">
+        <a:bodyPr spcFirstLastPara="0" vert="horz" wrap="square" lIns="95250" tIns="95250" rIns="95250" bIns="95250" numCol="1" spcCol="1270" anchor="ctr" anchorCtr="0">
           <a:noAutofit/>
         </a:bodyPr>
         <a:lstStyle/>
         <a:p>
-          <a:pPr marL="0" lvl="0" indent="0" algn="l" defTabSz="1511300">
+          <a:pPr marL="0" lvl="0" indent="0" algn="l" defTabSz="1111250">
             <a:lnSpc>
               <a:spcPct val="90000"/>
             </a:lnSpc>
@@ -6268,26 +6085,26 @@
             <a:buNone/>
           </a:pPr>
           <a:r>
-            <a:rPr lang="en-US" altLang="zh-TW" sz="3400" kern="1200" dirty="0"/>
+            <a:rPr lang="en-US" altLang="zh-TW" sz="2500" kern="1200" dirty="0"/>
             <a:t>Set register to notify shutdown</a:t>
           </a:r>
-          <a:endParaRPr lang="zh-TW" altLang="en-US" sz="3400" kern="1200" dirty="0"/>
+          <a:endParaRPr lang="zh-TW" altLang="en-US" sz="2500" kern="1200" dirty="0"/>
         </a:p>
       </dsp:txBody>
       <dsp:txXfrm>
-        <a:off x="37959" y="37959"/>
-        <a:ext cx="3497513" cy="1220082"/>
+        <a:off x="27836" y="27836"/>
+        <a:ext cx="3502136" cy="894728"/>
       </dsp:txXfrm>
     </dsp:sp>
-    <dsp:sp modelId="{5FC40E8D-4926-49BA-A3D5-F0DAE9A03496}">
+    <dsp:sp modelId="{37104333-1FA3-451C-9D09-A5B659A654E5}">
       <dsp:nvSpPr>
         <dsp:cNvPr id="0" name=""/>
         <dsp:cNvSpPr/>
       </dsp:nvSpPr>
       <dsp:spPr>
         <a:xfrm>
-          <a:off x="432000" y="1512000"/>
-          <a:ext cx="4896000" cy="1296000"/>
+          <a:off x="385919" y="1123200"/>
+          <a:ext cx="4608000" cy="950400"/>
         </a:xfrm>
         <a:prstGeom prst="roundRect">
           <a:avLst>
@@ -6344,12 +6161,12 @@
         </a:fontRef>
       </dsp:style>
       <dsp:txBody>
-        <a:bodyPr spcFirstLastPara="0" vert="horz" wrap="square" lIns="129540" tIns="129540" rIns="129540" bIns="129540" numCol="1" spcCol="1270" anchor="ctr" anchorCtr="0">
+        <a:bodyPr spcFirstLastPara="0" vert="horz" wrap="square" lIns="95250" tIns="95250" rIns="95250" bIns="95250" numCol="1" spcCol="1270" anchor="ctr" anchorCtr="0">
           <a:noAutofit/>
         </a:bodyPr>
         <a:lstStyle/>
         <a:p>
-          <a:pPr marL="0" lvl="0" indent="0" algn="l" defTabSz="1511300">
+          <a:pPr marL="0" lvl="0" indent="0" algn="l" defTabSz="1111250">
             <a:lnSpc>
               <a:spcPct val="90000"/>
             </a:lnSpc>
@@ -6362,26 +6179,120 @@
             <a:buNone/>
           </a:pPr>
           <a:r>
-            <a:rPr lang="en-US" altLang="zh-TW" sz="3400" kern="1200" dirty="0"/>
+            <a:rPr lang="en-US" altLang="zh-TW" sz="2500" kern="1200" dirty="0"/>
             <a:t>Wait complete</a:t>
           </a:r>
-          <a:endParaRPr lang="zh-TW" altLang="en-US" sz="3400" kern="1200" dirty="0"/>
+          <a:endParaRPr lang="zh-TW" altLang="en-US" sz="2500" kern="1200" dirty="0"/>
         </a:p>
       </dsp:txBody>
       <dsp:txXfrm>
-        <a:off x="469959" y="1549959"/>
-        <a:ext cx="3545682" cy="1220082"/>
+        <a:off x="413755" y="1151036"/>
+        <a:ext cx="3548648" cy="894728"/>
       </dsp:txXfrm>
     </dsp:sp>
-    <dsp:sp modelId="{B62EE5C8-FF7B-405A-AD8A-2ADA6EDCFDE1}">
+    <dsp:sp modelId="{5118A2D9-00FD-4414-84FB-D9CA1BDD70DD}">
       <dsp:nvSpPr>
         <dsp:cNvPr id="0" name=""/>
         <dsp:cNvSpPr/>
       </dsp:nvSpPr>
       <dsp:spPr>
         <a:xfrm>
-          <a:off x="864000" y="3024000"/>
-          <a:ext cx="4896000" cy="1296000"/>
+          <a:off x="766080" y="2246400"/>
+          <a:ext cx="4608000" cy="950400"/>
+        </a:xfrm>
+        <a:prstGeom prst="roundRect">
+          <a:avLst>
+            <a:gd name="adj" fmla="val 10000"/>
+          </a:avLst>
+        </a:prstGeom>
+        <a:gradFill rotWithShape="1">
+          <a:gsLst>
+            <a:gs pos="0">
+              <a:schemeClr val="accent4">
+                <a:lumMod val="110000"/>
+                <a:satMod val="105000"/>
+                <a:tint val="67000"/>
+              </a:schemeClr>
+            </a:gs>
+            <a:gs pos="50000">
+              <a:schemeClr val="accent4">
+                <a:lumMod val="105000"/>
+                <a:satMod val="103000"/>
+                <a:tint val="73000"/>
+              </a:schemeClr>
+            </a:gs>
+            <a:gs pos="100000">
+              <a:schemeClr val="accent4">
+                <a:lumMod val="105000"/>
+                <a:satMod val="109000"/>
+                <a:tint val="81000"/>
+              </a:schemeClr>
+            </a:gs>
+          </a:gsLst>
+          <a:lin ang="5400000" scaled="0"/>
+        </a:gradFill>
+        <a:ln w="6350" cap="flat" cmpd="sng" algn="ctr">
+          <a:solidFill>
+            <a:schemeClr val="accent4"/>
+          </a:solidFill>
+          <a:prstDash val="solid"/>
+          <a:miter lim="800000"/>
+        </a:ln>
+        <a:effectLst/>
+      </dsp:spPr>
+      <dsp:style>
+        <a:lnRef idx="1">
+          <a:schemeClr val="accent4"/>
+        </a:lnRef>
+        <a:fillRef idx="2">
+          <a:schemeClr val="accent4"/>
+        </a:fillRef>
+        <a:effectRef idx="1">
+          <a:schemeClr val="accent4"/>
+        </a:effectRef>
+        <a:fontRef idx="minor">
+          <a:schemeClr val="dk1"/>
+        </a:fontRef>
+      </dsp:style>
+      <dsp:txBody>
+        <a:bodyPr spcFirstLastPara="0" vert="horz" wrap="square" lIns="95250" tIns="95250" rIns="95250" bIns="95250" numCol="1" spcCol="1270" anchor="ctr" anchorCtr="0">
+          <a:noAutofit/>
+        </a:bodyPr>
+        <a:lstStyle/>
+        <a:p>
+          <a:pPr marL="0" lvl="0" indent="0" algn="l" defTabSz="1111250">
+            <a:lnSpc>
+              <a:spcPct val="90000"/>
+            </a:lnSpc>
+            <a:spcBef>
+              <a:spcPct val="0"/>
+            </a:spcBef>
+            <a:spcAft>
+              <a:spcPct val="35000"/>
+            </a:spcAft>
+            <a:buNone/>
+          </a:pPr>
+          <a:r>
+            <a:rPr lang="en-US" altLang="zh-TW" sz="2500" kern="1200" dirty="0"/>
+            <a:t>Disable controller</a:t>
+          </a:r>
+          <a:endParaRPr lang="zh-TW" altLang="en-US" sz="2500" kern="1200" dirty="0"/>
+        </a:p>
+      </dsp:txBody>
+      <dsp:txXfrm>
+        <a:off x="793916" y="2274236"/>
+        <a:ext cx="3554408" cy="894728"/>
+      </dsp:txXfrm>
+    </dsp:sp>
+    <dsp:sp modelId="{0042D654-9B96-45D0-AAB4-7E2CF733DEB0}">
+      <dsp:nvSpPr>
+        <dsp:cNvPr id="0" name=""/>
+        <dsp:cNvSpPr/>
+      </dsp:nvSpPr>
+      <dsp:spPr>
+        <a:xfrm>
+          <a:off x="1152000" y="3369600"/>
+          <a:ext cx="4608000" cy="950400"/>
         </a:xfrm>
         <a:prstGeom prst="roundRect">
           <a:avLst>
@@ -6438,12 +6349,12 @@
         </a:fontRef>
       </dsp:style>
       <dsp:txBody>
-        <a:bodyPr spcFirstLastPara="0" vert="horz" wrap="square" lIns="129540" tIns="129540" rIns="129540" bIns="129540" numCol="1" spcCol="1270" anchor="ctr" anchorCtr="0">
+        <a:bodyPr spcFirstLastPara="0" vert="horz" wrap="square" lIns="95250" tIns="95250" rIns="95250" bIns="95250" numCol="1" spcCol="1270" anchor="ctr" anchorCtr="0">
           <a:noAutofit/>
         </a:bodyPr>
         <a:lstStyle/>
         <a:p>
-          <a:pPr marL="0" lvl="0" indent="0" algn="l" defTabSz="1511300">
+          <a:pPr marL="0" lvl="0" indent="0" algn="l" defTabSz="1111250">
             <a:lnSpc>
               <a:spcPct val="90000"/>
             </a:lnSpc>
@@ -6456,26 +6367,26 @@
             <a:buNone/>
           </a:pPr>
           <a:r>
-            <a:rPr lang="en-US" altLang="zh-TW" sz="3400" kern="1200" dirty="0"/>
+            <a:rPr lang="en-US" altLang="zh-TW" sz="2500" kern="1200" dirty="0"/>
             <a:t>Release Host resources</a:t>
           </a:r>
-          <a:endParaRPr lang="zh-TW" altLang="en-US" sz="3400" kern="1200" dirty="0"/>
+          <a:endParaRPr lang="zh-TW" altLang="en-US" sz="2500" kern="1200" dirty="0"/>
         </a:p>
       </dsp:txBody>
       <dsp:txXfrm>
-        <a:off x="901959" y="3061959"/>
-        <a:ext cx="3545682" cy="1220082"/>
+        <a:off x="1179836" y="3397436"/>
+        <a:ext cx="3548648" cy="894728"/>
       </dsp:txXfrm>
     </dsp:sp>
-    <dsp:sp modelId="{E14A5974-3ACC-4623-B1AC-EBD37311096F}">
+    <dsp:sp modelId="{02B794F5-CC86-49DA-97ED-B664F4608914}">
       <dsp:nvSpPr>
         <dsp:cNvPr id="0" name=""/>
         <dsp:cNvSpPr/>
       </dsp:nvSpPr>
       <dsp:spPr>
         <a:xfrm>
-          <a:off x="4053600" y="982800"/>
-          <a:ext cx="842400" cy="842400"/>
+          <a:off x="3990240" y="727920"/>
+          <a:ext cx="617760" cy="617760"/>
         </a:xfrm>
         <a:prstGeom prst="downArrow">
           <a:avLst>
@@ -6522,12 +6433,12 @@
         <a:fontRef idx="minor"/>
       </dsp:style>
       <dsp:txBody>
-        <a:bodyPr spcFirstLastPara="0" vert="horz" wrap="square" lIns="45720" tIns="45720" rIns="45720" bIns="45720" numCol="1" spcCol="1270" anchor="ctr" anchorCtr="0">
+        <a:bodyPr spcFirstLastPara="0" vert="horz" wrap="square" lIns="35560" tIns="35560" rIns="35560" bIns="35560" numCol="1" spcCol="1270" anchor="ctr" anchorCtr="0">
           <a:noAutofit/>
         </a:bodyPr>
         <a:lstStyle/>
         <a:p>
-          <a:pPr marL="0" lvl="0" indent="0" algn="ctr" defTabSz="1600200">
+          <a:pPr marL="0" lvl="0" indent="0" algn="ctr" defTabSz="1244600">
             <a:lnSpc>
               <a:spcPct val="90000"/>
             </a:lnSpc>
@@ -6539,23 +6450,23 @@
             </a:spcAft>
             <a:buNone/>
           </a:pPr>
-          <a:endParaRPr lang="zh-TW" altLang="en-US" sz="3600" kern="1200"/>
+          <a:endParaRPr lang="zh-TW" altLang="en-US" sz="2800" kern="1200"/>
         </a:p>
       </dsp:txBody>
       <dsp:txXfrm>
-        <a:off x="4243140" y="982800"/>
-        <a:ext cx="463320" cy="633906"/>
+        <a:off x="4129236" y="727920"/>
+        <a:ext cx="339768" cy="464864"/>
       </dsp:txXfrm>
     </dsp:sp>
-    <dsp:sp modelId="{3165DC32-2991-47C1-BF3D-3F3AB925B253}">
+    <dsp:sp modelId="{B53626A8-32B4-4C11-BEBE-71C1BA1E56CC}">
       <dsp:nvSpPr>
         <dsp:cNvPr id="0" name=""/>
         <dsp:cNvSpPr/>
       </dsp:nvSpPr>
       <dsp:spPr>
         <a:xfrm>
-          <a:off x="4485600" y="2486160"/>
-          <a:ext cx="842400" cy="842400"/>
+          <a:off x="4376160" y="1851120"/>
+          <a:ext cx="617760" cy="617760"/>
         </a:xfrm>
         <a:prstGeom prst="downArrow">
           <a:avLst>
@@ -6602,12 +6513,12 @@
         <a:fontRef idx="minor"/>
       </dsp:style>
       <dsp:txBody>
-        <a:bodyPr spcFirstLastPara="0" vert="horz" wrap="square" lIns="45720" tIns="45720" rIns="45720" bIns="45720" numCol="1" spcCol="1270" anchor="ctr" anchorCtr="0">
+        <a:bodyPr spcFirstLastPara="0" vert="horz" wrap="square" lIns="35560" tIns="35560" rIns="35560" bIns="35560" numCol="1" spcCol="1270" anchor="ctr" anchorCtr="0">
           <a:noAutofit/>
         </a:bodyPr>
         <a:lstStyle/>
         <a:p>
-          <a:pPr marL="0" lvl="0" indent="0" algn="ctr" defTabSz="1600200">
+          <a:pPr marL="0" lvl="0" indent="0" algn="ctr" defTabSz="1244600">
             <a:lnSpc>
               <a:spcPct val="90000"/>
             </a:lnSpc>
@@ -6619,12 +6530,92 @@
             </a:spcAft>
             <a:buNone/>
           </a:pPr>
-          <a:endParaRPr lang="zh-TW" altLang="en-US" sz="3600" kern="1200"/>
+          <a:endParaRPr lang="zh-TW" altLang="en-US" sz="2800" kern="1200"/>
         </a:p>
       </dsp:txBody>
       <dsp:txXfrm>
-        <a:off x="4675140" y="2486160"/>
-        <a:ext cx="463320" cy="633906"/>
+        <a:off x="4515156" y="1851120"/>
+        <a:ext cx="339768" cy="464864"/>
+      </dsp:txXfrm>
+    </dsp:sp>
+    <dsp:sp modelId="{AF1E192F-5E41-49A3-BE6F-2C20577B04D1}">
+      <dsp:nvSpPr>
+        <dsp:cNvPr id="0" name=""/>
+        <dsp:cNvSpPr/>
+      </dsp:nvSpPr>
+      <dsp:spPr>
+        <a:xfrm>
+          <a:off x="4756320" y="2974320"/>
+          <a:ext cx="617760" cy="617760"/>
+        </a:xfrm>
+        <a:prstGeom prst="downArrow">
+          <a:avLst>
+            <a:gd name="adj1" fmla="val 55000"/>
+            <a:gd name="adj2" fmla="val 45000"/>
+          </a:avLst>
+        </a:prstGeom>
+        <a:solidFill>
+          <a:schemeClr val="accent1">
+            <a:alpha val="90000"/>
+            <a:tint val="40000"/>
+            <a:hueOff val="0"/>
+            <a:satOff val="0"/>
+            <a:lumOff val="0"/>
+            <a:alphaOff val="0"/>
+          </a:schemeClr>
+        </a:solidFill>
+        <a:ln w="12700" cap="flat" cmpd="sng" algn="ctr">
+          <a:solidFill>
+            <a:schemeClr val="accent1">
+              <a:alpha val="90000"/>
+              <a:tint val="40000"/>
+              <a:hueOff val="0"/>
+              <a:satOff val="0"/>
+              <a:lumOff val="0"/>
+              <a:alphaOff val="0"/>
+            </a:schemeClr>
+          </a:solidFill>
+          <a:prstDash val="solid"/>
+          <a:miter lim="800000"/>
+        </a:ln>
+        <a:effectLst/>
+      </dsp:spPr>
+      <dsp:style>
+        <a:lnRef idx="2">
+          <a:scrgbClr r="0" g="0" b="0"/>
+        </a:lnRef>
+        <a:fillRef idx="1">
+          <a:scrgbClr r="0" g="0" b="0"/>
+        </a:fillRef>
+        <a:effectRef idx="0">
+          <a:scrgbClr r="0" g="0" b="0"/>
+        </a:effectRef>
+        <a:fontRef idx="minor"/>
+      </dsp:style>
+      <dsp:txBody>
+        <a:bodyPr spcFirstLastPara="0" vert="horz" wrap="square" lIns="35560" tIns="35560" rIns="35560" bIns="35560" numCol="1" spcCol="1270" anchor="ctr" anchorCtr="0">
+          <a:noAutofit/>
+        </a:bodyPr>
+        <a:lstStyle/>
+        <a:p>
+          <a:pPr marL="0" lvl="0" indent="0" algn="ctr" defTabSz="1244600">
+            <a:lnSpc>
+              <a:spcPct val="90000"/>
+            </a:lnSpc>
+            <a:spcBef>
+              <a:spcPct val="0"/>
+            </a:spcBef>
+            <a:spcAft>
+              <a:spcPct val="35000"/>
+            </a:spcAft>
+            <a:buNone/>
+          </a:pPr>
+          <a:endParaRPr lang="zh-TW" altLang="en-US" sz="2800" kern="1200"/>
+        </a:p>
+      </dsp:txBody>
+      <dsp:txXfrm>
+        <a:off x="4895316" y="2974320"/>
+        <a:ext cx="339768" cy="464864"/>
       </dsp:txXfrm>
     </dsp:sp>
   </dsp:spTree>
@@ -6723,7 +6714,7 @@
           </a:pPr>
           <a:r>
             <a:rPr lang="en-US" altLang="zh-TW" sz="3400" kern="1200" dirty="0"/>
-            <a:t>Set register to disable device</a:t>
+            <a:t>Set register to disable controller</a:t>
           </a:r>
           <a:endParaRPr lang="zh-TW" altLang="en-US" sz="3400" kern="1200" dirty="0"/>
         </a:p>
@@ -16033,7 +16024,7 @@
           <a:p>
             <a:fld id="{E62BA9D9-771C-4D98-956D-DED813A08700}" type="datetimeFigureOut">
               <a:rPr lang="zh-TW" altLang="en-US" smtClean="0"/>
-              <a:t>2023/4/23</a:t>
+              <a:t>2023/11/24</a:t>
             </a:fld>
             <a:endParaRPr lang="zh-TW" altLang="en-US"/>
           </a:p>
@@ -16363,9 +16354,93 @@
           <a:bodyPr/>
           <a:lstStyle/>
           <a:p>
+            <a:fld id="{E489381C-7048-4516-9E7E-A2773550BBA6}" type="slidenum">
+              <a:rPr lang="zh-TW" altLang="en-US" smtClean="0"/>
+              <a:t>20</a:t>
+            </a:fld>
+            <a:endParaRPr lang="zh-TW" altLang="en-US"/>
+          </a:p>
+        </p:txBody>
+      </p:sp>
+    </p:spTree>
+    <p:extLst>
+      <p:ext uri="{BB962C8B-B14F-4D97-AF65-F5344CB8AC3E}">
+        <p14:creationId xmlns:p14="http://schemas.microsoft.com/office/powerpoint/2010/main" val="114594345"/>
+      </p:ext>
+    </p:extLst>
+  </p:cSld>
+  <p:clrMapOvr>
+    <a:masterClrMapping/>
+  </p:clrMapOvr>
+</p:notes>
+</file>
+
+<file path=ppt/notesSlides/notesSlide2.xml><?xml version="1.0" encoding="utf-8"?>
+<p:notes xmlns:a="http://schemas.openxmlformats.org/drawingml/2006/main" xmlns:r="http://schemas.openxmlformats.org/officeDocument/2006/relationships" xmlns:p="http://schemas.openxmlformats.org/presentationml/2006/main">
+  <p:cSld>
+    <p:spTree>
+      <p:nvGrpSpPr>
+        <p:cNvPr id="1" name=""/>
+        <p:cNvGrpSpPr/>
+        <p:nvPr/>
+      </p:nvGrpSpPr>
+      <p:grpSpPr>
+        <a:xfrm>
+          <a:off x="0" y="0"/>
+          <a:ext cx="0" cy="0"/>
+          <a:chOff x="0" y="0"/>
+          <a:chExt cx="0" cy="0"/>
+        </a:xfrm>
+      </p:grpSpPr>
+      <p:sp>
+        <p:nvSpPr>
+          <p:cNvPr id="2" name="投影片影像版面配置區 1"/>
+          <p:cNvSpPr>
+            <a:spLocks noGrp="1" noRot="1" noChangeAspect="1"/>
+          </p:cNvSpPr>
+          <p:nvPr>
+            <p:ph type="sldImg"/>
+          </p:nvPr>
+        </p:nvSpPr>
+        <p:spPr/>
+      </p:sp>
+      <p:sp>
+        <p:nvSpPr>
+          <p:cNvPr id="3" name="備忘稿版面配置區 2"/>
+          <p:cNvSpPr>
+            <a:spLocks noGrp="1"/>
+          </p:cNvSpPr>
+          <p:nvPr>
+            <p:ph type="body" idx="1"/>
+          </p:nvPr>
+        </p:nvSpPr>
+        <p:spPr/>
+        <p:txBody>
+          <a:bodyPr/>
+          <a:lstStyle/>
+          <a:p>
+            <a:endParaRPr lang="zh-TW" altLang="en-US" dirty="0"/>
+          </a:p>
+        </p:txBody>
+      </p:sp>
+      <p:sp>
+        <p:nvSpPr>
+          <p:cNvPr id="4" name="投影片編號版面配置區 3"/>
+          <p:cNvSpPr>
+            <a:spLocks noGrp="1"/>
+          </p:cNvSpPr>
+          <p:nvPr>
+            <p:ph type="sldNum" sz="quarter" idx="5"/>
+          </p:nvPr>
+        </p:nvSpPr>
+        <p:spPr/>
+        <p:txBody>
+          <a:bodyPr/>
+          <a:lstStyle/>
+          <a:p>
             <a:fld id="{D9DC5696-1C4E-40EF-99A6-A8370CE7BA59}" type="slidenum">
               <a:rPr lang="zh-TW" altLang="en-US" smtClean="0"/>
-              <a:t>35</a:t>
+              <a:t>38</a:t>
             </a:fld>
             <a:endParaRPr lang="zh-TW" altLang="en-US"/>
           </a:p>
@@ -16531,7 +16606,7 @@
           <a:p>
             <a:fld id="{14FB2775-2485-43BF-8EBD-295176C8D13C}" type="datetimeFigureOut">
               <a:rPr lang="zh-TW" altLang="en-US" smtClean="0"/>
-              <a:t>2023/4/23</a:t>
+              <a:t>2023/11/24</a:t>
             </a:fld>
             <a:endParaRPr lang="zh-TW" altLang="en-US"/>
           </a:p>
@@ -16729,7 +16804,7 @@
           <a:p>
             <a:fld id="{14FB2775-2485-43BF-8EBD-295176C8D13C}" type="datetimeFigureOut">
               <a:rPr lang="zh-TW" altLang="en-US" smtClean="0"/>
-              <a:t>2023/4/23</a:t>
+              <a:t>2023/11/24</a:t>
             </a:fld>
             <a:endParaRPr lang="zh-TW" altLang="en-US"/>
           </a:p>
@@ -16937,7 +17012,7 @@
           <a:p>
             <a:fld id="{14FB2775-2485-43BF-8EBD-295176C8D13C}" type="datetimeFigureOut">
               <a:rPr lang="zh-TW" altLang="en-US" smtClean="0"/>
-              <a:t>2023/4/23</a:t>
+              <a:t>2023/11/24</a:t>
             </a:fld>
             <a:endParaRPr lang="zh-TW" altLang="en-US"/>
           </a:p>
@@ -17135,7 +17210,7 @@
           <a:p>
             <a:fld id="{14FB2775-2485-43BF-8EBD-295176C8D13C}" type="datetimeFigureOut">
               <a:rPr lang="zh-TW" altLang="en-US" smtClean="0"/>
-              <a:t>2023/4/23</a:t>
+              <a:t>2023/11/24</a:t>
             </a:fld>
             <a:endParaRPr lang="zh-TW" altLang="en-US"/>
           </a:p>
@@ -17410,7 +17485,7 @@
           <a:p>
             <a:fld id="{14FB2775-2485-43BF-8EBD-295176C8D13C}" type="datetimeFigureOut">
               <a:rPr lang="zh-TW" altLang="en-US" smtClean="0"/>
-              <a:t>2023/4/23</a:t>
+              <a:t>2023/11/24</a:t>
             </a:fld>
             <a:endParaRPr lang="zh-TW" altLang="en-US"/>
           </a:p>
@@ -17675,7 +17750,7 @@
           <a:p>
             <a:fld id="{14FB2775-2485-43BF-8EBD-295176C8D13C}" type="datetimeFigureOut">
               <a:rPr lang="zh-TW" altLang="en-US" smtClean="0"/>
-              <a:t>2023/4/23</a:t>
+              <a:t>2023/11/24</a:t>
             </a:fld>
             <a:endParaRPr lang="zh-TW" altLang="en-US"/>
           </a:p>
@@ -18087,7 +18162,7 @@
           <a:p>
             <a:fld id="{14FB2775-2485-43BF-8EBD-295176C8D13C}" type="datetimeFigureOut">
               <a:rPr lang="zh-TW" altLang="en-US" smtClean="0"/>
-              <a:t>2023/4/23</a:t>
+              <a:t>2023/11/24</a:t>
             </a:fld>
             <a:endParaRPr lang="zh-TW" altLang="en-US"/>
           </a:p>
@@ -18228,7 +18303,7 @@
           <a:p>
             <a:fld id="{14FB2775-2485-43BF-8EBD-295176C8D13C}" type="datetimeFigureOut">
               <a:rPr lang="zh-TW" altLang="en-US" smtClean="0"/>
-              <a:t>2023/4/23</a:t>
+              <a:t>2023/11/24</a:t>
             </a:fld>
             <a:endParaRPr lang="zh-TW" altLang="en-US"/>
           </a:p>
@@ -18341,7 +18416,7 @@
           <a:p>
             <a:fld id="{14FB2775-2485-43BF-8EBD-295176C8D13C}" type="datetimeFigureOut">
               <a:rPr lang="zh-TW" altLang="en-US" smtClean="0"/>
-              <a:t>2023/4/23</a:t>
+              <a:t>2023/11/24</a:t>
             </a:fld>
             <a:endParaRPr lang="zh-TW" altLang="en-US"/>
           </a:p>
@@ -18652,7 +18727,7 @@
           <a:p>
             <a:fld id="{14FB2775-2485-43BF-8EBD-295176C8D13C}" type="datetimeFigureOut">
               <a:rPr lang="zh-TW" altLang="en-US" smtClean="0"/>
-              <a:t>2023/4/23</a:t>
+              <a:t>2023/11/24</a:t>
             </a:fld>
             <a:endParaRPr lang="zh-TW" altLang="en-US"/>
           </a:p>
@@ -18940,7 +19015,7 @@
           <a:p>
             <a:fld id="{14FB2775-2485-43BF-8EBD-295176C8D13C}" type="datetimeFigureOut">
               <a:rPr lang="zh-TW" altLang="en-US" smtClean="0"/>
-              <a:t>2023/4/23</a:t>
+              <a:t>2023/11/24</a:t>
             </a:fld>
             <a:endParaRPr lang="zh-TW" altLang="en-US"/>
           </a:p>
@@ -19181,7 +19256,7 @@
           <a:p>
             <a:fld id="{14FB2775-2485-43BF-8EBD-295176C8D13C}" type="datetimeFigureOut">
               <a:rPr lang="zh-TW" altLang="en-US" smtClean="0"/>
-              <a:t>2023/4/23</a:t>
+              <a:t>2023/11/24</a:t>
             </a:fld>
             <a:endParaRPr lang="zh-TW" altLang="en-US"/>
           </a:p>
@@ -19616,7 +19691,9 @@
         </p:nvSpPr>
         <p:spPr/>
         <p:txBody>
-          <a:bodyPr/>
+          <a:bodyPr>
+            <a:normAutofit fontScale="90000"/>
+          </a:bodyPr>
           <a:lstStyle/>
           <a:p>
             <a:r>
@@ -19626,6 +19703,28 @@
             <a:r>
               <a:rPr lang="en-US" altLang="zh-TW" dirty="0"/>
               <a:t> Introduction</a:t>
+            </a:r>
+            <a:br>
+              <a:rPr lang="en-US" altLang="zh-TW" dirty="0"/>
+            </a:br>
+            <a:r>
+              <a:rPr lang="en-US" altLang="zh-TW" dirty="0"/>
+              <a:t>and</a:t>
+            </a:r>
+            <a:br>
+              <a:rPr lang="en-US" altLang="zh-TW" dirty="0"/>
+            </a:br>
+            <a:r>
+              <a:rPr lang="en-US" altLang="zh-TW" dirty="0" err="1"/>
+              <a:t>NVMe</a:t>
+            </a:r>
+            <a:r>
+              <a:rPr lang="en-US" altLang="zh-TW" dirty="0"/>
+              <a:t> </a:t>
+            </a:r>
+            <a:r>
+              <a:rPr lang="en-US" altLang="zh-TW" dirty="0" err="1"/>
+              <a:t>Pricinples</a:t>
             </a:r>
             <a:endParaRPr lang="zh-TW" altLang="en-US" dirty="0"/>
           </a:p>
@@ -20207,7 +20306,7 @@
             </a:r>
             <a:r>
               <a:rPr lang="en-US" altLang="zh-TW" dirty="0"/>
-              <a:t> size. Of course, it’s better that set same size for them.</a:t>
+              <a:t> size. Of course, better to set same size.</a:t>
             </a:r>
           </a:p>
         </p:txBody>
@@ -21898,7 +21997,7 @@
             <p:nvPr>
               <p:extLst>
                 <p:ext uri="{D42A27DB-BD31-4B8C-83A1-F6EECF244321}">
-                  <p14:modId xmlns:p14="http://schemas.microsoft.com/office/powerpoint/2010/main" val="4126422754"/>
+                  <p14:modId xmlns:p14="http://schemas.microsoft.com/office/powerpoint/2010/main" val="2843321086"/>
                 </p:ext>
               </p:extLst>
             </p:nvPr>
@@ -21909,7 +22008,7 @@
           </p:xfrm>
           <a:graphic>
             <a:graphicData uri="http://schemas.openxmlformats.org/drawingml/2006/diagram">
-              <dgm:relIds xmlns:dgm="http://schemas.openxmlformats.org/drawingml/2006/diagram" xmlns:r="http://schemas.openxmlformats.org/officeDocument/2006/relationships" r:dm="rId2" r:lo="rId3" r:qs="rId4" r:cs="rId5"/>
+              <dgm:relIds xmlns:dgm="http://schemas.openxmlformats.org/drawingml/2006/diagram" xmlns:r="http://schemas.openxmlformats.org/officeDocument/2006/relationships" r:dm="rId3" r:lo="rId4" r:qs="rId5" r:cs="rId6"/>
             </a:graphicData>
           </a:graphic>
         </p:graphicFrame>
@@ -21926,7 +22025,7 @@
             <p:nvPr>
               <p:extLst>
                 <p:ext uri="{D42A27DB-BD31-4B8C-83A1-F6EECF244321}">
-                  <p14:modId xmlns:p14="http://schemas.microsoft.com/office/powerpoint/2010/main" val="3480238355"/>
+                  <p14:modId xmlns:p14="http://schemas.microsoft.com/office/powerpoint/2010/main" val="2196513154"/>
                 </p:ext>
               </p:extLst>
             </p:nvPr>
@@ -21937,7 +22036,7 @@
           </p:xfrm>
           <a:graphic>
             <a:graphicData uri="http://schemas.openxmlformats.org/drawingml/2006/diagram">
-              <dgm:relIds xmlns:dgm="http://schemas.openxmlformats.org/drawingml/2006/diagram" xmlns:r="http://schemas.openxmlformats.org/officeDocument/2006/relationships" r:dm="rId7" r:lo="rId8" r:qs="rId9" r:cs="rId10"/>
+              <dgm:relIds xmlns:dgm="http://schemas.openxmlformats.org/drawingml/2006/diagram" xmlns:r="http://schemas.openxmlformats.org/officeDocument/2006/relationships" r:dm="rId8" r:lo="rId9" r:qs="rId10" r:cs="rId11"/>
             </a:graphicData>
           </a:graphic>
         </p:graphicFrame>
@@ -22068,7 +22167,7 @@
             <p:ph idx="1"/>
             <p:extLst>
               <p:ext uri="{D42A27DB-BD31-4B8C-83A1-F6EECF244321}">
-                <p14:modId xmlns:p14="http://schemas.microsoft.com/office/powerpoint/2010/main" val="2179490335"/>
+                <p14:modId xmlns:p14="http://schemas.microsoft.com/office/powerpoint/2010/main" val="3262833376"/>
               </p:ext>
             </p:extLst>
           </p:nvPr>
@@ -22158,7 +22257,7 @@
             <p:ph idx="1"/>
             <p:extLst>
               <p:ext uri="{D42A27DB-BD31-4B8C-83A1-F6EECF244321}">
-                <p14:modId xmlns:p14="http://schemas.microsoft.com/office/powerpoint/2010/main" val="164551281"/>
+                <p14:modId xmlns:p14="http://schemas.microsoft.com/office/powerpoint/2010/main" val="2488671285"/>
               </p:ext>
             </p:extLst>
           </p:nvPr>
@@ -22572,7 +22671,7 @@
               </a:r>
               <a:r>
                 <a:rPr lang="en-US" altLang="zh-TW" sz="3200" dirty="0"/>
-                <a:t>[n]</a:t>
+                <a:t>[n] first</a:t>
               </a:r>
               <a:endParaRPr lang="zh-TW" altLang="en-US" sz="3200" dirty="0"/>
             </a:p>
@@ -22620,7 +22719,7 @@
               <a:pPr algn="ctr"/>
               <a:r>
                 <a:rPr lang="en-US" altLang="zh-TW" sz="3200" dirty="0"/>
-                <a:t>Register </a:t>
+                <a:t>then Register </a:t>
               </a:r>
               <a:r>
                 <a:rPr lang="en-US" altLang="zh-TW" sz="3200" dirty="0" err="1"/>
@@ -23314,7 +23413,19 @@
           <a:bodyPr/>
           <a:lstStyle/>
           <a:p>
-            <a:endParaRPr lang="zh-TW" altLang="en-US"/>
+            <a:r>
+              <a:rPr lang="en-US" altLang="zh-TW" dirty="0"/>
+              <a:t>Set Features (</a:t>
+            </a:r>
+            <a:r>
+              <a:rPr lang="en-US" altLang="zh-TW" dirty="0" err="1"/>
+              <a:t>NVMe</a:t>
+            </a:r>
+            <a:r>
+              <a:rPr lang="en-US" altLang="zh-TW" dirty="0"/>
+              <a:t> spec 1.3)</a:t>
+            </a:r>
+            <a:endParaRPr lang="zh-TW" altLang="en-US" dirty="0"/>
           </a:p>
         </p:txBody>
       </p:sp>
@@ -23339,7 +23450,97 @@
           <a:bodyPr/>
           <a:lstStyle/>
           <a:p>
-            <a:endParaRPr lang="zh-TW" altLang="en-US"/>
+            <a:r>
+              <a:rPr lang="en-US" altLang="zh-TW" dirty="0"/>
+              <a:t>You can skip </a:t>
+            </a:r>
+            <a:r>
+              <a:rPr lang="en-US" altLang="zh-TW" dirty="0" err="1"/>
+              <a:t>SetFeatures</a:t>
+            </a:r>
+            <a:r>
+              <a:rPr lang="en-US" altLang="zh-TW" dirty="0"/>
+              <a:t> step if you want it be default.</a:t>
+            </a:r>
+          </a:p>
+          <a:p>
+            <a:r>
+              <a:rPr lang="en-US" altLang="zh-TW" dirty="0"/>
+              <a:t>“</a:t>
+            </a:r>
+            <a:r>
+              <a:rPr lang="en-US" altLang="zh-TW" dirty="0" err="1"/>
+              <a:t>MustHave</a:t>
+            </a:r>
+            <a:r>
+              <a:rPr lang="en-US" altLang="zh-TW" dirty="0"/>
+              <a:t>” in Spec (“Mandatory” in </a:t>
+            </a:r>
+            <a:r>
+              <a:rPr lang="en-US" altLang="zh-TW" dirty="0" err="1"/>
+              <a:t>SetFeature</a:t>
+            </a:r>
+            <a:r>
+              <a:rPr lang="en-US" altLang="zh-TW" dirty="0"/>
+              <a:t> section)</a:t>
+            </a:r>
+          </a:p>
+          <a:p>
+            <a:pPr lvl="1"/>
+            <a:r>
+              <a:rPr lang="en-US" altLang="zh-TW" dirty="0"/>
+              <a:t>Arbitration (Round Robin weight of queue processing)</a:t>
+            </a:r>
+          </a:p>
+          <a:p>
+            <a:pPr lvl="1"/>
+            <a:r>
+              <a:rPr lang="en-US" altLang="zh-TW" dirty="0"/>
+              <a:t>Power Management (How to handle different power state)</a:t>
+            </a:r>
+          </a:p>
+          <a:p>
+            <a:pPr lvl="1"/>
+            <a:r>
+              <a:rPr lang="en-US" altLang="zh-TW" dirty="0"/>
+              <a:t>Temperature Threshold (Temperature upper/lower limit)</a:t>
+            </a:r>
+          </a:p>
+          <a:p>
+            <a:pPr lvl="1"/>
+            <a:r>
+              <a:rPr lang="en-US" altLang="zh-TW" dirty="0"/>
+              <a:t>Error Recovery</a:t>
+            </a:r>
+          </a:p>
+          <a:p>
+            <a:pPr lvl="1"/>
+            <a:r>
+              <a:rPr lang="en-US" altLang="zh-TW" dirty="0"/>
+              <a:t>Number of Queues (ask how many I/O Queues can be registered) </a:t>
+            </a:r>
+          </a:p>
+          <a:p>
+            <a:pPr lvl="1"/>
+            <a:r>
+              <a:rPr lang="en-US" altLang="zh-TW" dirty="0"/>
+              <a:t>Write Atomicity Normal</a:t>
+            </a:r>
+          </a:p>
+          <a:p>
+            <a:pPr lvl="1"/>
+            <a:r>
+              <a:rPr lang="en-US" altLang="zh-TW" dirty="0"/>
+              <a:t>Asynchronous Event Configuration (</a:t>
+            </a:r>
+            <a:r>
+              <a:rPr lang="en-US" altLang="zh-TW" dirty="0" err="1"/>
+              <a:t>AsyncEvent</a:t>
+            </a:r>
+            <a:r>
+              <a:rPr lang="en-US" altLang="zh-TW" dirty="0"/>
+              <a:t> will tell you what’s wrong)</a:t>
+            </a:r>
           </a:p>
         </p:txBody>
       </p:sp>
@@ -23357,6 +23558,600 @@
 </file>
 
 <file path=ppt/slides/slide28.xml><?xml version="1.0" encoding="utf-8"?>
+<p:sld xmlns:a="http://schemas.openxmlformats.org/drawingml/2006/main" xmlns:r="http://schemas.openxmlformats.org/officeDocument/2006/relationships" xmlns:p="http://schemas.openxmlformats.org/presentationml/2006/main">
+  <p:cSld>
+    <p:spTree>
+      <p:nvGrpSpPr>
+        <p:cNvPr id="1" name=""/>
+        <p:cNvGrpSpPr/>
+        <p:nvPr/>
+      </p:nvGrpSpPr>
+      <p:grpSpPr>
+        <a:xfrm>
+          <a:off x="0" y="0"/>
+          <a:ext cx="0" cy="0"/>
+          <a:chOff x="0" y="0"/>
+          <a:chExt cx="0" cy="0"/>
+        </a:xfrm>
+      </p:grpSpPr>
+      <p:sp>
+        <p:nvSpPr>
+          <p:cNvPr id="2" name="標題 1">
+            <a:extLst>
+              <a:ext uri="{FF2B5EF4-FFF2-40B4-BE49-F238E27FC236}">
+                <a16:creationId xmlns:a16="http://schemas.microsoft.com/office/drawing/2014/main" id="{1A8F913D-59B8-7B13-EA99-C40C1FEF60AA}"/>
+              </a:ext>
+            </a:extLst>
+          </p:cNvPr>
+          <p:cNvSpPr>
+            <a:spLocks noGrp="1"/>
+          </p:cNvSpPr>
+          <p:nvPr>
+            <p:ph type="title"/>
+          </p:nvPr>
+        </p:nvSpPr>
+        <p:spPr/>
+        <p:txBody>
+          <a:bodyPr/>
+          <a:lstStyle/>
+          <a:p>
+            <a:r>
+              <a:rPr lang="en-US" altLang="zh-TW" dirty="0"/>
+              <a:t>Set Features (</a:t>
+            </a:r>
+            <a:r>
+              <a:rPr lang="en-US" altLang="zh-TW" dirty="0" err="1"/>
+              <a:t>NVMe</a:t>
+            </a:r>
+            <a:r>
+              <a:rPr lang="en-US" altLang="zh-TW" dirty="0"/>
+              <a:t> spec 1.3)</a:t>
+            </a:r>
+            <a:endParaRPr lang="zh-TW" altLang="en-US" dirty="0"/>
+          </a:p>
+        </p:txBody>
+      </p:sp>
+      <p:sp>
+        <p:nvSpPr>
+          <p:cNvPr id="3" name="內容版面配置區 2">
+            <a:extLst>
+              <a:ext uri="{FF2B5EF4-FFF2-40B4-BE49-F238E27FC236}">
+                <a16:creationId xmlns:a16="http://schemas.microsoft.com/office/drawing/2014/main" id="{999DEB95-E09B-3099-082B-F278FED1053B}"/>
+              </a:ext>
+            </a:extLst>
+          </p:cNvPr>
+          <p:cNvSpPr>
+            <a:spLocks noGrp="1"/>
+          </p:cNvSpPr>
+          <p:nvPr>
+            <p:ph idx="1"/>
+          </p:nvPr>
+        </p:nvSpPr>
+        <p:spPr/>
+        <p:txBody>
+          <a:bodyPr/>
+          <a:lstStyle/>
+          <a:p>
+            <a:r>
+              <a:rPr lang="en-US" altLang="zh-TW" dirty="0"/>
+              <a:t>Minimal Implementation</a:t>
+            </a:r>
+          </a:p>
+          <a:p>
+            <a:pPr lvl="1"/>
+            <a:r>
+              <a:rPr lang="en-US" altLang="zh-TW" dirty="0"/>
+              <a:t>Number of Queues</a:t>
+            </a:r>
+          </a:p>
+          <a:p>
+            <a:pPr lvl="2"/>
+            <a:r>
+              <a:rPr lang="en-US" altLang="zh-TW" dirty="0"/>
+              <a:t>Host tell Device “how many I/O queues I would like to register” and Device will reply “How many I/O queues MAX I can allow your registration”.</a:t>
+            </a:r>
+          </a:p>
+          <a:p>
+            <a:pPr lvl="2"/>
+            <a:r>
+              <a:rPr lang="en-US" altLang="zh-TW" dirty="0">
+                <a:solidFill>
+                  <a:srgbClr val="FF0000"/>
+                </a:solidFill>
+              </a:rPr>
+              <a:t>This must be implemented! Not every device has 64 queues…</a:t>
+            </a:r>
+          </a:p>
+          <a:p>
+            <a:pPr lvl="1"/>
+            <a:endParaRPr lang="en-US" altLang="zh-TW" dirty="0"/>
+          </a:p>
+          <a:p>
+            <a:r>
+              <a:rPr lang="en-US" altLang="zh-TW" dirty="0"/>
+              <a:t>My Recommended Implementation</a:t>
+            </a:r>
+          </a:p>
+          <a:p>
+            <a:pPr lvl="1"/>
+            <a:r>
+              <a:rPr lang="en-US" altLang="zh-TW" dirty="0"/>
+              <a:t>Asynchronous Event Configuration</a:t>
+            </a:r>
+          </a:p>
+          <a:p>
+            <a:pPr lvl="2"/>
+            <a:r>
+              <a:rPr lang="en-US" altLang="zh-TW" dirty="0"/>
+              <a:t>It will reply event data if anything wrong. Replied event carries debug information.</a:t>
+            </a:r>
+            <a:endParaRPr lang="zh-TW" altLang="en-US" dirty="0"/>
+          </a:p>
+        </p:txBody>
+      </p:sp>
+    </p:spTree>
+    <p:extLst>
+      <p:ext uri="{BB962C8B-B14F-4D97-AF65-F5344CB8AC3E}">
+        <p14:creationId xmlns:p14="http://schemas.microsoft.com/office/powerpoint/2010/main" val="3334667652"/>
+      </p:ext>
+    </p:extLst>
+  </p:cSld>
+  <p:clrMapOvr>
+    <a:masterClrMapping/>
+  </p:clrMapOvr>
+</p:sld>
+</file>
+
+<file path=ppt/slides/slide29.xml><?xml version="1.0" encoding="utf-8"?>
+<p:sld xmlns:a="http://schemas.openxmlformats.org/drawingml/2006/main" xmlns:r="http://schemas.openxmlformats.org/officeDocument/2006/relationships" xmlns:p="http://schemas.openxmlformats.org/presentationml/2006/main">
+  <p:cSld>
+    <p:spTree>
+      <p:nvGrpSpPr>
+        <p:cNvPr id="1" name=""/>
+        <p:cNvGrpSpPr/>
+        <p:nvPr/>
+      </p:nvGrpSpPr>
+      <p:grpSpPr>
+        <a:xfrm>
+          <a:off x="0" y="0"/>
+          <a:ext cx="0" cy="0"/>
+          <a:chOff x="0" y="0"/>
+          <a:chExt cx="0" cy="0"/>
+        </a:xfrm>
+      </p:grpSpPr>
+      <p:sp>
+        <p:nvSpPr>
+          <p:cNvPr id="2" name="標題 1">
+            <a:extLst>
+              <a:ext uri="{FF2B5EF4-FFF2-40B4-BE49-F238E27FC236}">
+                <a16:creationId xmlns:a16="http://schemas.microsoft.com/office/drawing/2014/main" id="{1A8F913D-59B8-7B13-EA99-C40C1FEF60AA}"/>
+              </a:ext>
+            </a:extLst>
+          </p:cNvPr>
+          <p:cNvSpPr>
+            <a:spLocks noGrp="1"/>
+          </p:cNvSpPr>
+          <p:nvPr>
+            <p:ph type="title"/>
+          </p:nvPr>
+        </p:nvSpPr>
+        <p:spPr/>
+        <p:txBody>
+          <a:bodyPr/>
+          <a:lstStyle/>
+          <a:p>
+            <a:r>
+              <a:rPr lang="en-US" altLang="zh-TW" dirty="0"/>
+              <a:t>Register I/O Queues</a:t>
+            </a:r>
+            <a:endParaRPr lang="zh-TW" altLang="en-US" dirty="0"/>
+          </a:p>
+        </p:txBody>
+      </p:sp>
+      <p:sp>
+        <p:nvSpPr>
+          <p:cNvPr id="3" name="內容版面配置區 2">
+            <a:extLst>
+              <a:ext uri="{FF2B5EF4-FFF2-40B4-BE49-F238E27FC236}">
+                <a16:creationId xmlns:a16="http://schemas.microsoft.com/office/drawing/2014/main" id="{999DEB95-E09B-3099-082B-F278FED1053B}"/>
+              </a:ext>
+            </a:extLst>
+          </p:cNvPr>
+          <p:cNvSpPr>
+            <a:spLocks noGrp="1"/>
+          </p:cNvSpPr>
+          <p:nvPr>
+            <p:ph idx="1"/>
+          </p:nvPr>
+        </p:nvSpPr>
+        <p:spPr/>
+        <p:txBody>
+          <a:bodyPr/>
+          <a:lstStyle/>
+          <a:p>
+            <a:r>
+              <a:rPr lang="en-US" altLang="zh-TW" dirty="0"/>
+              <a:t>Admin Command</a:t>
+            </a:r>
+          </a:p>
+          <a:p>
+            <a:pPr lvl="1"/>
+            <a:r>
+              <a:rPr lang="en-US" altLang="zh-TW" dirty="0"/>
+              <a:t>Create I/O Submission Queue</a:t>
+            </a:r>
+          </a:p>
+          <a:p>
+            <a:pPr lvl="1"/>
+            <a:r>
+              <a:rPr lang="en-US" altLang="zh-TW" dirty="0"/>
+              <a:t>Create I/O Completion Queue</a:t>
+            </a:r>
+          </a:p>
+          <a:p>
+            <a:r>
+              <a:rPr lang="en-US" altLang="zh-TW" dirty="0"/>
+              <a:t>Assign Physical Memory Address of </a:t>
+            </a:r>
+            <a:r>
+              <a:rPr lang="en-US" altLang="zh-TW" dirty="0" err="1"/>
+              <a:t>QueueBuffer</a:t>
+            </a:r>
+            <a:r>
+              <a:rPr lang="en-US" altLang="zh-TW" dirty="0"/>
+              <a:t> to PRP</a:t>
+            </a:r>
+          </a:p>
+          <a:p>
+            <a:r>
+              <a:rPr lang="en-US" altLang="zh-TW" dirty="0">
+                <a:solidFill>
+                  <a:srgbClr val="FF0000"/>
+                </a:solidFill>
+              </a:rPr>
+              <a:t>In each </a:t>
+            </a:r>
+            <a:r>
+              <a:rPr lang="en-US" altLang="zh-TW" dirty="0" err="1">
+                <a:solidFill>
+                  <a:srgbClr val="FF0000"/>
+                </a:solidFill>
+              </a:rPr>
+              <a:t>QueuePair</a:t>
+            </a:r>
+            <a:r>
+              <a:rPr lang="en-US" altLang="zh-TW" dirty="0">
+                <a:solidFill>
+                  <a:srgbClr val="FF0000"/>
+                </a:solidFill>
+              </a:rPr>
+              <a:t> , always create Completion Queue before Submission Queue !</a:t>
+            </a:r>
+          </a:p>
+          <a:p>
+            <a:pPr lvl="1"/>
+            <a:r>
+              <a:rPr lang="en-US" altLang="zh-TW" dirty="0"/>
+              <a:t>Device will reject </a:t>
+            </a:r>
+            <a:r>
+              <a:rPr lang="en-US" altLang="zh-TW" dirty="0" err="1"/>
+              <a:t>cmd</a:t>
+            </a:r>
+            <a:r>
+              <a:rPr lang="en-US" altLang="zh-TW" dirty="0"/>
+              <a:t> if create </a:t>
+            </a:r>
+            <a:r>
+              <a:rPr lang="en-US" altLang="zh-TW" dirty="0" err="1"/>
+              <a:t>SubQ</a:t>
+            </a:r>
+            <a:r>
+              <a:rPr lang="en-US" altLang="zh-TW" dirty="0"/>
+              <a:t> before </a:t>
+            </a:r>
+            <a:r>
+              <a:rPr lang="en-US" altLang="zh-TW" dirty="0" err="1"/>
+              <a:t>CplQ</a:t>
+            </a:r>
+            <a:endParaRPr lang="en-US" altLang="zh-TW" dirty="0"/>
+          </a:p>
+        </p:txBody>
+      </p:sp>
+    </p:spTree>
+    <p:extLst>
+      <p:ext uri="{BB962C8B-B14F-4D97-AF65-F5344CB8AC3E}">
+        <p14:creationId xmlns:p14="http://schemas.microsoft.com/office/powerpoint/2010/main" val="1869380945"/>
+      </p:ext>
+    </p:extLst>
+  </p:cSld>
+  <p:clrMapOvr>
+    <a:masterClrMapping/>
+  </p:clrMapOvr>
+</p:sld>
+</file>
+
+<file path=ppt/slides/slide3.xml><?xml version="1.0" encoding="utf-8"?>
+<p:sld xmlns:a="http://schemas.openxmlformats.org/drawingml/2006/main" xmlns:r="http://schemas.openxmlformats.org/officeDocument/2006/relationships" xmlns:p="http://schemas.openxmlformats.org/presentationml/2006/main">
+  <p:cSld>
+    <p:spTree>
+      <p:nvGrpSpPr>
+        <p:cNvPr id="1" name=""/>
+        <p:cNvGrpSpPr/>
+        <p:nvPr/>
+      </p:nvGrpSpPr>
+      <p:grpSpPr>
+        <a:xfrm>
+          <a:off x="0" y="0"/>
+          <a:ext cx="0" cy="0"/>
+          <a:chOff x="0" y="0"/>
+          <a:chExt cx="0" cy="0"/>
+        </a:xfrm>
+      </p:grpSpPr>
+      <p:sp>
+        <p:nvSpPr>
+          <p:cNvPr id="2" name="標題 1">
+            <a:extLst>
+              <a:ext uri="{FF2B5EF4-FFF2-40B4-BE49-F238E27FC236}">
+                <a16:creationId xmlns:a16="http://schemas.microsoft.com/office/drawing/2014/main" id="{5DD07498-5F52-49AE-8F70-D644A562FAEE}"/>
+              </a:ext>
+            </a:extLst>
+          </p:cNvPr>
+          <p:cNvSpPr>
+            <a:spLocks noGrp="1"/>
+          </p:cNvSpPr>
+          <p:nvPr>
+            <p:ph type="title"/>
+          </p:nvPr>
+        </p:nvSpPr>
+        <p:spPr/>
+        <p:txBody>
+          <a:bodyPr/>
+          <a:lstStyle/>
+          <a:p>
+            <a:r>
+              <a:rPr lang="en-US" altLang="zh-TW" dirty="0"/>
+              <a:t>What is </a:t>
+            </a:r>
+            <a:r>
+              <a:rPr lang="en-US" altLang="zh-TW" dirty="0" err="1"/>
+              <a:t>SPCNVMe</a:t>
+            </a:r>
+            <a:r>
+              <a:rPr lang="en-US" altLang="zh-TW" dirty="0"/>
+              <a:t> ?</a:t>
+            </a:r>
+            <a:endParaRPr lang="zh-TW" altLang="en-US" dirty="0"/>
+          </a:p>
+        </p:txBody>
+      </p:sp>
+      <p:sp>
+        <p:nvSpPr>
+          <p:cNvPr id="3" name="內容版面配置區 2">
+            <a:extLst>
+              <a:ext uri="{FF2B5EF4-FFF2-40B4-BE49-F238E27FC236}">
+                <a16:creationId xmlns:a16="http://schemas.microsoft.com/office/drawing/2014/main" id="{38A78F0E-8A29-474B-B872-6D9F55857160}"/>
+              </a:ext>
+            </a:extLst>
+          </p:cNvPr>
+          <p:cNvSpPr>
+            <a:spLocks noGrp="1"/>
+          </p:cNvSpPr>
+          <p:nvPr>
+            <p:ph idx="1"/>
+          </p:nvPr>
+        </p:nvSpPr>
+        <p:spPr/>
+        <p:txBody>
+          <a:bodyPr/>
+          <a:lstStyle/>
+          <a:p>
+            <a:r>
+              <a:rPr lang="en-US" altLang="zh-TW" dirty="0"/>
+              <a:t>an </a:t>
+            </a:r>
+            <a:r>
+              <a:rPr lang="en-US" altLang="zh-TW" dirty="0" err="1"/>
+              <a:t>OpenSource</a:t>
+            </a:r>
+            <a:r>
+              <a:rPr lang="en-US" altLang="zh-TW" dirty="0"/>
+              <a:t> PCIe </a:t>
+            </a:r>
+            <a:r>
+              <a:rPr lang="en-US" altLang="zh-TW" dirty="0" err="1"/>
+              <a:t>NVMe</a:t>
+            </a:r>
+            <a:r>
+              <a:rPr lang="en-US" altLang="zh-TW" dirty="0"/>
+              <a:t> driver for Windows Platform</a:t>
+            </a:r>
+          </a:p>
+          <a:p>
+            <a:r>
+              <a:rPr lang="en-US" altLang="zh-TW" dirty="0"/>
+              <a:t>Implemented by </a:t>
+            </a:r>
+            <a:r>
+              <a:rPr lang="en-US" altLang="zh-TW" dirty="0" err="1"/>
+              <a:t>Storport</a:t>
+            </a:r>
+            <a:r>
+              <a:rPr lang="en-US" altLang="zh-TW" dirty="0"/>
+              <a:t> Miniport framework</a:t>
+            </a:r>
+          </a:p>
+          <a:p>
+            <a:r>
+              <a:rPr lang="en-US" altLang="zh-TW" dirty="0"/>
+              <a:t>Supported only Win 8+</a:t>
+            </a:r>
+          </a:p>
+          <a:p>
+            <a:pPr lvl="1"/>
+            <a:r>
+              <a:rPr lang="en-US" altLang="zh-TW" dirty="0"/>
+              <a:t>Maybe I will make it support Win7 when I have free time.... :p</a:t>
+            </a:r>
+          </a:p>
+          <a:p>
+            <a:pPr lvl="1"/>
+            <a:endParaRPr lang="en-US" altLang="zh-TW" dirty="0"/>
+          </a:p>
+          <a:p>
+            <a:endParaRPr lang="en-US" altLang="zh-TW" dirty="0"/>
+          </a:p>
+          <a:p>
+            <a:r>
+              <a:rPr lang="en-US" altLang="zh-TW" dirty="0"/>
+              <a:t>Some information are assembly reversed from windows built-in stornvme.sys.</a:t>
+            </a:r>
+          </a:p>
+          <a:p>
+            <a:endParaRPr lang="zh-TW" altLang="en-US" dirty="0"/>
+          </a:p>
+        </p:txBody>
+      </p:sp>
+    </p:spTree>
+    <p:extLst>
+      <p:ext uri="{BB962C8B-B14F-4D97-AF65-F5344CB8AC3E}">
+        <p14:creationId xmlns:p14="http://schemas.microsoft.com/office/powerpoint/2010/main" val="1333622040"/>
+      </p:ext>
+    </p:extLst>
+  </p:cSld>
+  <p:clrMapOvr>
+    <a:masterClrMapping/>
+  </p:clrMapOvr>
+</p:sld>
+</file>
+
+<file path=ppt/slides/slide30.xml><?xml version="1.0" encoding="utf-8"?>
+<p:sld xmlns:a="http://schemas.openxmlformats.org/drawingml/2006/main" xmlns:r="http://schemas.openxmlformats.org/officeDocument/2006/relationships" xmlns:p="http://schemas.openxmlformats.org/presentationml/2006/main">
+  <p:cSld>
+    <p:spTree>
+      <p:nvGrpSpPr>
+        <p:cNvPr id="1" name=""/>
+        <p:cNvGrpSpPr/>
+        <p:nvPr/>
+      </p:nvGrpSpPr>
+      <p:grpSpPr>
+        <a:xfrm>
+          <a:off x="0" y="0"/>
+          <a:ext cx="0" cy="0"/>
+          <a:chOff x="0" y="0"/>
+          <a:chExt cx="0" cy="0"/>
+        </a:xfrm>
+      </p:grpSpPr>
+      <p:sp>
+        <p:nvSpPr>
+          <p:cNvPr id="2" name="標題 1">
+            <a:extLst>
+              <a:ext uri="{FF2B5EF4-FFF2-40B4-BE49-F238E27FC236}">
+                <a16:creationId xmlns:a16="http://schemas.microsoft.com/office/drawing/2014/main" id="{EC86F950-3471-456F-B75A-981FB35221F3}"/>
+              </a:ext>
+            </a:extLst>
+          </p:cNvPr>
+          <p:cNvSpPr>
+            <a:spLocks noGrp="1"/>
+          </p:cNvSpPr>
+          <p:nvPr>
+            <p:ph type="title"/>
+          </p:nvPr>
+        </p:nvSpPr>
+        <p:spPr/>
+        <p:txBody>
+          <a:bodyPr/>
+          <a:lstStyle/>
+          <a:p>
+            <a:r>
+              <a:rPr lang="en-US" altLang="zh-TW" dirty="0"/>
+              <a:t>Queue Buffer Contiguous</a:t>
+            </a:r>
+            <a:endParaRPr lang="zh-TW" altLang="en-US" dirty="0"/>
+          </a:p>
+        </p:txBody>
+      </p:sp>
+      <p:sp>
+        <p:nvSpPr>
+          <p:cNvPr id="3" name="內容版面配置區 2">
+            <a:extLst>
+              <a:ext uri="{FF2B5EF4-FFF2-40B4-BE49-F238E27FC236}">
+                <a16:creationId xmlns:a16="http://schemas.microsoft.com/office/drawing/2014/main" id="{9E6D7088-FD26-4E35-ACB4-34AA12025937}"/>
+              </a:ext>
+            </a:extLst>
+          </p:cNvPr>
+          <p:cNvSpPr>
+            <a:spLocks noGrp="1"/>
+          </p:cNvSpPr>
+          <p:nvPr>
+            <p:ph idx="1"/>
+          </p:nvPr>
+        </p:nvSpPr>
+        <p:spPr/>
+        <p:txBody>
+          <a:bodyPr/>
+          <a:lstStyle/>
+          <a:p>
+            <a:r>
+              <a:rPr lang="en-US" altLang="zh-TW" dirty="0"/>
+              <a:t>In </a:t>
+            </a:r>
+            <a:r>
+              <a:rPr lang="en-US" altLang="zh-TW" dirty="0" err="1"/>
+              <a:t>CtrlRegister</a:t>
+            </a:r>
+            <a:r>
+              <a:rPr lang="en-US" altLang="zh-TW" dirty="0"/>
+              <a:t>-&gt;Cap , CQR field indicates “Registered Queue Buffer should be Physically Contiguous”</a:t>
+            </a:r>
+          </a:p>
+          <a:p>
+            <a:pPr lvl="1"/>
+            <a:r>
+              <a:rPr lang="en-US" altLang="zh-TW" dirty="0"/>
+              <a:t>Example : register a </a:t>
+            </a:r>
+            <a:r>
+              <a:rPr lang="en-US" altLang="zh-TW" dirty="0" err="1"/>
+              <a:t>SubQ</a:t>
+            </a:r>
+            <a:r>
+              <a:rPr lang="en-US" altLang="zh-TW" dirty="0"/>
+              <a:t> with 128 entries, the buffer must be 2 PAGE physically contiguous memory if CAP.CRQ == 1.</a:t>
+            </a:r>
+          </a:p>
+          <a:p>
+            <a:pPr lvl="1"/>
+            <a:r>
+              <a:rPr lang="en-US" altLang="zh-TW" dirty="0" err="1"/>
+              <a:t>SubQ</a:t>
+            </a:r>
+            <a:r>
+              <a:rPr lang="en-US" altLang="zh-TW" dirty="0"/>
+              <a:t> no need to be contiguous with </a:t>
+            </a:r>
+            <a:r>
+              <a:rPr lang="en-US" altLang="zh-TW" dirty="0" err="1"/>
+              <a:t>CplQ</a:t>
+            </a:r>
+            <a:endParaRPr lang="zh-TW" altLang="en-US" dirty="0"/>
+          </a:p>
+        </p:txBody>
+      </p:sp>
+    </p:spTree>
+    <p:extLst>
+      <p:ext uri="{BB962C8B-B14F-4D97-AF65-F5344CB8AC3E}">
+        <p14:creationId xmlns:p14="http://schemas.microsoft.com/office/powerpoint/2010/main" val="4104190025"/>
+      </p:ext>
+    </p:extLst>
+  </p:cSld>
+  <p:clrMapOvr>
+    <a:masterClrMapping/>
+  </p:clrMapOvr>
+</p:sld>
+</file>
+
+<file path=ppt/slides/slide31.xml><?xml version="1.0" encoding="utf-8"?>
 <p:sld xmlns:a="http://schemas.openxmlformats.org/drawingml/2006/main" xmlns:r="http://schemas.openxmlformats.org/officeDocument/2006/relationships" xmlns:p="http://schemas.openxmlformats.org/presentationml/2006/main">
   <p:cSld>
     <p:spTree>
@@ -23442,7 +24237,7 @@
     </p:spTree>
     <p:extLst>
       <p:ext uri="{BB962C8B-B14F-4D97-AF65-F5344CB8AC3E}">
-        <p14:creationId xmlns:p14="http://schemas.microsoft.com/office/powerpoint/2010/main" val="1835430700"/>
+        <p14:creationId xmlns:p14="http://schemas.microsoft.com/office/powerpoint/2010/main" val="3633516869"/>
       </p:ext>
     </p:extLst>
   </p:cSld>
@@ -23452,7 +24247,7 @@
 </p:sld>
 </file>
 
-<file path=ppt/slides/slide29.xml><?xml version="1.0" encoding="utf-8"?>
+<file path=ppt/slides/slide32.xml><?xml version="1.0" encoding="utf-8"?>
 <p:sld xmlns:a="http://schemas.openxmlformats.org/drawingml/2006/main" xmlns:r="http://schemas.openxmlformats.org/officeDocument/2006/relationships" xmlns:p="http://schemas.openxmlformats.org/presentationml/2006/main">
   <p:cSld>
     <p:spTree>
@@ -23961,161 +24756,7 @@
 </p:sld>
 </file>
 
-<file path=ppt/slides/slide3.xml><?xml version="1.0" encoding="utf-8"?>
-<p:sld xmlns:a="http://schemas.openxmlformats.org/drawingml/2006/main" xmlns:r="http://schemas.openxmlformats.org/officeDocument/2006/relationships" xmlns:p="http://schemas.openxmlformats.org/presentationml/2006/main">
-  <p:cSld>
-    <p:spTree>
-      <p:nvGrpSpPr>
-        <p:cNvPr id="1" name=""/>
-        <p:cNvGrpSpPr/>
-        <p:nvPr/>
-      </p:nvGrpSpPr>
-      <p:grpSpPr>
-        <a:xfrm>
-          <a:off x="0" y="0"/>
-          <a:ext cx="0" cy="0"/>
-          <a:chOff x="0" y="0"/>
-          <a:chExt cx="0" cy="0"/>
-        </a:xfrm>
-      </p:grpSpPr>
-      <p:sp>
-        <p:nvSpPr>
-          <p:cNvPr id="2" name="標題 1">
-            <a:extLst>
-              <a:ext uri="{FF2B5EF4-FFF2-40B4-BE49-F238E27FC236}">
-                <a16:creationId xmlns:a16="http://schemas.microsoft.com/office/drawing/2014/main" id="{5DD07498-5F52-49AE-8F70-D644A562FAEE}"/>
-              </a:ext>
-            </a:extLst>
-          </p:cNvPr>
-          <p:cNvSpPr>
-            <a:spLocks noGrp="1"/>
-          </p:cNvSpPr>
-          <p:nvPr>
-            <p:ph type="title"/>
-          </p:nvPr>
-        </p:nvSpPr>
-        <p:spPr/>
-        <p:txBody>
-          <a:bodyPr/>
-          <a:lstStyle/>
-          <a:p>
-            <a:r>
-              <a:rPr lang="en-US" altLang="zh-TW" dirty="0"/>
-              <a:t>What is </a:t>
-            </a:r>
-            <a:r>
-              <a:rPr lang="en-US" altLang="zh-TW" dirty="0" err="1"/>
-              <a:t>SPCNVMe</a:t>
-            </a:r>
-            <a:r>
-              <a:rPr lang="en-US" altLang="zh-TW" dirty="0"/>
-              <a:t> ?</a:t>
-            </a:r>
-            <a:endParaRPr lang="zh-TW" altLang="en-US" dirty="0"/>
-          </a:p>
-        </p:txBody>
-      </p:sp>
-      <p:sp>
-        <p:nvSpPr>
-          <p:cNvPr id="3" name="內容版面配置區 2">
-            <a:extLst>
-              <a:ext uri="{FF2B5EF4-FFF2-40B4-BE49-F238E27FC236}">
-                <a16:creationId xmlns:a16="http://schemas.microsoft.com/office/drawing/2014/main" id="{38A78F0E-8A29-474B-B872-6D9F55857160}"/>
-              </a:ext>
-            </a:extLst>
-          </p:cNvPr>
-          <p:cNvSpPr>
-            <a:spLocks noGrp="1"/>
-          </p:cNvSpPr>
-          <p:nvPr>
-            <p:ph idx="1"/>
-          </p:nvPr>
-        </p:nvSpPr>
-        <p:spPr/>
-        <p:txBody>
-          <a:bodyPr/>
-          <a:lstStyle/>
-          <a:p>
-            <a:r>
-              <a:rPr lang="en-US" altLang="zh-TW" dirty="0"/>
-              <a:t>an </a:t>
-            </a:r>
-            <a:r>
-              <a:rPr lang="en-US" altLang="zh-TW" dirty="0" err="1"/>
-              <a:t>OpenSource</a:t>
-            </a:r>
-            <a:r>
-              <a:rPr lang="en-US" altLang="zh-TW" dirty="0"/>
-              <a:t> PCIe </a:t>
-            </a:r>
-            <a:r>
-              <a:rPr lang="en-US" altLang="zh-TW" dirty="0" err="1"/>
-              <a:t>NVMe</a:t>
-            </a:r>
-            <a:r>
-              <a:rPr lang="en-US" altLang="zh-TW" dirty="0"/>
-              <a:t> driver for Windows Platform</a:t>
-            </a:r>
-          </a:p>
-          <a:p>
-            <a:r>
-              <a:rPr lang="en-US" altLang="zh-TW" dirty="0"/>
-              <a:t>Implemented by </a:t>
-            </a:r>
-            <a:r>
-              <a:rPr lang="en-US" altLang="zh-TW" dirty="0" err="1"/>
-              <a:t>Storport</a:t>
-            </a:r>
-            <a:r>
-              <a:rPr lang="en-US" altLang="zh-TW" dirty="0"/>
-              <a:t> Miniport framework</a:t>
-            </a:r>
-          </a:p>
-          <a:p>
-            <a:r>
-              <a:rPr lang="en-US" altLang="zh-TW" dirty="0"/>
-              <a:t>Supported only Win 8+</a:t>
-            </a:r>
-          </a:p>
-          <a:p>
-            <a:pPr lvl="1"/>
-            <a:r>
-              <a:rPr lang="en-US" altLang="zh-TW" dirty="0"/>
-              <a:t>Maybe I will make it support Win7 when I have free time.... :p</a:t>
-            </a:r>
-          </a:p>
-          <a:p>
-            <a:pPr lvl="1"/>
-            <a:endParaRPr lang="en-US" altLang="zh-TW" dirty="0"/>
-          </a:p>
-          <a:p>
-            <a:endParaRPr lang="en-US" altLang="zh-TW" dirty="0"/>
-          </a:p>
-          <a:p>
-            <a:r>
-              <a:rPr lang="en-US" altLang="zh-TW" dirty="0"/>
-              <a:t>Some information are assembly reversed from windows built-in stornvme.sys.</a:t>
-            </a:r>
-          </a:p>
-          <a:p>
-            <a:endParaRPr lang="zh-TW" altLang="en-US" dirty="0"/>
-          </a:p>
-        </p:txBody>
-      </p:sp>
-    </p:spTree>
-    <p:extLst>
-      <p:ext uri="{BB962C8B-B14F-4D97-AF65-F5344CB8AC3E}">
-        <p14:creationId xmlns:p14="http://schemas.microsoft.com/office/powerpoint/2010/main" val="1333622040"/>
-      </p:ext>
-    </p:extLst>
-  </p:cSld>
-  <p:clrMapOvr>
-    <a:masterClrMapping/>
-  </p:clrMapOvr>
-</p:sld>
-</file>
-
-<file path=ppt/slides/slide30.xml><?xml version="1.0" encoding="utf-8"?>
+<file path=ppt/slides/slide33.xml><?xml version="1.0" encoding="utf-8"?>
 <p:sld xmlns:a="http://schemas.openxmlformats.org/drawingml/2006/main" xmlns:r="http://schemas.openxmlformats.org/officeDocument/2006/relationships" xmlns:p="http://schemas.openxmlformats.org/presentationml/2006/main">
   <p:cSld>
     <p:spTree>
@@ -24303,7 +24944,7 @@
 </p:sld>
 </file>
 
-<file path=ppt/slides/slide31.xml><?xml version="1.0" encoding="utf-8"?>
+<file path=ppt/slides/slide34.xml><?xml version="1.0" encoding="utf-8"?>
 <p:sld xmlns:a="http://schemas.openxmlformats.org/drawingml/2006/main" xmlns:r="http://schemas.openxmlformats.org/officeDocument/2006/relationships" xmlns:p="http://schemas.openxmlformats.org/presentationml/2006/main">
   <p:cSld>
     <p:spTree>
@@ -24480,7 +25121,7 @@
 </p:sld>
 </file>
 
-<file path=ppt/slides/slide32.xml><?xml version="1.0" encoding="utf-8"?>
+<file path=ppt/slides/slide35.xml><?xml version="1.0" encoding="utf-8"?>
 <p:sld xmlns:a="http://schemas.openxmlformats.org/drawingml/2006/main" xmlns:r="http://schemas.openxmlformats.org/officeDocument/2006/relationships" xmlns:p="http://schemas.openxmlformats.org/presentationml/2006/main">
   <p:cSld>
     <p:spTree>
@@ -24588,7 +25229,7 @@
 </p:sld>
 </file>
 
-<file path=ppt/slides/slide33.xml><?xml version="1.0" encoding="utf-8"?>
+<file path=ppt/slides/slide36.xml><?xml version="1.0" encoding="utf-8"?>
 <p:sld xmlns:a="http://schemas.openxmlformats.org/drawingml/2006/main" xmlns:r="http://schemas.openxmlformats.org/officeDocument/2006/relationships" xmlns:p="http://schemas.openxmlformats.org/presentationml/2006/main">
   <p:cSld>
     <p:spTree>
@@ -24779,7 +25420,7 @@
 </p:sld>
 </file>
 
-<file path=ppt/slides/slide34.xml><?xml version="1.0" encoding="utf-8"?>
+<file path=ppt/slides/slide37.xml><?xml version="1.0" encoding="utf-8"?>
 <p:sld xmlns:a="http://schemas.openxmlformats.org/drawingml/2006/main" xmlns:r="http://schemas.openxmlformats.org/officeDocument/2006/relationships" xmlns:p="http://schemas.openxmlformats.org/presentationml/2006/main">
   <p:cSld>
     <p:spTree>
@@ -24920,7 +25561,7 @@
 </p:sld>
 </file>
 
-<file path=ppt/slides/slide35.xml><?xml version="1.0" encoding="utf-8"?>
+<file path=ppt/slides/slide38.xml><?xml version="1.0" encoding="utf-8"?>
 <p:sld xmlns:a="http://schemas.openxmlformats.org/drawingml/2006/main" xmlns:r="http://schemas.openxmlformats.org/officeDocument/2006/relationships" xmlns:p="http://schemas.openxmlformats.org/presentationml/2006/main">
   <p:cSld>
     <p:spTree>
@@ -25943,8 +26584,8 @@
           </p:nvCxnSpPr>
           <p:spPr>
             <a:xfrm flipH="1">
-              <a:off x="4184330" y="2816934"/>
-              <a:ext cx="1194385" cy="4666"/>
+              <a:off x="4184330" y="2821600"/>
+              <a:ext cx="741881" cy="0"/>
             </a:xfrm>
             <a:prstGeom prst="straightConnector1">
               <a:avLst/>
@@ -25986,8 +26627,8 @@
           </p:nvCxnSpPr>
           <p:spPr>
             <a:xfrm>
-              <a:off x="6385722" y="2816934"/>
-              <a:ext cx="1281808" cy="4666"/>
+              <a:off x="6906211" y="2821600"/>
+              <a:ext cx="761319" cy="0"/>
             </a:xfrm>
             <a:prstGeom prst="straightConnector1">
               <a:avLst/>
@@ -26025,8 +26666,8 @@
           </p:nvSpPr>
           <p:spPr>
             <a:xfrm>
-              <a:off x="5378715" y="2632268"/>
-              <a:ext cx="1007007" cy="369332"/>
+              <a:off x="4926211" y="2641600"/>
+              <a:ext cx="1980000" cy="360000"/>
             </a:xfrm>
             <a:prstGeom prst="rect">
               <a:avLst/>
@@ -26041,7 +26682,11 @@
             <a:p>
               <a:r>
                 <a:rPr lang="en-US" altLang="zh-TW" dirty="0"/>
-                <a:t>Admin Q</a:t>
+                <a:t>Admin </a:t>
+              </a:r>
+              <a:r>
+                <a:rPr lang="en-US" altLang="zh-TW" dirty="0" err="1"/>
+                <a:t>QueuePair</a:t>
               </a:r>
               <a:endParaRPr lang="zh-TW" altLang="en-US" dirty="0"/>
             </a:p>
@@ -26064,9 +26709,9 @@
             <p:nvPr/>
           </p:nvCxnSpPr>
           <p:spPr>
-            <a:xfrm flipH="1">
-              <a:off x="4184330" y="3174635"/>
-              <a:ext cx="1032326" cy="6965"/>
+            <a:xfrm flipH="1" flipV="1">
+              <a:off x="4184330" y="3181600"/>
+              <a:ext cx="847086" cy="2637"/>
             </a:xfrm>
             <a:prstGeom prst="straightConnector1">
               <a:avLst/>
@@ -26107,9 +26752,9 @@
             <p:nvPr/>
           </p:nvCxnSpPr>
           <p:spPr>
-            <a:xfrm>
-              <a:off x="6547777" y="3174635"/>
-              <a:ext cx="1119753" cy="6965"/>
+            <a:xfrm flipV="1">
+              <a:off x="6831416" y="3181600"/>
+              <a:ext cx="836114" cy="2637"/>
             </a:xfrm>
             <a:prstGeom prst="straightConnector1">
               <a:avLst/>
@@ -26147,8 +26792,8 @@
           </p:nvSpPr>
           <p:spPr>
             <a:xfrm>
-              <a:off x="5216656" y="2989969"/>
-              <a:ext cx="1331121" cy="369332"/>
+              <a:off x="5031416" y="3004237"/>
+              <a:ext cx="1800000" cy="360000"/>
             </a:xfrm>
             <a:prstGeom prst="rect">
               <a:avLst/>
@@ -26163,7 +26808,15 @@
             <a:p>
               <a:r>
                 <a:rPr lang="en-US" altLang="zh-TW" dirty="0"/>
-                <a:t>I/O Queue 1</a:t>
+                <a:t>I/O </a:t>
+              </a:r>
+              <a:r>
+                <a:rPr lang="en-US" altLang="zh-TW" dirty="0" err="1"/>
+                <a:t>QueuePair</a:t>
+              </a:r>
+              <a:r>
+                <a:rPr lang="en-US" altLang="zh-TW" dirty="0"/>
+                <a:t> 1</a:t>
               </a:r>
               <a:endParaRPr lang="zh-TW" altLang="en-US" dirty="0"/>
             </a:p>
@@ -26187,8 +26840,8 @@
           </p:nvCxnSpPr>
           <p:spPr>
             <a:xfrm flipH="1">
-              <a:off x="4184330" y="3534635"/>
-              <a:ext cx="1031447" cy="9332"/>
+              <a:off x="4184330" y="3538170"/>
+              <a:ext cx="831881" cy="5797"/>
             </a:xfrm>
             <a:prstGeom prst="straightConnector1">
               <a:avLst/>
@@ -26230,8 +26883,8 @@
           </p:nvCxnSpPr>
           <p:spPr>
             <a:xfrm>
-              <a:off x="6547777" y="3534635"/>
-              <a:ext cx="1119753" cy="9332"/>
+              <a:off x="6816211" y="3538170"/>
+              <a:ext cx="851319" cy="5797"/>
             </a:xfrm>
             <a:prstGeom prst="straightConnector1">
               <a:avLst/>
@@ -26269,8 +26922,8 @@
           </p:nvSpPr>
           <p:spPr>
             <a:xfrm>
-              <a:off x="5215777" y="3349969"/>
-              <a:ext cx="1332000" cy="369332"/>
+              <a:off x="5016211" y="3358170"/>
+              <a:ext cx="1800000" cy="360000"/>
             </a:xfrm>
             <a:prstGeom prst="rect">
               <a:avLst/>
@@ -26285,7 +26938,15 @@
             <a:p>
               <a:r>
                 <a:rPr lang="en-US" altLang="zh-TW" dirty="0"/>
-                <a:t>I/O Queue 2</a:t>
+                <a:t>I/O </a:t>
+              </a:r>
+              <a:r>
+                <a:rPr lang="en-US" altLang="zh-TW" dirty="0" err="1"/>
+                <a:t>QueuePair</a:t>
+              </a:r>
+              <a:r>
+                <a:rPr lang="en-US" altLang="zh-TW" dirty="0"/>
+                <a:t> 2</a:t>
               </a:r>
               <a:endParaRPr lang="zh-TW" altLang="en-US" dirty="0"/>
             </a:p>
@@ -26309,8 +26970,8 @@
           </p:nvCxnSpPr>
           <p:spPr>
             <a:xfrm flipH="1">
-              <a:off x="4184330" y="5343933"/>
-              <a:ext cx="974333" cy="10867"/>
+              <a:off x="4184330" y="5354800"/>
+              <a:ext cx="835503" cy="0"/>
             </a:xfrm>
             <a:prstGeom prst="straightConnector1">
               <a:avLst/>
@@ -26352,8 +27013,8 @@
           </p:nvCxnSpPr>
           <p:spPr>
             <a:xfrm>
-              <a:off x="6604890" y="5343933"/>
-              <a:ext cx="1062640" cy="10867"/>
+              <a:off x="6819833" y="5354800"/>
+              <a:ext cx="847697" cy="0"/>
             </a:xfrm>
             <a:prstGeom prst="straightConnector1">
               <a:avLst/>
@@ -26391,8 +27052,8 @@
           </p:nvSpPr>
           <p:spPr>
             <a:xfrm>
-              <a:off x="5158663" y="5159267"/>
-              <a:ext cx="1446227" cy="369332"/>
+              <a:off x="5019833" y="5174800"/>
+              <a:ext cx="1800000" cy="360000"/>
             </a:xfrm>
             <a:prstGeom prst="rect">
               <a:avLst/>
@@ -26407,7 +27068,15 @@
             <a:p>
               <a:r>
                 <a:rPr lang="en-US" altLang="zh-TW" dirty="0"/>
-                <a:t>I/O Queue N</a:t>
+                <a:t>I/O </a:t>
+              </a:r>
+              <a:r>
+                <a:rPr lang="en-US" altLang="zh-TW" dirty="0" err="1"/>
+                <a:t>QueuePair</a:t>
+              </a:r>
+              <a:r>
+                <a:rPr lang="en-US" altLang="zh-TW" dirty="0"/>
+                <a:t> N</a:t>
               </a:r>
               <a:endParaRPr lang="zh-TW" altLang="en-US" dirty="0"/>
             </a:p>
@@ -26418,376 +27087,6 @@
     <p:extLst>
       <p:ext uri="{BB962C8B-B14F-4D97-AF65-F5344CB8AC3E}">
         <p14:creationId xmlns:p14="http://schemas.microsoft.com/office/powerpoint/2010/main" val="300965638"/>
-      </p:ext>
-    </p:extLst>
-  </p:cSld>
-  <p:clrMapOvr>
-    <a:masterClrMapping/>
-  </p:clrMapOvr>
-</p:sld>
-</file>
-
-<file path=ppt/slides/slide36.xml><?xml version="1.0" encoding="utf-8"?>
-<p:sld xmlns:a="http://schemas.openxmlformats.org/drawingml/2006/main" xmlns:r="http://schemas.openxmlformats.org/officeDocument/2006/relationships" xmlns:p="http://schemas.openxmlformats.org/presentationml/2006/main">
-  <p:cSld>
-    <p:spTree>
-      <p:nvGrpSpPr>
-        <p:cNvPr id="1" name=""/>
-        <p:cNvGrpSpPr/>
-        <p:nvPr/>
-      </p:nvGrpSpPr>
-      <p:grpSpPr>
-        <a:xfrm>
-          <a:off x="0" y="0"/>
-          <a:ext cx="0" cy="0"/>
-          <a:chOff x="0" y="0"/>
-          <a:chExt cx="0" cy="0"/>
-        </a:xfrm>
-      </p:grpSpPr>
-      <p:sp>
-        <p:nvSpPr>
-          <p:cNvPr id="2" name="標題 1">
-            <a:extLst>
-              <a:ext uri="{FF2B5EF4-FFF2-40B4-BE49-F238E27FC236}">
-                <a16:creationId xmlns:a16="http://schemas.microsoft.com/office/drawing/2014/main" id="{EC86F950-3471-456F-B75A-981FB35221F3}"/>
-              </a:ext>
-            </a:extLst>
-          </p:cNvPr>
-          <p:cNvSpPr>
-            <a:spLocks noGrp="1"/>
-          </p:cNvSpPr>
-          <p:nvPr>
-            <p:ph type="title"/>
-          </p:nvPr>
-        </p:nvSpPr>
-        <p:spPr/>
-        <p:txBody>
-          <a:bodyPr/>
-          <a:lstStyle/>
-          <a:p>
-            <a:r>
-              <a:rPr lang="en-US" altLang="zh-TW" dirty="0"/>
-              <a:t>Admin Queue and I/O Queue</a:t>
-            </a:r>
-            <a:endParaRPr lang="zh-TW" altLang="en-US" dirty="0"/>
-          </a:p>
-        </p:txBody>
-      </p:sp>
-      <p:sp>
-        <p:nvSpPr>
-          <p:cNvPr id="3" name="內容版面配置區 2">
-            <a:extLst>
-              <a:ext uri="{FF2B5EF4-FFF2-40B4-BE49-F238E27FC236}">
-                <a16:creationId xmlns:a16="http://schemas.microsoft.com/office/drawing/2014/main" id="{9E6D7088-FD26-4E35-ACB4-34AA12025937}"/>
-              </a:ext>
-            </a:extLst>
-          </p:cNvPr>
-          <p:cNvSpPr>
-            <a:spLocks noGrp="1"/>
-          </p:cNvSpPr>
-          <p:nvPr>
-            <p:ph idx="1"/>
-          </p:nvPr>
-        </p:nvSpPr>
-        <p:spPr/>
-        <p:txBody>
-          <a:bodyPr/>
-          <a:lstStyle/>
-          <a:p>
-            <a:r>
-              <a:rPr lang="en-US" altLang="zh-TW" dirty="0"/>
-              <a:t>Each </a:t>
-            </a:r>
-            <a:r>
-              <a:rPr lang="en-US" altLang="zh-TW" dirty="0" err="1"/>
-              <a:t>QueuePair</a:t>
-            </a:r>
-            <a:r>
-              <a:rPr lang="en-US" altLang="zh-TW" dirty="0"/>
-              <a:t> has 1 </a:t>
-            </a:r>
-            <a:r>
-              <a:rPr lang="en-US" altLang="zh-TW" dirty="0" err="1"/>
-              <a:t>SubmitQueue</a:t>
-            </a:r>
-            <a:r>
-              <a:rPr lang="en-US" altLang="zh-TW" dirty="0"/>
-              <a:t> and 1 </a:t>
-            </a:r>
-            <a:r>
-              <a:rPr lang="en-US" altLang="zh-TW" dirty="0" err="1"/>
-              <a:t>CompletionQueue</a:t>
-            </a:r>
-            <a:endParaRPr lang="en-US" altLang="zh-TW" dirty="0"/>
-          </a:p>
-          <a:p>
-            <a:endParaRPr lang="en-US" altLang="zh-TW" dirty="0"/>
-          </a:p>
-          <a:p>
-            <a:r>
-              <a:rPr lang="en-US" altLang="zh-TW" dirty="0"/>
-              <a:t>Each </a:t>
-            </a:r>
-            <a:r>
-              <a:rPr lang="en-US" altLang="zh-TW" dirty="0" err="1"/>
-              <a:t>NVMe</a:t>
-            </a:r>
-            <a:r>
-              <a:rPr lang="en-US" altLang="zh-TW" dirty="0"/>
-              <a:t> device has 1 Admin </a:t>
-            </a:r>
-            <a:r>
-              <a:rPr lang="en-US" altLang="zh-TW" dirty="0" err="1"/>
-              <a:t>QueuePair</a:t>
-            </a:r>
-            <a:r>
-              <a:rPr lang="en-US" altLang="zh-TW" dirty="0"/>
-              <a:t> and N I/O </a:t>
-            </a:r>
-            <a:r>
-              <a:rPr lang="en-US" altLang="zh-TW" dirty="0" err="1"/>
-              <a:t>QueuePairs</a:t>
-            </a:r>
-            <a:r>
-              <a:rPr lang="en-US" altLang="zh-TW" dirty="0"/>
-              <a:t>.</a:t>
-            </a:r>
-          </a:p>
-          <a:p>
-            <a:pPr lvl="1"/>
-            <a:r>
-              <a:rPr lang="en-US" altLang="zh-TW" dirty="0"/>
-              <a:t>Admin </a:t>
-            </a:r>
-            <a:r>
-              <a:rPr lang="en-US" altLang="zh-TW" dirty="0" err="1"/>
-              <a:t>QueuePair</a:t>
-            </a:r>
-            <a:r>
-              <a:rPr lang="en-US" altLang="zh-TW" dirty="0"/>
-              <a:t> for admin command.</a:t>
-            </a:r>
-          </a:p>
-          <a:p>
-            <a:pPr lvl="1"/>
-            <a:r>
-              <a:rPr lang="en-US" altLang="zh-TW" dirty="0"/>
-              <a:t>I/O </a:t>
-            </a:r>
-            <a:r>
-              <a:rPr lang="en-US" altLang="zh-TW" dirty="0" err="1"/>
-              <a:t>QueuePairs</a:t>
-            </a:r>
-            <a:r>
-              <a:rPr lang="en-US" altLang="zh-TW" dirty="0"/>
-              <a:t> for I/O requests</a:t>
-            </a:r>
-          </a:p>
-          <a:p>
-            <a:pPr lvl="1"/>
-            <a:endParaRPr lang="en-US" altLang="zh-TW" dirty="0"/>
-          </a:p>
-          <a:p>
-            <a:r>
-              <a:rPr lang="en-US" altLang="zh-TW" dirty="0"/>
-              <a:t>In implementation, it’s usually treat </a:t>
-            </a:r>
-            <a:r>
-              <a:rPr lang="en-US" altLang="zh-TW" dirty="0" err="1"/>
-              <a:t>AdminQpair</a:t>
-            </a:r>
-            <a:r>
-              <a:rPr lang="en-US" altLang="zh-TW" dirty="0"/>
-              <a:t> as QueuePair-0, I/O </a:t>
-            </a:r>
-            <a:r>
-              <a:rPr lang="en-US" altLang="zh-TW" dirty="0" err="1"/>
-              <a:t>QPair</a:t>
-            </a:r>
-            <a:r>
-              <a:rPr lang="en-US" altLang="zh-TW" dirty="0"/>
-              <a:t> as QueuePair-1 ~ </a:t>
-            </a:r>
-            <a:r>
-              <a:rPr lang="en-US" altLang="zh-TW" dirty="0" err="1"/>
-              <a:t>QueuePair</a:t>
-            </a:r>
-            <a:r>
-              <a:rPr lang="en-US" altLang="zh-TW" dirty="0"/>
-              <a:t>-N </a:t>
-            </a:r>
-            <a:endParaRPr lang="zh-TW" altLang="en-US" dirty="0"/>
-          </a:p>
-        </p:txBody>
-      </p:sp>
-    </p:spTree>
-    <p:extLst>
-      <p:ext uri="{BB962C8B-B14F-4D97-AF65-F5344CB8AC3E}">
-        <p14:creationId xmlns:p14="http://schemas.microsoft.com/office/powerpoint/2010/main" val="2140232046"/>
-      </p:ext>
-    </p:extLst>
-  </p:cSld>
-  <p:clrMapOvr>
-    <a:masterClrMapping/>
-  </p:clrMapOvr>
-</p:sld>
-</file>
-
-<file path=ppt/slides/slide37.xml><?xml version="1.0" encoding="utf-8"?>
-<p:sld xmlns:a="http://schemas.openxmlformats.org/drawingml/2006/main" xmlns:r="http://schemas.openxmlformats.org/officeDocument/2006/relationships" xmlns:p="http://schemas.openxmlformats.org/presentationml/2006/main">
-  <p:cSld>
-    <p:spTree>
-      <p:nvGrpSpPr>
-        <p:cNvPr id="1" name=""/>
-        <p:cNvGrpSpPr/>
-        <p:nvPr/>
-      </p:nvGrpSpPr>
-      <p:grpSpPr>
-        <a:xfrm>
-          <a:off x="0" y="0"/>
-          <a:ext cx="0" cy="0"/>
-          <a:chOff x="0" y="0"/>
-          <a:chExt cx="0" cy="0"/>
-        </a:xfrm>
-      </p:grpSpPr>
-      <p:sp>
-        <p:nvSpPr>
-          <p:cNvPr id="2" name="標題 1">
-            <a:extLst>
-              <a:ext uri="{FF2B5EF4-FFF2-40B4-BE49-F238E27FC236}">
-                <a16:creationId xmlns:a16="http://schemas.microsoft.com/office/drawing/2014/main" id="{EC86F950-3471-456F-B75A-981FB35221F3}"/>
-              </a:ext>
-            </a:extLst>
-          </p:cNvPr>
-          <p:cNvSpPr>
-            <a:spLocks noGrp="1"/>
-          </p:cNvSpPr>
-          <p:nvPr>
-            <p:ph type="title"/>
-          </p:nvPr>
-        </p:nvSpPr>
-        <p:spPr/>
-        <p:txBody>
-          <a:bodyPr/>
-          <a:lstStyle/>
-          <a:p>
-            <a:endParaRPr lang="zh-TW" altLang="en-US" dirty="0"/>
-          </a:p>
-        </p:txBody>
-      </p:sp>
-      <p:sp>
-        <p:nvSpPr>
-          <p:cNvPr id="3" name="內容版面配置區 2">
-            <a:extLst>
-              <a:ext uri="{FF2B5EF4-FFF2-40B4-BE49-F238E27FC236}">
-                <a16:creationId xmlns:a16="http://schemas.microsoft.com/office/drawing/2014/main" id="{9E6D7088-FD26-4E35-ACB4-34AA12025937}"/>
-              </a:ext>
-            </a:extLst>
-          </p:cNvPr>
-          <p:cNvSpPr>
-            <a:spLocks noGrp="1"/>
-          </p:cNvSpPr>
-          <p:nvPr>
-            <p:ph idx="1"/>
-          </p:nvPr>
-        </p:nvSpPr>
-        <p:spPr/>
-        <p:txBody>
-          <a:bodyPr/>
-          <a:lstStyle/>
-          <a:p>
-            <a:endParaRPr lang="zh-TW" altLang="en-US"/>
-          </a:p>
-        </p:txBody>
-      </p:sp>
-    </p:spTree>
-    <p:extLst>
-      <p:ext uri="{BB962C8B-B14F-4D97-AF65-F5344CB8AC3E}">
-        <p14:creationId xmlns:p14="http://schemas.microsoft.com/office/powerpoint/2010/main" val="1983699397"/>
-      </p:ext>
-    </p:extLst>
-  </p:cSld>
-  <p:clrMapOvr>
-    <a:masterClrMapping/>
-  </p:clrMapOvr>
-</p:sld>
-</file>
-
-<file path=ppt/slides/slide38.xml><?xml version="1.0" encoding="utf-8"?>
-<p:sld xmlns:a="http://schemas.openxmlformats.org/drawingml/2006/main" xmlns:r="http://schemas.openxmlformats.org/officeDocument/2006/relationships" xmlns:p="http://schemas.openxmlformats.org/presentationml/2006/main">
-  <p:cSld>
-    <p:spTree>
-      <p:nvGrpSpPr>
-        <p:cNvPr id="1" name=""/>
-        <p:cNvGrpSpPr/>
-        <p:nvPr/>
-      </p:nvGrpSpPr>
-      <p:grpSpPr>
-        <a:xfrm>
-          <a:off x="0" y="0"/>
-          <a:ext cx="0" cy="0"/>
-          <a:chOff x="0" y="0"/>
-          <a:chExt cx="0" cy="0"/>
-        </a:xfrm>
-      </p:grpSpPr>
-      <p:sp>
-        <p:nvSpPr>
-          <p:cNvPr id="4" name="標題 3">
-            <a:extLst>
-              <a:ext uri="{FF2B5EF4-FFF2-40B4-BE49-F238E27FC236}">
-                <a16:creationId xmlns:a16="http://schemas.microsoft.com/office/drawing/2014/main" id="{9108BE99-58FD-4D5D-9AA4-65A64F5EC935}"/>
-              </a:ext>
-            </a:extLst>
-          </p:cNvPr>
-          <p:cNvSpPr>
-            <a:spLocks noGrp="1"/>
-          </p:cNvSpPr>
-          <p:nvPr>
-            <p:ph type="title"/>
-          </p:nvPr>
-        </p:nvSpPr>
-        <p:spPr/>
-        <p:txBody>
-          <a:bodyPr/>
-          <a:lstStyle/>
-          <a:p>
-            <a:r>
-              <a:rPr lang="en-US" altLang="zh-TW" dirty="0"/>
-              <a:t>Command and Completion</a:t>
-            </a:r>
-            <a:endParaRPr lang="zh-TW" altLang="en-US" dirty="0"/>
-          </a:p>
-        </p:txBody>
-      </p:sp>
-      <p:sp>
-        <p:nvSpPr>
-          <p:cNvPr id="5" name="文字版面配置區 4">
-            <a:extLst>
-              <a:ext uri="{FF2B5EF4-FFF2-40B4-BE49-F238E27FC236}">
-                <a16:creationId xmlns:a16="http://schemas.microsoft.com/office/drawing/2014/main" id="{97D13A04-9C11-47DC-B7E1-8E69EA7F1754}"/>
-              </a:ext>
-            </a:extLst>
-          </p:cNvPr>
-          <p:cNvSpPr>
-            <a:spLocks noGrp="1"/>
-          </p:cNvSpPr>
-          <p:nvPr>
-            <p:ph type="body" idx="1"/>
-          </p:nvPr>
-        </p:nvSpPr>
-        <p:spPr/>
-        <p:txBody>
-          <a:bodyPr/>
-          <a:lstStyle/>
-          <a:p>
-            <a:endParaRPr lang="zh-TW" altLang="en-US"/>
-          </a:p>
-        </p:txBody>
-      </p:sp>
-    </p:spTree>
-    <p:extLst>
-      <p:ext uri="{BB962C8B-B14F-4D97-AF65-F5344CB8AC3E}">
-        <p14:creationId xmlns:p14="http://schemas.microsoft.com/office/powerpoint/2010/main" val="3254601453"/>
       </p:ext>
     </p:extLst>
   </p:cSld>
@@ -26837,7 +27136,7 @@
           <a:p>
             <a:r>
               <a:rPr lang="en-US" altLang="zh-TW" dirty="0"/>
-              <a:t>NVME Command</a:t>
+              <a:t>Admin Queue and I/O Queue</a:t>
             </a:r>
             <a:endParaRPr lang="zh-TW" altLang="en-US" dirty="0"/>
           </a:p>
@@ -26861,79 +27160,154 @@
         </p:nvSpPr>
         <p:spPr/>
         <p:txBody>
-          <a:bodyPr>
-            <a:normAutofit/>
-          </a:bodyPr>
+          <a:bodyPr/>
           <a:lstStyle/>
           <a:p>
             <a:r>
               <a:rPr lang="en-US" altLang="zh-TW" dirty="0"/>
-              <a:t>Total 64 Bytes, defined in </a:t>
+              <a:t>Each </a:t>
             </a:r>
             <a:r>
               <a:rPr lang="en-US" altLang="zh-TW" dirty="0" err="1"/>
-              <a:t>nvme.h</a:t>
-            </a:r>
-            <a:r>
-              <a:rPr lang="en-US" altLang="zh-TW" dirty="0"/>
-              <a:t> struct _NVME_COMMAND</a:t>
-            </a:r>
-          </a:p>
-          <a:p>
-            <a:pPr lvl="1"/>
+              <a:t>QueuePair</a:t>
+            </a:r>
+            <a:r>
+              <a:rPr lang="en-US" altLang="zh-TW" dirty="0"/>
+              <a:t> has 1 </a:t>
+            </a:r>
+            <a:r>
+              <a:rPr lang="en-US" altLang="zh-TW" dirty="0" err="1"/>
+              <a:t>SubmitQueue</a:t>
+            </a:r>
+            <a:r>
+              <a:rPr lang="en-US" altLang="zh-TW" dirty="0"/>
+              <a:t> and 1 </a:t>
+            </a:r>
+            <a:r>
+              <a:rPr lang="en-US" altLang="zh-TW" dirty="0" err="1"/>
+              <a:t>CompletionQueue</a:t>
+            </a:r>
+            <a:endParaRPr lang="en-US" altLang="zh-TW" dirty="0"/>
+          </a:p>
+          <a:p>
+            <a:endParaRPr lang="en-US" altLang="zh-TW" dirty="0"/>
+          </a:p>
+          <a:p>
+            <a:r>
+              <a:rPr lang="en-US" altLang="zh-TW" dirty="0"/>
+              <a:t>Each </a:t>
+            </a:r>
             <a:r>
               <a:rPr lang="en-US" altLang="zh-TW" dirty="0" err="1"/>
               <a:t>NVMe</a:t>
             </a:r>
             <a:r>
               <a:rPr lang="en-US" altLang="zh-TW" dirty="0"/>
-              <a:t> spec 1.3 Figure11</a:t>
+              <a:t> device has 1 Admin </a:t>
+            </a:r>
+            <a:r>
+              <a:rPr lang="en-US" altLang="zh-TW" dirty="0" err="1"/>
+              <a:t>QueuePair</a:t>
+            </a:r>
+            <a:r>
+              <a:rPr lang="en-US" altLang="zh-TW" dirty="0"/>
+              <a:t> and N I/O </a:t>
+            </a:r>
+            <a:r>
+              <a:rPr lang="en-US" altLang="zh-TW" dirty="0" err="1"/>
+              <a:t>QueuePairs</a:t>
+            </a:r>
+            <a:r>
+              <a:rPr lang="en-US" altLang="zh-TW" dirty="0"/>
+              <a:t>.</a:t>
             </a:r>
           </a:p>
           <a:p>
             <a:pPr lvl="1"/>
             <a:r>
               <a:rPr lang="en-US" altLang="zh-TW" dirty="0"/>
-              <a:t>CDW0 : 4 bytes</a:t>
+              <a:t>Admin </a:t>
+            </a:r>
+            <a:r>
+              <a:rPr lang="en-US" altLang="zh-TW" dirty="0" err="1"/>
+              <a:t>QueuePair</a:t>
+            </a:r>
+            <a:r>
+              <a:rPr lang="en-US" altLang="zh-TW" dirty="0"/>
+              <a:t> for admin command.</a:t>
             </a:r>
           </a:p>
           <a:p>
             <a:pPr lvl="1"/>
             <a:r>
               <a:rPr lang="en-US" altLang="zh-TW" dirty="0"/>
-              <a:t>NSID : 4 bytes</a:t>
+              <a:t>I/O </a:t>
+            </a:r>
+            <a:r>
+              <a:rPr lang="en-US" altLang="zh-TW" dirty="0" err="1"/>
+              <a:t>QueuePairs</a:t>
+            </a:r>
+            <a:r>
+              <a:rPr lang="en-US" altLang="zh-TW" dirty="0"/>
+              <a:t> for I/O requests</a:t>
+            </a:r>
+          </a:p>
+          <a:p>
+            <a:pPr lvl="2"/>
+            <a:r>
+              <a:rPr lang="en-US" altLang="zh-TW" dirty="0"/>
+              <a:t>Count of I/O </a:t>
+            </a:r>
+            <a:r>
+              <a:rPr lang="en-US" altLang="zh-TW" dirty="0" err="1"/>
+              <a:t>QueuePairs</a:t>
+            </a:r>
+            <a:r>
+              <a:rPr lang="en-US" altLang="zh-TW" dirty="0"/>
+              <a:t> depends on device</a:t>
             </a:r>
           </a:p>
           <a:p>
             <a:pPr lvl="1"/>
-            <a:r>
-              <a:rPr lang="en-US" altLang="zh-TW" dirty="0"/>
-              <a:t>MPTR : 8 bytes</a:t>
-            </a:r>
-          </a:p>
-          <a:p>
-            <a:pPr lvl="1"/>
-            <a:r>
-              <a:rPr lang="en-US" altLang="zh-TW" dirty="0"/>
-              <a:t>DPTR (PRP1 and PRP2) : 16 bytes</a:t>
-            </a:r>
-          </a:p>
-          <a:p>
-            <a:pPr lvl="1"/>
-            <a:r>
-              <a:rPr lang="en-US" altLang="zh-TW" dirty="0"/>
-              <a:t>CDW10 ~ CDW15 : 4 bytes for each</a:t>
-            </a:r>
-          </a:p>
-          <a:p>
             <a:endParaRPr lang="en-US" altLang="zh-TW" dirty="0"/>
+          </a:p>
+          <a:p>
+            <a:r>
+              <a:rPr lang="en-US" altLang="zh-TW" dirty="0"/>
+              <a:t>In implementation, it’s usually treat </a:t>
+            </a:r>
+            <a:r>
+              <a:rPr lang="en-US" altLang="zh-TW" dirty="0" err="1"/>
+              <a:t>AdminQpair</a:t>
+            </a:r>
+            <a:r>
+              <a:rPr lang="en-US" altLang="zh-TW" dirty="0"/>
+              <a:t> as QueuePair-0, I/O </a:t>
+            </a:r>
+            <a:r>
+              <a:rPr lang="en-US" altLang="zh-TW" dirty="0" err="1"/>
+              <a:t>QPair</a:t>
+            </a:r>
+            <a:r>
+              <a:rPr lang="en-US" altLang="zh-TW" dirty="0"/>
+              <a:t> as QueuePair-1 ~ </a:t>
+            </a:r>
+            <a:r>
+              <a:rPr lang="en-US" altLang="zh-TW" dirty="0" err="1"/>
+              <a:t>QueuePair</a:t>
+            </a:r>
+            <a:r>
+              <a:rPr lang="en-US" altLang="zh-TW" dirty="0"/>
+              <a:t>-N </a:t>
+            </a:r>
+            <a:endParaRPr lang="zh-TW" altLang="en-US" dirty="0"/>
           </a:p>
         </p:txBody>
       </p:sp>
     </p:spTree>
     <p:extLst>
       <p:ext uri="{BB962C8B-B14F-4D97-AF65-F5344CB8AC3E}">
-        <p14:creationId xmlns:p14="http://schemas.microsoft.com/office/powerpoint/2010/main" val="3141863352"/>
+        <p14:creationId xmlns:p14="http://schemas.microsoft.com/office/powerpoint/2010/main" val="2140232046"/>
       </p:ext>
     </p:extLst>
   </p:cSld>
@@ -27036,6 +27410,14 @@
               <a:rPr lang="en-US" altLang="zh-TW" dirty="0"/>
               <a:t>Firmware download, query, and activate</a:t>
             </a:r>
+            <a:r>
+              <a:rPr lang="zh-TW" altLang="en-US" dirty="0"/>
+              <a:t> </a:t>
+            </a:r>
+            <a:r>
+              <a:rPr lang="en-US" altLang="zh-TW" dirty="0"/>
+              <a:t>(planned in future)</a:t>
+            </a:r>
           </a:p>
           <a:p>
             <a:pPr lvl="1"/>
@@ -27077,6 +27459,236 @@
 </file>
 
 <file path=ppt/slides/slide40.xml><?xml version="1.0" encoding="utf-8"?>
+<p:sld xmlns:a="http://schemas.openxmlformats.org/drawingml/2006/main" xmlns:r="http://schemas.openxmlformats.org/officeDocument/2006/relationships" xmlns:p="http://schemas.openxmlformats.org/presentationml/2006/main">
+  <p:cSld>
+    <p:spTree>
+      <p:nvGrpSpPr>
+        <p:cNvPr id="1" name=""/>
+        <p:cNvGrpSpPr/>
+        <p:nvPr/>
+      </p:nvGrpSpPr>
+      <p:grpSpPr>
+        <a:xfrm>
+          <a:off x="0" y="0"/>
+          <a:ext cx="0" cy="0"/>
+          <a:chOff x="0" y="0"/>
+          <a:chExt cx="0" cy="0"/>
+        </a:xfrm>
+      </p:grpSpPr>
+      <p:sp>
+        <p:nvSpPr>
+          <p:cNvPr id="4" name="標題 3">
+            <a:extLst>
+              <a:ext uri="{FF2B5EF4-FFF2-40B4-BE49-F238E27FC236}">
+                <a16:creationId xmlns:a16="http://schemas.microsoft.com/office/drawing/2014/main" id="{9108BE99-58FD-4D5D-9AA4-65A64F5EC935}"/>
+              </a:ext>
+            </a:extLst>
+          </p:cNvPr>
+          <p:cNvSpPr>
+            <a:spLocks noGrp="1"/>
+          </p:cNvSpPr>
+          <p:nvPr>
+            <p:ph type="title"/>
+          </p:nvPr>
+        </p:nvSpPr>
+        <p:spPr/>
+        <p:txBody>
+          <a:bodyPr/>
+          <a:lstStyle/>
+          <a:p>
+            <a:r>
+              <a:rPr lang="en-US" altLang="zh-TW" dirty="0"/>
+              <a:t>Command and Completion</a:t>
+            </a:r>
+            <a:endParaRPr lang="zh-TW" altLang="en-US" dirty="0"/>
+          </a:p>
+        </p:txBody>
+      </p:sp>
+      <p:sp>
+        <p:nvSpPr>
+          <p:cNvPr id="5" name="文字版面配置區 4">
+            <a:extLst>
+              <a:ext uri="{FF2B5EF4-FFF2-40B4-BE49-F238E27FC236}">
+                <a16:creationId xmlns:a16="http://schemas.microsoft.com/office/drawing/2014/main" id="{97D13A04-9C11-47DC-B7E1-8E69EA7F1754}"/>
+              </a:ext>
+            </a:extLst>
+          </p:cNvPr>
+          <p:cNvSpPr>
+            <a:spLocks noGrp="1"/>
+          </p:cNvSpPr>
+          <p:nvPr>
+            <p:ph type="body" idx="1"/>
+          </p:nvPr>
+        </p:nvSpPr>
+        <p:spPr/>
+        <p:txBody>
+          <a:bodyPr/>
+          <a:lstStyle/>
+          <a:p>
+            <a:endParaRPr lang="zh-TW" altLang="en-US"/>
+          </a:p>
+        </p:txBody>
+      </p:sp>
+    </p:spTree>
+    <p:extLst>
+      <p:ext uri="{BB962C8B-B14F-4D97-AF65-F5344CB8AC3E}">
+        <p14:creationId xmlns:p14="http://schemas.microsoft.com/office/powerpoint/2010/main" val="3254601453"/>
+      </p:ext>
+    </p:extLst>
+  </p:cSld>
+  <p:clrMapOvr>
+    <a:masterClrMapping/>
+  </p:clrMapOvr>
+</p:sld>
+</file>
+
+<file path=ppt/slides/slide41.xml><?xml version="1.0" encoding="utf-8"?>
+<p:sld xmlns:a="http://schemas.openxmlformats.org/drawingml/2006/main" xmlns:r="http://schemas.openxmlformats.org/officeDocument/2006/relationships" xmlns:p="http://schemas.openxmlformats.org/presentationml/2006/main">
+  <p:cSld>
+    <p:spTree>
+      <p:nvGrpSpPr>
+        <p:cNvPr id="1" name=""/>
+        <p:cNvGrpSpPr/>
+        <p:nvPr/>
+      </p:nvGrpSpPr>
+      <p:grpSpPr>
+        <a:xfrm>
+          <a:off x="0" y="0"/>
+          <a:ext cx="0" cy="0"/>
+          <a:chOff x="0" y="0"/>
+          <a:chExt cx="0" cy="0"/>
+        </a:xfrm>
+      </p:grpSpPr>
+      <p:sp>
+        <p:nvSpPr>
+          <p:cNvPr id="2" name="標題 1">
+            <a:extLst>
+              <a:ext uri="{FF2B5EF4-FFF2-40B4-BE49-F238E27FC236}">
+                <a16:creationId xmlns:a16="http://schemas.microsoft.com/office/drawing/2014/main" id="{EC86F950-3471-456F-B75A-981FB35221F3}"/>
+              </a:ext>
+            </a:extLst>
+          </p:cNvPr>
+          <p:cNvSpPr>
+            <a:spLocks noGrp="1"/>
+          </p:cNvSpPr>
+          <p:nvPr>
+            <p:ph type="title"/>
+          </p:nvPr>
+        </p:nvSpPr>
+        <p:spPr/>
+        <p:txBody>
+          <a:bodyPr/>
+          <a:lstStyle/>
+          <a:p>
+            <a:r>
+              <a:rPr lang="en-US" altLang="zh-TW" dirty="0"/>
+              <a:t>NVME Command</a:t>
+            </a:r>
+            <a:endParaRPr lang="zh-TW" altLang="en-US" dirty="0"/>
+          </a:p>
+        </p:txBody>
+      </p:sp>
+      <p:sp>
+        <p:nvSpPr>
+          <p:cNvPr id="3" name="內容版面配置區 2">
+            <a:extLst>
+              <a:ext uri="{FF2B5EF4-FFF2-40B4-BE49-F238E27FC236}">
+                <a16:creationId xmlns:a16="http://schemas.microsoft.com/office/drawing/2014/main" id="{9E6D7088-FD26-4E35-ACB4-34AA12025937}"/>
+              </a:ext>
+            </a:extLst>
+          </p:cNvPr>
+          <p:cNvSpPr>
+            <a:spLocks noGrp="1"/>
+          </p:cNvSpPr>
+          <p:nvPr>
+            <p:ph idx="1"/>
+          </p:nvPr>
+        </p:nvSpPr>
+        <p:spPr/>
+        <p:txBody>
+          <a:bodyPr>
+            <a:normAutofit/>
+          </a:bodyPr>
+          <a:lstStyle/>
+          <a:p>
+            <a:r>
+              <a:rPr lang="en-US" altLang="zh-TW" dirty="0"/>
+              <a:t>Total 64 Bytes, defined in </a:t>
+            </a:r>
+            <a:r>
+              <a:rPr lang="en-US" altLang="zh-TW" dirty="0" err="1"/>
+              <a:t>nvme.h</a:t>
+            </a:r>
+            <a:r>
+              <a:rPr lang="en-US" altLang="zh-TW" dirty="0"/>
+              <a:t> struct _NVME_COMMAND</a:t>
+            </a:r>
+          </a:p>
+          <a:p>
+            <a:pPr lvl="1"/>
+            <a:r>
+              <a:rPr lang="en-US" altLang="zh-TW" dirty="0" err="1"/>
+              <a:t>NVMe</a:t>
+            </a:r>
+            <a:r>
+              <a:rPr lang="en-US" altLang="zh-TW" dirty="0"/>
+              <a:t> spec 1.3 Figure11</a:t>
+            </a:r>
+          </a:p>
+          <a:p>
+            <a:pPr lvl="1"/>
+            <a:r>
+              <a:rPr lang="en-US" altLang="zh-TW" dirty="0"/>
+              <a:t>CDW0 : 4 bytes</a:t>
+            </a:r>
+          </a:p>
+          <a:p>
+            <a:pPr lvl="1"/>
+            <a:r>
+              <a:rPr lang="en-US" altLang="zh-TW" dirty="0"/>
+              <a:t>NSID : 4 bytes</a:t>
+            </a:r>
+          </a:p>
+          <a:p>
+            <a:pPr lvl="1"/>
+            <a:r>
+              <a:rPr lang="en-US" altLang="zh-TW" dirty="0"/>
+              <a:t>MPTR : 8 bytes</a:t>
+            </a:r>
+          </a:p>
+          <a:p>
+            <a:pPr lvl="1"/>
+            <a:r>
+              <a:rPr lang="en-US" altLang="zh-TW" dirty="0"/>
+              <a:t>DPTR (PRP1 and PRP2) : 16 bytes</a:t>
+            </a:r>
+          </a:p>
+          <a:p>
+            <a:pPr lvl="1"/>
+            <a:r>
+              <a:rPr lang="en-US" altLang="zh-TW" dirty="0"/>
+              <a:t>CDW10 ~ CDW15 : 4 bytes for each</a:t>
+            </a:r>
+          </a:p>
+          <a:p>
+            <a:endParaRPr lang="en-US" altLang="zh-TW" dirty="0"/>
+          </a:p>
+        </p:txBody>
+      </p:sp>
+    </p:spTree>
+    <p:extLst>
+      <p:ext uri="{BB962C8B-B14F-4D97-AF65-F5344CB8AC3E}">
+        <p14:creationId xmlns:p14="http://schemas.microsoft.com/office/powerpoint/2010/main" val="3141863352"/>
+      </p:ext>
+    </p:extLst>
+  </p:cSld>
+  <p:clrMapOvr>
+    <a:masterClrMapping/>
+  </p:clrMapOvr>
+</p:sld>
+</file>
+
+<file path=ppt/slides/slide42.xml><?xml version="1.0" encoding="utf-8"?>
 <p:sld xmlns:a="http://schemas.openxmlformats.org/drawingml/2006/main" xmlns:r="http://schemas.openxmlformats.org/officeDocument/2006/relationships" xmlns:p="http://schemas.openxmlformats.org/presentationml/2006/main">
   <p:cSld>
     <p:spTree>
@@ -27625,312 +28237,6 @@
 </p:sld>
 </file>
 
-<file path=ppt/slides/slide41.xml><?xml version="1.0" encoding="utf-8"?>
-<p:sld xmlns:a="http://schemas.openxmlformats.org/drawingml/2006/main" xmlns:r="http://schemas.openxmlformats.org/officeDocument/2006/relationships" xmlns:p="http://schemas.openxmlformats.org/presentationml/2006/main">
-  <p:cSld>
-    <p:spTree>
-      <p:nvGrpSpPr>
-        <p:cNvPr id="1" name=""/>
-        <p:cNvGrpSpPr/>
-        <p:nvPr/>
-      </p:nvGrpSpPr>
-      <p:grpSpPr>
-        <a:xfrm>
-          <a:off x="0" y="0"/>
-          <a:ext cx="0" cy="0"/>
-          <a:chOff x="0" y="0"/>
-          <a:chExt cx="0" cy="0"/>
-        </a:xfrm>
-      </p:grpSpPr>
-      <p:sp>
-        <p:nvSpPr>
-          <p:cNvPr id="2" name="標題 1">
-            <a:extLst>
-              <a:ext uri="{FF2B5EF4-FFF2-40B4-BE49-F238E27FC236}">
-                <a16:creationId xmlns:a16="http://schemas.microsoft.com/office/drawing/2014/main" id="{EC86F950-3471-456F-B75A-981FB35221F3}"/>
-              </a:ext>
-            </a:extLst>
-          </p:cNvPr>
-          <p:cNvSpPr>
-            <a:spLocks noGrp="1"/>
-          </p:cNvSpPr>
-          <p:nvPr>
-            <p:ph type="title"/>
-          </p:nvPr>
-        </p:nvSpPr>
-        <p:spPr/>
-        <p:txBody>
-          <a:bodyPr/>
-          <a:lstStyle/>
-          <a:p>
-            <a:r>
-              <a:rPr lang="en-US" altLang="zh-TW" dirty="0"/>
-              <a:t>NVME Command – CDW0</a:t>
-            </a:r>
-            <a:endParaRPr lang="zh-TW" altLang="en-US" dirty="0"/>
-          </a:p>
-        </p:txBody>
-      </p:sp>
-      <p:sp>
-        <p:nvSpPr>
-          <p:cNvPr id="3" name="內容版面配置區 2">
-            <a:extLst>
-              <a:ext uri="{FF2B5EF4-FFF2-40B4-BE49-F238E27FC236}">
-                <a16:creationId xmlns:a16="http://schemas.microsoft.com/office/drawing/2014/main" id="{9E6D7088-FD26-4E35-ACB4-34AA12025937}"/>
-              </a:ext>
-            </a:extLst>
-          </p:cNvPr>
-          <p:cNvSpPr>
-            <a:spLocks noGrp="1"/>
-          </p:cNvSpPr>
-          <p:nvPr>
-            <p:ph idx="1"/>
-          </p:nvPr>
-        </p:nvSpPr>
-        <p:spPr/>
-        <p:txBody>
-          <a:bodyPr/>
-          <a:lstStyle/>
-          <a:p>
-            <a:r>
-              <a:rPr lang="en-US" altLang="zh-TW" dirty="0"/>
-              <a:t>Refer to </a:t>
-            </a:r>
-            <a:r>
-              <a:rPr lang="en-US" altLang="zh-TW" dirty="0" err="1"/>
-              <a:t>NVMe</a:t>
-            </a:r>
-            <a:r>
-              <a:rPr lang="en-US" altLang="zh-TW" dirty="0"/>
-              <a:t> 1.3 Figure 10</a:t>
-            </a:r>
-          </a:p>
-          <a:p>
-            <a:pPr lvl="1"/>
-            <a:r>
-              <a:rPr lang="en-US" altLang="zh-TW" dirty="0" err="1"/>
-              <a:t>OpCode</a:t>
-            </a:r>
-            <a:r>
-              <a:rPr lang="en-US" altLang="zh-TW" dirty="0"/>
-              <a:t> : </a:t>
-            </a:r>
-            <a:r>
-              <a:rPr lang="en-US" altLang="zh-TW" dirty="0" err="1"/>
-              <a:t>cmd</a:t>
-            </a:r>
-            <a:r>
-              <a:rPr lang="en-US" altLang="zh-TW" dirty="0"/>
-              <a:t> code. Admin and I/O command has different </a:t>
-            </a:r>
-            <a:r>
-              <a:rPr lang="en-US" altLang="zh-TW" dirty="0" err="1"/>
-              <a:t>OpCode</a:t>
-            </a:r>
-            <a:endParaRPr lang="en-US" altLang="zh-TW" dirty="0"/>
-          </a:p>
-          <a:p>
-            <a:pPr lvl="2"/>
-            <a:r>
-              <a:rPr lang="en-US" altLang="zh-TW" dirty="0"/>
-              <a:t>E.g. NVME_ADMIN_COMMAND_IDENTIFY == 6</a:t>
-            </a:r>
-          </a:p>
-          <a:p>
-            <a:pPr lvl="1"/>
-            <a:r>
-              <a:rPr lang="en-US" altLang="zh-TW" dirty="0"/>
-              <a:t>FUSE : fused operation</a:t>
-            </a:r>
-          </a:p>
-          <a:p>
-            <a:pPr lvl="1"/>
-            <a:r>
-              <a:rPr lang="en-US" altLang="zh-TW" dirty="0"/>
-              <a:t>CID : command id, should be unique in entire device currently processing</a:t>
-            </a:r>
-          </a:p>
-          <a:p>
-            <a:pPr lvl="1"/>
-            <a:r>
-              <a:rPr lang="en-US" altLang="zh-TW" dirty="0"/>
-              <a:t>PSDT :</a:t>
-            </a:r>
-            <a:r>
-              <a:rPr lang="zh-TW" altLang="en-US" dirty="0"/>
-              <a:t> </a:t>
-            </a:r>
-            <a:r>
-              <a:rPr lang="en-US" altLang="zh-TW" dirty="0"/>
-              <a:t>select DPTR or MPTR to transfer data. Default 00 == DPTR (use PRP) </a:t>
-            </a:r>
-          </a:p>
-          <a:p>
-            <a:pPr lvl="1"/>
-            <a:endParaRPr lang="zh-TW" altLang="en-US" dirty="0"/>
-          </a:p>
-        </p:txBody>
-      </p:sp>
-    </p:spTree>
-    <p:extLst>
-      <p:ext uri="{BB962C8B-B14F-4D97-AF65-F5344CB8AC3E}">
-        <p14:creationId xmlns:p14="http://schemas.microsoft.com/office/powerpoint/2010/main" val="3322081116"/>
-      </p:ext>
-    </p:extLst>
-  </p:cSld>
-  <p:clrMapOvr>
-    <a:masterClrMapping/>
-  </p:clrMapOvr>
-</p:sld>
-</file>
-
-<file path=ppt/slides/slide42.xml><?xml version="1.0" encoding="utf-8"?>
-<p:sld xmlns:a="http://schemas.openxmlformats.org/drawingml/2006/main" xmlns:r="http://schemas.openxmlformats.org/officeDocument/2006/relationships" xmlns:p="http://schemas.openxmlformats.org/presentationml/2006/main">
-  <p:cSld>
-    <p:spTree>
-      <p:nvGrpSpPr>
-        <p:cNvPr id="1" name=""/>
-        <p:cNvGrpSpPr/>
-        <p:nvPr/>
-      </p:nvGrpSpPr>
-      <p:grpSpPr>
-        <a:xfrm>
-          <a:off x="0" y="0"/>
-          <a:ext cx="0" cy="0"/>
-          <a:chOff x="0" y="0"/>
-          <a:chExt cx="0" cy="0"/>
-        </a:xfrm>
-      </p:grpSpPr>
-      <p:sp>
-        <p:nvSpPr>
-          <p:cNvPr id="2" name="標題 1">
-            <a:extLst>
-              <a:ext uri="{FF2B5EF4-FFF2-40B4-BE49-F238E27FC236}">
-                <a16:creationId xmlns:a16="http://schemas.microsoft.com/office/drawing/2014/main" id="{FC8BBE01-F13D-34EE-5C42-1122F44F7643}"/>
-              </a:ext>
-            </a:extLst>
-          </p:cNvPr>
-          <p:cNvSpPr>
-            <a:spLocks noGrp="1"/>
-          </p:cNvSpPr>
-          <p:nvPr>
-            <p:ph type="title"/>
-          </p:nvPr>
-        </p:nvSpPr>
-        <p:spPr/>
-        <p:txBody>
-          <a:bodyPr/>
-          <a:lstStyle/>
-          <a:p>
-            <a:r>
-              <a:rPr lang="en-US" altLang="zh-TW" dirty="0"/>
-              <a:t>NVME Command – NSID</a:t>
-            </a:r>
-            <a:endParaRPr lang="zh-TW" altLang="en-US" dirty="0"/>
-          </a:p>
-        </p:txBody>
-      </p:sp>
-      <p:sp>
-        <p:nvSpPr>
-          <p:cNvPr id="3" name="內容版面配置區 2">
-            <a:extLst>
-              <a:ext uri="{FF2B5EF4-FFF2-40B4-BE49-F238E27FC236}">
-                <a16:creationId xmlns:a16="http://schemas.microsoft.com/office/drawing/2014/main" id="{A1F40A70-EB7D-F09D-C74D-E375A6E2BA2C}"/>
-              </a:ext>
-            </a:extLst>
-          </p:cNvPr>
-          <p:cNvSpPr>
-            <a:spLocks noGrp="1"/>
-          </p:cNvSpPr>
-          <p:nvPr>
-            <p:ph idx="1"/>
-          </p:nvPr>
-        </p:nvSpPr>
-        <p:spPr/>
-        <p:txBody>
-          <a:bodyPr/>
-          <a:lstStyle/>
-          <a:p>
-            <a:r>
-              <a:rPr lang="en-US" altLang="zh-TW" dirty="0"/>
-              <a:t>Refer to </a:t>
-            </a:r>
-            <a:r>
-              <a:rPr lang="en-US" altLang="zh-TW" dirty="0" err="1"/>
-              <a:t>NVMe</a:t>
-            </a:r>
-            <a:r>
-              <a:rPr lang="en-US" altLang="zh-TW" dirty="0"/>
-              <a:t> 1.3 Figure 11</a:t>
-            </a:r>
-          </a:p>
-          <a:p>
-            <a:pPr lvl="1"/>
-            <a:r>
-              <a:rPr lang="en-US" altLang="zh-TW" dirty="0"/>
-              <a:t>Select Namespace ID that this command applies to.</a:t>
-            </a:r>
-          </a:p>
-          <a:p>
-            <a:pPr lvl="1"/>
-            <a:r>
-              <a:rPr lang="en-US" altLang="zh-TW" dirty="0"/>
-              <a:t>1-based index id</a:t>
-            </a:r>
-          </a:p>
-          <a:p>
-            <a:pPr lvl="1"/>
-            <a:r>
-              <a:rPr lang="en-US" altLang="zh-TW" dirty="0"/>
-              <a:t>If </a:t>
-            </a:r>
-            <a:r>
-              <a:rPr lang="en-US" altLang="zh-TW" dirty="0" err="1"/>
-              <a:t>cmd</a:t>
-            </a:r>
-            <a:r>
-              <a:rPr lang="en-US" altLang="zh-TW" dirty="0"/>
-              <a:t> doesn’t need NSID, set this field to 0</a:t>
-            </a:r>
-          </a:p>
-          <a:p>
-            <a:pPr lvl="1"/>
-            <a:r>
-              <a:rPr lang="en-US" altLang="zh-TW" dirty="0"/>
-              <a:t>If apply this command to all namespaces, set this field to 0xFFFFFFFF</a:t>
-            </a:r>
-          </a:p>
-          <a:p>
-            <a:pPr lvl="1"/>
-            <a:r>
-              <a:rPr lang="en-US" altLang="zh-TW" dirty="0"/>
-              <a:t>Wrong NSID will cause </a:t>
-            </a:r>
-            <a:r>
-              <a:rPr lang="en-US" altLang="zh-TW" dirty="0" err="1"/>
-              <a:t>cmd</a:t>
-            </a:r>
-            <a:r>
-              <a:rPr lang="en-US" altLang="zh-TW" dirty="0"/>
-              <a:t> failed.</a:t>
-            </a:r>
-            <a:endParaRPr lang="zh-TW" altLang="en-US" dirty="0"/>
-          </a:p>
-        </p:txBody>
-      </p:sp>
-    </p:spTree>
-    <p:extLst>
-      <p:ext uri="{BB962C8B-B14F-4D97-AF65-F5344CB8AC3E}">
-        <p14:creationId xmlns:p14="http://schemas.microsoft.com/office/powerpoint/2010/main" val="4244260410"/>
-      </p:ext>
-    </p:extLst>
-  </p:cSld>
-  <p:clrMapOvr>
-    <a:masterClrMapping/>
-  </p:clrMapOvr>
-</p:sld>
-</file>
-
 <file path=ppt/slides/slide43.xml><?xml version="1.0" encoding="utf-8"?>
 <p:sld xmlns:a="http://schemas.openxmlformats.org/drawingml/2006/main" xmlns:r="http://schemas.openxmlformats.org/officeDocument/2006/relationships" xmlns:p="http://schemas.openxmlformats.org/presentationml/2006/main">
   <p:cSld>
@@ -27971,7 +28277,7 @@
           <a:p>
             <a:r>
               <a:rPr lang="en-US" altLang="zh-TW" dirty="0"/>
-              <a:t>NVME Command – MPTR and DPTR</a:t>
+              <a:t>NVME Command – CDW0</a:t>
             </a:r>
             <a:endParaRPr lang="zh-TW" altLang="en-US" dirty="0"/>
           </a:p>
@@ -28008,6 +28314,312 @@
             </a:r>
             <a:r>
               <a:rPr lang="en-US" altLang="zh-TW" dirty="0"/>
+              <a:t> 1.3 Figure 10</a:t>
+            </a:r>
+          </a:p>
+          <a:p>
+            <a:pPr lvl="1"/>
+            <a:r>
+              <a:rPr lang="en-US" altLang="zh-TW" dirty="0" err="1"/>
+              <a:t>OpCode</a:t>
+            </a:r>
+            <a:r>
+              <a:rPr lang="en-US" altLang="zh-TW" dirty="0"/>
+              <a:t> : </a:t>
+            </a:r>
+            <a:r>
+              <a:rPr lang="en-US" altLang="zh-TW" dirty="0" err="1"/>
+              <a:t>cmd</a:t>
+            </a:r>
+            <a:r>
+              <a:rPr lang="en-US" altLang="zh-TW" dirty="0"/>
+              <a:t> code. Admin and I/O command has different </a:t>
+            </a:r>
+            <a:r>
+              <a:rPr lang="en-US" altLang="zh-TW" dirty="0" err="1"/>
+              <a:t>OpCode</a:t>
+            </a:r>
+            <a:endParaRPr lang="en-US" altLang="zh-TW" dirty="0"/>
+          </a:p>
+          <a:p>
+            <a:pPr lvl="2"/>
+            <a:r>
+              <a:rPr lang="en-US" altLang="zh-TW" dirty="0"/>
+              <a:t>E.g. NVME_ADMIN_COMMAND_IDENTIFY == 6</a:t>
+            </a:r>
+          </a:p>
+          <a:p>
+            <a:pPr lvl="1"/>
+            <a:r>
+              <a:rPr lang="en-US" altLang="zh-TW" dirty="0"/>
+              <a:t>FUSE : fused operation</a:t>
+            </a:r>
+          </a:p>
+          <a:p>
+            <a:pPr lvl="1"/>
+            <a:r>
+              <a:rPr lang="en-US" altLang="zh-TW" dirty="0"/>
+              <a:t>CID : command id, should be unique in entire device currently processing</a:t>
+            </a:r>
+          </a:p>
+          <a:p>
+            <a:pPr lvl="1"/>
+            <a:r>
+              <a:rPr lang="en-US" altLang="zh-TW" dirty="0"/>
+              <a:t>PSDT :</a:t>
+            </a:r>
+            <a:r>
+              <a:rPr lang="zh-TW" altLang="en-US" dirty="0"/>
+              <a:t> </a:t>
+            </a:r>
+            <a:r>
+              <a:rPr lang="en-US" altLang="zh-TW" dirty="0"/>
+              <a:t>select DPTR or MPTR to transfer data. Default 00 == DPTR (use PRP) </a:t>
+            </a:r>
+          </a:p>
+          <a:p>
+            <a:pPr lvl="1"/>
+            <a:endParaRPr lang="zh-TW" altLang="en-US" dirty="0"/>
+          </a:p>
+        </p:txBody>
+      </p:sp>
+    </p:spTree>
+    <p:extLst>
+      <p:ext uri="{BB962C8B-B14F-4D97-AF65-F5344CB8AC3E}">
+        <p14:creationId xmlns:p14="http://schemas.microsoft.com/office/powerpoint/2010/main" val="3322081116"/>
+      </p:ext>
+    </p:extLst>
+  </p:cSld>
+  <p:clrMapOvr>
+    <a:masterClrMapping/>
+  </p:clrMapOvr>
+</p:sld>
+</file>
+
+<file path=ppt/slides/slide44.xml><?xml version="1.0" encoding="utf-8"?>
+<p:sld xmlns:a="http://schemas.openxmlformats.org/drawingml/2006/main" xmlns:r="http://schemas.openxmlformats.org/officeDocument/2006/relationships" xmlns:p="http://schemas.openxmlformats.org/presentationml/2006/main">
+  <p:cSld>
+    <p:spTree>
+      <p:nvGrpSpPr>
+        <p:cNvPr id="1" name=""/>
+        <p:cNvGrpSpPr/>
+        <p:nvPr/>
+      </p:nvGrpSpPr>
+      <p:grpSpPr>
+        <a:xfrm>
+          <a:off x="0" y="0"/>
+          <a:ext cx="0" cy="0"/>
+          <a:chOff x="0" y="0"/>
+          <a:chExt cx="0" cy="0"/>
+        </a:xfrm>
+      </p:grpSpPr>
+      <p:sp>
+        <p:nvSpPr>
+          <p:cNvPr id="2" name="標題 1">
+            <a:extLst>
+              <a:ext uri="{FF2B5EF4-FFF2-40B4-BE49-F238E27FC236}">
+                <a16:creationId xmlns:a16="http://schemas.microsoft.com/office/drawing/2014/main" id="{FC8BBE01-F13D-34EE-5C42-1122F44F7643}"/>
+              </a:ext>
+            </a:extLst>
+          </p:cNvPr>
+          <p:cNvSpPr>
+            <a:spLocks noGrp="1"/>
+          </p:cNvSpPr>
+          <p:nvPr>
+            <p:ph type="title"/>
+          </p:nvPr>
+        </p:nvSpPr>
+        <p:spPr/>
+        <p:txBody>
+          <a:bodyPr/>
+          <a:lstStyle/>
+          <a:p>
+            <a:r>
+              <a:rPr lang="en-US" altLang="zh-TW" dirty="0"/>
+              <a:t>NVME Command – NSID</a:t>
+            </a:r>
+            <a:endParaRPr lang="zh-TW" altLang="en-US" dirty="0"/>
+          </a:p>
+        </p:txBody>
+      </p:sp>
+      <p:sp>
+        <p:nvSpPr>
+          <p:cNvPr id="3" name="內容版面配置區 2">
+            <a:extLst>
+              <a:ext uri="{FF2B5EF4-FFF2-40B4-BE49-F238E27FC236}">
+                <a16:creationId xmlns:a16="http://schemas.microsoft.com/office/drawing/2014/main" id="{A1F40A70-EB7D-F09D-C74D-E375A6E2BA2C}"/>
+              </a:ext>
+            </a:extLst>
+          </p:cNvPr>
+          <p:cNvSpPr>
+            <a:spLocks noGrp="1"/>
+          </p:cNvSpPr>
+          <p:nvPr>
+            <p:ph idx="1"/>
+          </p:nvPr>
+        </p:nvSpPr>
+        <p:spPr/>
+        <p:txBody>
+          <a:bodyPr/>
+          <a:lstStyle/>
+          <a:p>
+            <a:r>
+              <a:rPr lang="en-US" altLang="zh-TW" dirty="0"/>
+              <a:t>Refer to </a:t>
+            </a:r>
+            <a:r>
+              <a:rPr lang="en-US" altLang="zh-TW" dirty="0" err="1"/>
+              <a:t>NVMe</a:t>
+            </a:r>
+            <a:r>
+              <a:rPr lang="en-US" altLang="zh-TW" dirty="0"/>
+              <a:t> 1.3 Figure 11</a:t>
+            </a:r>
+          </a:p>
+          <a:p>
+            <a:pPr lvl="1"/>
+            <a:r>
+              <a:rPr lang="en-US" altLang="zh-TW" dirty="0"/>
+              <a:t>Select Namespace ID that this command applies to.</a:t>
+            </a:r>
+          </a:p>
+          <a:p>
+            <a:pPr lvl="1"/>
+            <a:r>
+              <a:rPr lang="en-US" altLang="zh-TW" dirty="0"/>
+              <a:t>1-based index id</a:t>
+            </a:r>
+          </a:p>
+          <a:p>
+            <a:pPr lvl="1"/>
+            <a:r>
+              <a:rPr lang="en-US" altLang="zh-TW" dirty="0"/>
+              <a:t>If </a:t>
+            </a:r>
+            <a:r>
+              <a:rPr lang="en-US" altLang="zh-TW" dirty="0" err="1"/>
+              <a:t>cmd</a:t>
+            </a:r>
+            <a:r>
+              <a:rPr lang="en-US" altLang="zh-TW" dirty="0"/>
+              <a:t> doesn’t need NSID, set this field to 0</a:t>
+            </a:r>
+          </a:p>
+          <a:p>
+            <a:pPr lvl="1"/>
+            <a:r>
+              <a:rPr lang="en-US" altLang="zh-TW" dirty="0"/>
+              <a:t>If apply this command to all namespaces, set this field to 0xFFFFFFFF</a:t>
+            </a:r>
+          </a:p>
+          <a:p>
+            <a:pPr lvl="1"/>
+            <a:r>
+              <a:rPr lang="en-US" altLang="zh-TW" dirty="0"/>
+              <a:t>Wrong NSID will cause </a:t>
+            </a:r>
+            <a:r>
+              <a:rPr lang="en-US" altLang="zh-TW" dirty="0" err="1"/>
+              <a:t>cmd</a:t>
+            </a:r>
+            <a:r>
+              <a:rPr lang="en-US" altLang="zh-TW" dirty="0"/>
+              <a:t> failed.</a:t>
+            </a:r>
+            <a:endParaRPr lang="zh-TW" altLang="en-US" dirty="0"/>
+          </a:p>
+        </p:txBody>
+      </p:sp>
+    </p:spTree>
+    <p:extLst>
+      <p:ext uri="{BB962C8B-B14F-4D97-AF65-F5344CB8AC3E}">
+        <p14:creationId xmlns:p14="http://schemas.microsoft.com/office/powerpoint/2010/main" val="4244260410"/>
+      </p:ext>
+    </p:extLst>
+  </p:cSld>
+  <p:clrMapOvr>
+    <a:masterClrMapping/>
+  </p:clrMapOvr>
+</p:sld>
+</file>
+
+<file path=ppt/slides/slide45.xml><?xml version="1.0" encoding="utf-8"?>
+<p:sld xmlns:a="http://schemas.openxmlformats.org/drawingml/2006/main" xmlns:r="http://schemas.openxmlformats.org/officeDocument/2006/relationships" xmlns:p="http://schemas.openxmlformats.org/presentationml/2006/main">
+  <p:cSld>
+    <p:spTree>
+      <p:nvGrpSpPr>
+        <p:cNvPr id="1" name=""/>
+        <p:cNvGrpSpPr/>
+        <p:nvPr/>
+      </p:nvGrpSpPr>
+      <p:grpSpPr>
+        <a:xfrm>
+          <a:off x="0" y="0"/>
+          <a:ext cx="0" cy="0"/>
+          <a:chOff x="0" y="0"/>
+          <a:chExt cx="0" cy="0"/>
+        </a:xfrm>
+      </p:grpSpPr>
+      <p:sp>
+        <p:nvSpPr>
+          <p:cNvPr id="2" name="標題 1">
+            <a:extLst>
+              <a:ext uri="{FF2B5EF4-FFF2-40B4-BE49-F238E27FC236}">
+                <a16:creationId xmlns:a16="http://schemas.microsoft.com/office/drawing/2014/main" id="{EC86F950-3471-456F-B75A-981FB35221F3}"/>
+              </a:ext>
+            </a:extLst>
+          </p:cNvPr>
+          <p:cNvSpPr>
+            <a:spLocks noGrp="1"/>
+          </p:cNvSpPr>
+          <p:nvPr>
+            <p:ph type="title"/>
+          </p:nvPr>
+        </p:nvSpPr>
+        <p:spPr/>
+        <p:txBody>
+          <a:bodyPr/>
+          <a:lstStyle/>
+          <a:p>
+            <a:r>
+              <a:rPr lang="en-US" altLang="zh-TW" dirty="0"/>
+              <a:t>NVME Command – MPTR and DPTR</a:t>
+            </a:r>
+            <a:endParaRPr lang="zh-TW" altLang="en-US" dirty="0"/>
+          </a:p>
+        </p:txBody>
+      </p:sp>
+      <p:sp>
+        <p:nvSpPr>
+          <p:cNvPr id="3" name="內容版面配置區 2">
+            <a:extLst>
+              <a:ext uri="{FF2B5EF4-FFF2-40B4-BE49-F238E27FC236}">
+                <a16:creationId xmlns:a16="http://schemas.microsoft.com/office/drawing/2014/main" id="{9E6D7088-FD26-4E35-ACB4-34AA12025937}"/>
+              </a:ext>
+            </a:extLst>
+          </p:cNvPr>
+          <p:cNvSpPr>
+            <a:spLocks noGrp="1"/>
+          </p:cNvSpPr>
+          <p:nvPr>
+            <p:ph idx="1"/>
+          </p:nvPr>
+        </p:nvSpPr>
+        <p:spPr/>
+        <p:txBody>
+          <a:bodyPr/>
+          <a:lstStyle/>
+          <a:p>
+            <a:r>
+              <a:rPr lang="en-US" altLang="zh-TW" dirty="0"/>
+              <a:t>Refer to </a:t>
+            </a:r>
+            <a:r>
+              <a:rPr lang="en-US" altLang="zh-TW" dirty="0" err="1"/>
+              <a:t>NVMe</a:t>
+            </a:r>
+            <a:r>
+              <a:rPr lang="en-US" altLang="zh-TW" dirty="0"/>
               <a:t> 1.3 Figure 11</a:t>
             </a:r>
           </a:p>
@@ -28086,7 +28698,7 @@
 </p:sld>
 </file>
 
-<file path=ppt/slides/slide44.xml><?xml version="1.0" encoding="utf-8"?>
+<file path=ppt/slides/slide46.xml><?xml version="1.0" encoding="utf-8"?>
 <p:sld xmlns:a="http://schemas.openxmlformats.org/drawingml/2006/main" xmlns:r="http://schemas.openxmlformats.org/officeDocument/2006/relationships" xmlns:p="http://schemas.openxmlformats.org/presentationml/2006/main">
   <p:cSld>
     <p:spTree>
@@ -28475,7 +29087,7 @@
 </p:sld>
 </file>
 
-<file path=ppt/slides/slide45.xml><?xml version="1.0" encoding="utf-8"?>
+<file path=ppt/slides/slide47.xml><?xml version="1.0" encoding="utf-8"?>
 <p:sld xmlns:a="http://schemas.openxmlformats.org/drawingml/2006/main" xmlns:r="http://schemas.openxmlformats.org/officeDocument/2006/relationships" xmlns:p="http://schemas.openxmlformats.org/presentationml/2006/main">
   <p:cSld>
     <p:spTree>
@@ -28633,7 +29245,7 @@
 </p:sld>
 </file>
 
-<file path=ppt/slides/slide46.xml><?xml version="1.0" encoding="utf-8"?>
+<file path=ppt/slides/slide48.xml><?xml version="1.0" encoding="utf-8"?>
 <p:sld xmlns:a="http://schemas.openxmlformats.org/drawingml/2006/main" xmlns:r="http://schemas.openxmlformats.org/officeDocument/2006/relationships" xmlns:p="http://schemas.openxmlformats.org/presentationml/2006/main">
   <p:cSld>
     <p:spTree>
@@ -29272,7 +29884,7 @@
 </p:sld>
 </file>
 
-<file path=ppt/slides/slide47.xml><?xml version="1.0" encoding="utf-8"?>
+<file path=ppt/slides/slide49.xml><?xml version="1.0" encoding="utf-8"?>
 <p:sld xmlns:a="http://schemas.openxmlformats.org/drawingml/2006/main" xmlns:r="http://schemas.openxmlformats.org/officeDocument/2006/relationships" xmlns:p="http://schemas.openxmlformats.org/presentationml/2006/main">
   <p:cSld>
     <p:spTree>
@@ -29416,186 +30028,6 @@
     <p:extLst>
       <p:ext uri="{BB962C8B-B14F-4D97-AF65-F5344CB8AC3E}">
         <p14:creationId xmlns:p14="http://schemas.microsoft.com/office/powerpoint/2010/main" val="2517877975"/>
-      </p:ext>
-    </p:extLst>
-  </p:cSld>
-  <p:clrMapOvr>
-    <a:masterClrMapping/>
-  </p:clrMapOvr>
-</p:sld>
-</file>
-
-<file path=ppt/slides/slide48.xml><?xml version="1.0" encoding="utf-8"?>
-<p:sld xmlns:a="http://schemas.openxmlformats.org/drawingml/2006/main" xmlns:r="http://schemas.openxmlformats.org/officeDocument/2006/relationships" xmlns:p="http://schemas.openxmlformats.org/presentationml/2006/main">
-  <p:cSld>
-    <p:spTree>
-      <p:nvGrpSpPr>
-        <p:cNvPr id="1" name=""/>
-        <p:cNvGrpSpPr/>
-        <p:nvPr/>
-      </p:nvGrpSpPr>
-      <p:grpSpPr>
-        <a:xfrm>
-          <a:off x="0" y="0"/>
-          <a:ext cx="0" cy="0"/>
-          <a:chOff x="0" y="0"/>
-          <a:chExt cx="0" cy="0"/>
-        </a:xfrm>
-      </p:grpSpPr>
-      <p:sp>
-        <p:nvSpPr>
-          <p:cNvPr id="2" name="標題 1">
-            <a:extLst>
-              <a:ext uri="{FF2B5EF4-FFF2-40B4-BE49-F238E27FC236}">
-                <a16:creationId xmlns:a16="http://schemas.microsoft.com/office/drawing/2014/main" id="{EC86F950-3471-456F-B75A-981FB35221F3}"/>
-              </a:ext>
-            </a:extLst>
-          </p:cNvPr>
-          <p:cNvSpPr>
-            <a:spLocks noGrp="1"/>
-          </p:cNvSpPr>
-          <p:nvPr>
-            <p:ph type="title"/>
-          </p:nvPr>
-        </p:nvSpPr>
-        <p:spPr/>
-        <p:txBody>
-          <a:bodyPr/>
-          <a:lstStyle/>
-          <a:p>
-            <a:endParaRPr lang="zh-TW" altLang="en-US" dirty="0"/>
-          </a:p>
-        </p:txBody>
-      </p:sp>
-      <p:sp>
-        <p:nvSpPr>
-          <p:cNvPr id="3" name="內容版面配置區 2">
-            <a:extLst>
-              <a:ext uri="{FF2B5EF4-FFF2-40B4-BE49-F238E27FC236}">
-                <a16:creationId xmlns:a16="http://schemas.microsoft.com/office/drawing/2014/main" id="{9E6D7088-FD26-4E35-ACB4-34AA12025937}"/>
-              </a:ext>
-            </a:extLst>
-          </p:cNvPr>
-          <p:cNvSpPr>
-            <a:spLocks noGrp="1"/>
-          </p:cNvSpPr>
-          <p:nvPr>
-            <p:ph idx="1"/>
-          </p:nvPr>
-        </p:nvSpPr>
-        <p:spPr/>
-        <p:txBody>
-          <a:bodyPr/>
-          <a:lstStyle/>
-          <a:p>
-            <a:endParaRPr lang="zh-TW" altLang="en-US"/>
-          </a:p>
-        </p:txBody>
-      </p:sp>
-    </p:spTree>
-    <p:extLst>
-      <p:ext uri="{BB962C8B-B14F-4D97-AF65-F5344CB8AC3E}">
-        <p14:creationId xmlns:p14="http://schemas.microsoft.com/office/powerpoint/2010/main" val="2866801021"/>
-      </p:ext>
-    </p:extLst>
-  </p:cSld>
-  <p:clrMapOvr>
-    <a:masterClrMapping/>
-  </p:clrMapOvr>
-</p:sld>
-</file>
-
-<file path=ppt/slides/slide49.xml><?xml version="1.0" encoding="utf-8"?>
-<p:sld xmlns:a="http://schemas.openxmlformats.org/drawingml/2006/main" xmlns:r="http://schemas.openxmlformats.org/officeDocument/2006/relationships" xmlns:p="http://schemas.openxmlformats.org/presentationml/2006/main">
-  <p:cSld>
-    <p:spTree>
-      <p:nvGrpSpPr>
-        <p:cNvPr id="1" name=""/>
-        <p:cNvGrpSpPr/>
-        <p:nvPr/>
-      </p:nvGrpSpPr>
-      <p:grpSpPr>
-        <a:xfrm>
-          <a:off x="0" y="0"/>
-          <a:ext cx="0" cy="0"/>
-          <a:chOff x="0" y="0"/>
-          <a:chExt cx="0" cy="0"/>
-        </a:xfrm>
-      </p:grpSpPr>
-      <p:sp>
-        <p:nvSpPr>
-          <p:cNvPr id="4" name="標題 3">
-            <a:extLst>
-              <a:ext uri="{FF2B5EF4-FFF2-40B4-BE49-F238E27FC236}">
-                <a16:creationId xmlns:a16="http://schemas.microsoft.com/office/drawing/2014/main" id="{00F7993E-90D9-4121-8ABB-193ED25601F3}"/>
-              </a:ext>
-            </a:extLst>
-          </p:cNvPr>
-          <p:cNvSpPr>
-            <a:spLocks noGrp="1"/>
-          </p:cNvSpPr>
-          <p:nvPr>
-            <p:ph type="title"/>
-          </p:nvPr>
-        </p:nvSpPr>
-        <p:spPr/>
-        <p:txBody>
-          <a:bodyPr/>
-          <a:lstStyle/>
-          <a:p>
-            <a:r>
-              <a:rPr lang="en-US" altLang="zh-TW" dirty="0"/>
-              <a:t>Windows</a:t>
-            </a:r>
-            <a:r>
-              <a:rPr lang="zh-TW" altLang="en-US" dirty="0"/>
-              <a:t> </a:t>
-            </a:r>
-            <a:r>
-              <a:rPr lang="en-US" altLang="zh-TW" dirty="0"/>
-              <a:t>Command</a:t>
-            </a:r>
-            <a:r>
-              <a:rPr lang="zh-TW" altLang="en-US" dirty="0"/>
-              <a:t> </a:t>
-            </a:r>
-            <a:r>
-              <a:rPr lang="en-US" altLang="zh-TW" dirty="0"/>
-              <a:t>Translation</a:t>
-            </a:r>
-            <a:endParaRPr lang="zh-TW" altLang="en-US" dirty="0"/>
-          </a:p>
-        </p:txBody>
-      </p:sp>
-      <p:sp>
-        <p:nvSpPr>
-          <p:cNvPr id="5" name="文字版面配置區 4">
-            <a:extLst>
-              <a:ext uri="{FF2B5EF4-FFF2-40B4-BE49-F238E27FC236}">
-                <a16:creationId xmlns:a16="http://schemas.microsoft.com/office/drawing/2014/main" id="{51C43A67-4728-421E-9965-03B66287D293}"/>
-              </a:ext>
-            </a:extLst>
-          </p:cNvPr>
-          <p:cNvSpPr>
-            <a:spLocks noGrp="1"/>
-          </p:cNvSpPr>
-          <p:nvPr>
-            <p:ph type="body" idx="1"/>
-          </p:nvPr>
-        </p:nvSpPr>
-        <p:spPr/>
-        <p:txBody>
-          <a:bodyPr/>
-          <a:lstStyle/>
-          <a:p>
-            <a:endParaRPr lang="zh-TW" altLang="en-US"/>
-          </a:p>
-        </p:txBody>
-      </p:sp>
-    </p:spTree>
-    <p:extLst>
-      <p:ext uri="{BB962C8B-B14F-4D97-AF65-F5344CB8AC3E}">
-        <p14:creationId xmlns:p14="http://schemas.microsoft.com/office/powerpoint/2010/main" val="2036064448"/>
       </p:ext>
     </p:extLst>
   </p:cSld>
@@ -29708,6 +30140,106 @@
       </p:grpSpPr>
       <p:sp>
         <p:nvSpPr>
+          <p:cNvPr id="4" name="標題 3">
+            <a:extLst>
+              <a:ext uri="{FF2B5EF4-FFF2-40B4-BE49-F238E27FC236}">
+                <a16:creationId xmlns:a16="http://schemas.microsoft.com/office/drawing/2014/main" id="{00F7993E-90D9-4121-8ABB-193ED25601F3}"/>
+              </a:ext>
+            </a:extLst>
+          </p:cNvPr>
+          <p:cNvSpPr>
+            <a:spLocks noGrp="1"/>
+          </p:cNvSpPr>
+          <p:nvPr>
+            <p:ph type="title"/>
+          </p:nvPr>
+        </p:nvSpPr>
+        <p:spPr/>
+        <p:txBody>
+          <a:bodyPr/>
+          <a:lstStyle/>
+          <a:p>
+            <a:r>
+              <a:rPr lang="en-US" altLang="zh-TW" dirty="0"/>
+              <a:t>Windows</a:t>
+            </a:r>
+            <a:r>
+              <a:rPr lang="zh-TW" altLang="en-US" dirty="0"/>
+              <a:t> </a:t>
+            </a:r>
+            <a:r>
+              <a:rPr lang="en-US" altLang="zh-TW" dirty="0"/>
+              <a:t>Command</a:t>
+            </a:r>
+            <a:r>
+              <a:rPr lang="zh-TW" altLang="en-US" dirty="0"/>
+              <a:t> </a:t>
+            </a:r>
+            <a:r>
+              <a:rPr lang="en-US" altLang="zh-TW" dirty="0"/>
+              <a:t>Translation</a:t>
+            </a:r>
+            <a:endParaRPr lang="zh-TW" altLang="en-US" dirty="0"/>
+          </a:p>
+        </p:txBody>
+      </p:sp>
+      <p:sp>
+        <p:nvSpPr>
+          <p:cNvPr id="5" name="文字版面配置區 4">
+            <a:extLst>
+              <a:ext uri="{FF2B5EF4-FFF2-40B4-BE49-F238E27FC236}">
+                <a16:creationId xmlns:a16="http://schemas.microsoft.com/office/drawing/2014/main" id="{51C43A67-4728-421E-9965-03B66287D293}"/>
+              </a:ext>
+            </a:extLst>
+          </p:cNvPr>
+          <p:cNvSpPr>
+            <a:spLocks noGrp="1"/>
+          </p:cNvSpPr>
+          <p:nvPr>
+            <p:ph type="body" idx="1"/>
+          </p:nvPr>
+        </p:nvSpPr>
+        <p:spPr/>
+        <p:txBody>
+          <a:bodyPr/>
+          <a:lstStyle/>
+          <a:p>
+            <a:endParaRPr lang="zh-TW" altLang="en-US"/>
+          </a:p>
+        </p:txBody>
+      </p:sp>
+    </p:spTree>
+    <p:extLst>
+      <p:ext uri="{BB962C8B-B14F-4D97-AF65-F5344CB8AC3E}">
+        <p14:creationId xmlns:p14="http://schemas.microsoft.com/office/powerpoint/2010/main" val="2036064448"/>
+      </p:ext>
+    </p:extLst>
+  </p:cSld>
+  <p:clrMapOvr>
+    <a:masterClrMapping/>
+  </p:clrMapOvr>
+</p:sld>
+</file>
+
+<file path=ppt/slides/slide51.xml><?xml version="1.0" encoding="utf-8"?>
+<p:sld xmlns:a="http://schemas.openxmlformats.org/drawingml/2006/main" xmlns:r="http://schemas.openxmlformats.org/officeDocument/2006/relationships" xmlns:p="http://schemas.openxmlformats.org/presentationml/2006/main">
+  <p:cSld>
+    <p:spTree>
+      <p:nvGrpSpPr>
+        <p:cNvPr id="1" name=""/>
+        <p:cNvGrpSpPr/>
+        <p:nvPr/>
+      </p:nvGrpSpPr>
+      <p:grpSpPr>
+        <a:xfrm>
+          <a:off x="0" y="0"/>
+          <a:ext cx="0" cy="0"/>
+          <a:chOff x="0" y="0"/>
+          <a:chExt cx="0" cy="0"/>
+        </a:xfrm>
+      </p:grpSpPr>
+      <p:sp>
+        <p:nvSpPr>
           <p:cNvPr id="2" name="標題 1">
             <a:extLst>
               <a:ext uri="{FF2B5EF4-FFF2-40B4-BE49-F238E27FC236}">
@@ -29801,6 +30333,21 @@
             </a:r>
           </a:p>
           <a:p>
+            <a:pPr lvl="1"/>
+            <a:r>
+              <a:rPr lang="en-US" altLang="zh-TW" dirty="0"/>
+              <a:t>Storage property </a:t>
+            </a:r>
+            <a:r>
+              <a:rPr lang="en-US" altLang="zh-TW" dirty="0" err="1"/>
+              <a:t>cmd</a:t>
+            </a:r>
+            <a:r>
+              <a:rPr lang="en-US" altLang="zh-TW" dirty="0"/>
+              <a:t> for control and telemetry logging</a:t>
+            </a:r>
+          </a:p>
+          <a:p>
             <a:endParaRPr lang="en-US" altLang="zh-TW" dirty="0"/>
           </a:p>
           <a:p>
@@ -29834,7 +30381,7 @@
 </p:sld>
 </file>
 
-<file path=ppt/slides/slide51.xml><?xml version="1.0" encoding="utf-8"?>
+<file path=ppt/slides/slide52.xml><?xml version="1.0" encoding="utf-8"?>
 <p:sld xmlns:a="http://schemas.openxmlformats.org/drawingml/2006/main" xmlns:r="http://schemas.openxmlformats.org/officeDocument/2006/relationships" xmlns:p="http://schemas.openxmlformats.org/presentationml/2006/main">
   <p:cSld>
     <p:spTree>
@@ -30496,86 +31043,6 @@
 </p:sld>
 </file>
 
-<file path=ppt/slides/slide52.xml><?xml version="1.0" encoding="utf-8"?>
-<p:sld xmlns:a="http://schemas.openxmlformats.org/drawingml/2006/main" xmlns:r="http://schemas.openxmlformats.org/officeDocument/2006/relationships" xmlns:p="http://schemas.openxmlformats.org/presentationml/2006/main">
-  <p:cSld>
-    <p:spTree>
-      <p:nvGrpSpPr>
-        <p:cNvPr id="1" name=""/>
-        <p:cNvGrpSpPr/>
-        <p:nvPr/>
-      </p:nvGrpSpPr>
-      <p:grpSpPr>
-        <a:xfrm>
-          <a:off x="0" y="0"/>
-          <a:ext cx="0" cy="0"/>
-          <a:chOff x="0" y="0"/>
-          <a:chExt cx="0" cy="0"/>
-        </a:xfrm>
-      </p:grpSpPr>
-      <p:sp>
-        <p:nvSpPr>
-          <p:cNvPr id="2" name="標題 1">
-            <a:extLst>
-              <a:ext uri="{FF2B5EF4-FFF2-40B4-BE49-F238E27FC236}">
-                <a16:creationId xmlns:a16="http://schemas.microsoft.com/office/drawing/2014/main" id="{EC86F950-3471-456F-B75A-981FB35221F3}"/>
-              </a:ext>
-            </a:extLst>
-          </p:cNvPr>
-          <p:cNvSpPr>
-            <a:spLocks noGrp="1"/>
-          </p:cNvSpPr>
-          <p:nvPr>
-            <p:ph type="title"/>
-          </p:nvPr>
-        </p:nvSpPr>
-        <p:spPr/>
-        <p:txBody>
-          <a:bodyPr/>
-          <a:lstStyle/>
-          <a:p>
-            <a:endParaRPr lang="zh-TW" altLang="en-US"/>
-          </a:p>
-        </p:txBody>
-      </p:sp>
-      <p:sp>
-        <p:nvSpPr>
-          <p:cNvPr id="3" name="內容版面配置區 2">
-            <a:extLst>
-              <a:ext uri="{FF2B5EF4-FFF2-40B4-BE49-F238E27FC236}">
-                <a16:creationId xmlns:a16="http://schemas.microsoft.com/office/drawing/2014/main" id="{9E6D7088-FD26-4E35-ACB4-34AA12025937}"/>
-              </a:ext>
-            </a:extLst>
-          </p:cNvPr>
-          <p:cNvSpPr>
-            <a:spLocks noGrp="1"/>
-          </p:cNvSpPr>
-          <p:nvPr>
-            <p:ph idx="1"/>
-          </p:nvPr>
-        </p:nvSpPr>
-        <p:spPr/>
-        <p:txBody>
-          <a:bodyPr/>
-          <a:lstStyle/>
-          <a:p>
-            <a:endParaRPr lang="zh-TW" altLang="en-US"/>
-          </a:p>
-        </p:txBody>
-      </p:sp>
-    </p:spTree>
-    <p:extLst>
-      <p:ext uri="{BB962C8B-B14F-4D97-AF65-F5344CB8AC3E}">
-        <p14:creationId xmlns:p14="http://schemas.microsoft.com/office/powerpoint/2010/main" val="1236125256"/>
-      </p:ext>
-    </p:extLst>
-  </p:cSld>
-  <p:clrMapOvr>
-    <a:masterClrMapping/>
-  </p:clrMapOvr>
-</p:sld>
-</file>
-
 <file path=ppt/slides/slide53.xml><?xml version="1.0" encoding="utf-8"?>
 <p:sld xmlns:a="http://schemas.openxmlformats.org/drawingml/2006/main" xmlns:r="http://schemas.openxmlformats.org/officeDocument/2006/relationships" xmlns:p="http://schemas.openxmlformats.org/presentationml/2006/main">
   <p:cSld>
@@ -30998,86 +31465,6 @@
 </file>
 
 <file path=ppt/slides/slide54.xml><?xml version="1.0" encoding="utf-8"?>
-<p:sld xmlns:a="http://schemas.openxmlformats.org/drawingml/2006/main" xmlns:r="http://schemas.openxmlformats.org/officeDocument/2006/relationships" xmlns:p="http://schemas.openxmlformats.org/presentationml/2006/main">
-  <p:cSld>
-    <p:spTree>
-      <p:nvGrpSpPr>
-        <p:cNvPr id="1" name=""/>
-        <p:cNvGrpSpPr/>
-        <p:nvPr/>
-      </p:nvGrpSpPr>
-      <p:grpSpPr>
-        <a:xfrm>
-          <a:off x="0" y="0"/>
-          <a:ext cx="0" cy="0"/>
-          <a:chOff x="0" y="0"/>
-          <a:chExt cx="0" cy="0"/>
-        </a:xfrm>
-      </p:grpSpPr>
-      <p:sp>
-        <p:nvSpPr>
-          <p:cNvPr id="2" name="標題 1">
-            <a:extLst>
-              <a:ext uri="{FF2B5EF4-FFF2-40B4-BE49-F238E27FC236}">
-                <a16:creationId xmlns:a16="http://schemas.microsoft.com/office/drawing/2014/main" id="{EC86F950-3471-456F-B75A-981FB35221F3}"/>
-              </a:ext>
-            </a:extLst>
-          </p:cNvPr>
-          <p:cNvSpPr>
-            <a:spLocks noGrp="1"/>
-          </p:cNvSpPr>
-          <p:nvPr>
-            <p:ph type="title"/>
-          </p:nvPr>
-        </p:nvSpPr>
-        <p:spPr/>
-        <p:txBody>
-          <a:bodyPr/>
-          <a:lstStyle/>
-          <a:p>
-            <a:endParaRPr lang="zh-TW" altLang="en-US"/>
-          </a:p>
-        </p:txBody>
-      </p:sp>
-      <p:sp>
-        <p:nvSpPr>
-          <p:cNvPr id="3" name="內容版面配置區 2">
-            <a:extLst>
-              <a:ext uri="{FF2B5EF4-FFF2-40B4-BE49-F238E27FC236}">
-                <a16:creationId xmlns:a16="http://schemas.microsoft.com/office/drawing/2014/main" id="{9E6D7088-FD26-4E35-ACB4-34AA12025937}"/>
-              </a:ext>
-            </a:extLst>
-          </p:cNvPr>
-          <p:cNvSpPr>
-            <a:spLocks noGrp="1"/>
-          </p:cNvSpPr>
-          <p:nvPr>
-            <p:ph idx="1"/>
-          </p:nvPr>
-        </p:nvSpPr>
-        <p:spPr/>
-        <p:txBody>
-          <a:bodyPr/>
-          <a:lstStyle/>
-          <a:p>
-            <a:endParaRPr lang="zh-TW" altLang="en-US"/>
-          </a:p>
-        </p:txBody>
-      </p:sp>
-    </p:spTree>
-    <p:extLst>
-      <p:ext uri="{BB962C8B-B14F-4D97-AF65-F5344CB8AC3E}">
-        <p14:creationId xmlns:p14="http://schemas.microsoft.com/office/powerpoint/2010/main" val="2879532362"/>
-      </p:ext>
-    </p:extLst>
-  </p:cSld>
-  <p:clrMapOvr>
-    <a:masterClrMapping/>
-  </p:clrMapOvr>
-</p:sld>
-</file>
-
-<file path=ppt/slides/slide55.xml><?xml version="1.0" encoding="utf-8"?>
 <p:sld xmlns:a="http://schemas.openxmlformats.org/drawingml/2006/main" xmlns:r="http://schemas.openxmlformats.org/officeDocument/2006/relationships" xmlns:p="http://schemas.openxmlformats.org/presentationml/2006/main">
   <p:cSld>
     <p:spTree>
@@ -31533,7 +31920,7 @@
 </p:sld>
 </file>
 
-<file path=ppt/slides/slide56.xml><?xml version="1.0" encoding="utf-8"?>
+<file path=ppt/slides/slide55.xml><?xml version="1.0" encoding="utf-8"?>
 <p:sld xmlns:a="http://schemas.openxmlformats.org/drawingml/2006/main" xmlns:r="http://schemas.openxmlformats.org/officeDocument/2006/relationships" xmlns:p="http://schemas.openxmlformats.org/presentationml/2006/main">
   <p:cSld>
     <p:spTree>
@@ -31678,7 +32065,7 @@
 </p:sld>
 </file>
 
-<file path=ppt/slides/slide57.xml><?xml version="1.0" encoding="utf-8"?>
+<file path=ppt/slides/slide56.xml><?xml version="1.0" encoding="utf-8"?>
 <p:sld xmlns:a="http://schemas.openxmlformats.org/drawingml/2006/main" xmlns:r="http://schemas.openxmlformats.org/officeDocument/2006/relationships" xmlns:p="http://schemas.openxmlformats.org/presentationml/2006/main">
   <p:cSld>
     <p:spTree>
@@ -31762,7 +32149,7 @@
 </p:sld>
 </file>
 
-<file path=ppt/slides/slide58.xml><?xml version="1.0" encoding="utf-8"?>
+<file path=ppt/slides/slide57.xml><?xml version="1.0" encoding="utf-8"?>
 <p:sld xmlns:a="http://schemas.openxmlformats.org/drawingml/2006/main" xmlns:r="http://schemas.openxmlformats.org/officeDocument/2006/relationships" xmlns:p="http://schemas.openxmlformats.org/presentationml/2006/main">
   <p:cSld>
     <p:spTree>
@@ -32003,7 +32390,7 @@
 </p:sld>
 </file>
 
-<file path=ppt/slides/slide59.xml><?xml version="1.0" encoding="utf-8"?>
+<file path=ppt/slides/slide58.xml><?xml version="1.0" encoding="utf-8"?>
 <p:sld xmlns:a="http://schemas.openxmlformats.org/drawingml/2006/main" xmlns:r="http://schemas.openxmlformats.org/officeDocument/2006/relationships" xmlns:p="http://schemas.openxmlformats.org/presentationml/2006/main">
   <p:cSld>
     <p:spTree>
@@ -32165,6 +32552,137 @@
     <p:extLst>
       <p:ext uri="{BB962C8B-B14F-4D97-AF65-F5344CB8AC3E}">
         <p14:creationId xmlns:p14="http://schemas.microsoft.com/office/powerpoint/2010/main" val="3571783603"/>
+      </p:ext>
+    </p:extLst>
+  </p:cSld>
+  <p:clrMapOvr>
+    <a:masterClrMapping/>
+  </p:clrMapOvr>
+</p:sld>
+</file>
+
+<file path=ppt/slides/slide59.xml><?xml version="1.0" encoding="utf-8"?>
+<p:sld xmlns:a="http://schemas.openxmlformats.org/drawingml/2006/main" xmlns:r="http://schemas.openxmlformats.org/officeDocument/2006/relationships" xmlns:p="http://schemas.openxmlformats.org/presentationml/2006/main">
+  <p:cSld>
+    <p:spTree>
+      <p:nvGrpSpPr>
+        <p:cNvPr id="1" name=""/>
+        <p:cNvGrpSpPr/>
+        <p:nvPr/>
+      </p:nvGrpSpPr>
+      <p:grpSpPr>
+        <a:xfrm>
+          <a:off x="0" y="0"/>
+          <a:ext cx="0" cy="0"/>
+          <a:chOff x="0" y="0"/>
+          <a:chExt cx="0" cy="0"/>
+        </a:xfrm>
+      </p:grpSpPr>
+      <p:sp>
+        <p:nvSpPr>
+          <p:cNvPr id="2" name="標題 1">
+            <a:extLst>
+              <a:ext uri="{FF2B5EF4-FFF2-40B4-BE49-F238E27FC236}">
+                <a16:creationId xmlns:a16="http://schemas.microsoft.com/office/drawing/2014/main" id="{5DD07498-5F52-49AE-8F70-D644A562FAEE}"/>
+              </a:ext>
+            </a:extLst>
+          </p:cNvPr>
+          <p:cNvSpPr>
+            <a:spLocks noGrp="1"/>
+          </p:cNvSpPr>
+          <p:nvPr>
+            <p:ph type="title"/>
+          </p:nvPr>
+        </p:nvSpPr>
+        <p:spPr/>
+        <p:txBody>
+          <a:bodyPr/>
+          <a:lstStyle/>
+          <a:p>
+            <a:r>
+              <a:rPr lang="en-US" altLang="zh-TW" dirty="0"/>
+              <a:t>Reference</a:t>
+            </a:r>
+            <a:endParaRPr lang="zh-TW" altLang="en-US" dirty="0"/>
+          </a:p>
+        </p:txBody>
+      </p:sp>
+      <p:sp>
+        <p:nvSpPr>
+          <p:cNvPr id="3" name="內容版面配置區 2">
+            <a:extLst>
+              <a:ext uri="{FF2B5EF4-FFF2-40B4-BE49-F238E27FC236}">
+                <a16:creationId xmlns:a16="http://schemas.microsoft.com/office/drawing/2014/main" id="{38A78F0E-8A29-474B-B872-6D9F55857160}"/>
+              </a:ext>
+            </a:extLst>
+          </p:cNvPr>
+          <p:cNvSpPr>
+            <a:spLocks noGrp="1"/>
+          </p:cNvSpPr>
+          <p:nvPr>
+            <p:ph idx="1"/>
+          </p:nvPr>
+        </p:nvSpPr>
+        <p:spPr/>
+        <p:txBody>
+          <a:bodyPr/>
+          <a:lstStyle/>
+          <a:p>
+            <a:r>
+              <a:rPr lang="en-US" altLang="zh-TW" dirty="0" err="1"/>
+              <a:t>NVMe</a:t>
+            </a:r>
+            <a:r>
+              <a:rPr lang="en-US" altLang="zh-TW" dirty="0"/>
+              <a:t> 1.3 spec</a:t>
+            </a:r>
+          </a:p>
+          <a:p>
+            <a:pPr lvl="1"/>
+            <a:r>
+              <a:rPr lang="en-US" altLang="zh-TW" dirty="0">
+                <a:hlinkClick r:id="rId2"/>
+              </a:rPr>
+              <a:t>https://nvmexpress.org/wp-content/uploads/NVM_Express_Revision_1.3.pdf</a:t>
+            </a:r>
+            <a:endParaRPr lang="en-US" altLang="zh-TW" dirty="0"/>
+          </a:p>
+          <a:p>
+            <a:endParaRPr lang="en-US" altLang="zh-TW" dirty="0"/>
+          </a:p>
+          <a:p>
+            <a:r>
+              <a:rPr lang="en-US" altLang="zh-TW" dirty="0"/>
+              <a:t>Windows </a:t>
+            </a:r>
+            <a:r>
+              <a:rPr lang="en-US" altLang="zh-TW" dirty="0" err="1"/>
+              <a:t>StorNVMe</a:t>
+            </a:r>
+            <a:r>
+              <a:rPr lang="en-US" altLang="zh-TW" dirty="0"/>
+              <a:t> driver SCSI Translation Support</a:t>
+            </a:r>
+          </a:p>
+          <a:p>
+            <a:pPr lvl="1"/>
+            <a:r>
+              <a:rPr lang="en-US" altLang="zh-TW">
+                <a:hlinkClick r:id="rId3"/>
+              </a:rPr>
+              <a:t>https://github.com/MicrosoftDocs/windows-driver-docs/blob/staging/windows-driver-docs-pr/storage/stornvme-scsi-translation-support.md</a:t>
+            </a:r>
+            <a:endParaRPr lang="en-US" altLang="zh-TW"/>
+          </a:p>
+          <a:p>
+            <a:endParaRPr lang="zh-TW" altLang="en-US" dirty="0"/>
+          </a:p>
+        </p:txBody>
+      </p:sp>
+    </p:spTree>
+    <p:extLst>
+      <p:ext uri="{BB962C8B-B14F-4D97-AF65-F5344CB8AC3E}">
+        <p14:creationId xmlns:p14="http://schemas.microsoft.com/office/powerpoint/2010/main" val="1102339624"/>
       </p:ext>
     </p:extLst>
   </p:cSld>
@@ -32605,137 +33123,6 @@
           <p:cNvPr id="2" name="標題 1">
             <a:extLst>
               <a:ext uri="{FF2B5EF4-FFF2-40B4-BE49-F238E27FC236}">
-                <a16:creationId xmlns:a16="http://schemas.microsoft.com/office/drawing/2014/main" id="{5DD07498-5F52-49AE-8F70-D644A562FAEE}"/>
-              </a:ext>
-            </a:extLst>
-          </p:cNvPr>
-          <p:cNvSpPr>
-            <a:spLocks noGrp="1"/>
-          </p:cNvSpPr>
-          <p:nvPr>
-            <p:ph type="title"/>
-          </p:nvPr>
-        </p:nvSpPr>
-        <p:spPr/>
-        <p:txBody>
-          <a:bodyPr/>
-          <a:lstStyle/>
-          <a:p>
-            <a:r>
-              <a:rPr lang="en-US" altLang="zh-TW" dirty="0"/>
-              <a:t>Reference</a:t>
-            </a:r>
-            <a:endParaRPr lang="zh-TW" altLang="en-US" dirty="0"/>
-          </a:p>
-        </p:txBody>
-      </p:sp>
-      <p:sp>
-        <p:nvSpPr>
-          <p:cNvPr id="3" name="內容版面配置區 2">
-            <a:extLst>
-              <a:ext uri="{FF2B5EF4-FFF2-40B4-BE49-F238E27FC236}">
-                <a16:creationId xmlns:a16="http://schemas.microsoft.com/office/drawing/2014/main" id="{38A78F0E-8A29-474B-B872-6D9F55857160}"/>
-              </a:ext>
-            </a:extLst>
-          </p:cNvPr>
-          <p:cNvSpPr>
-            <a:spLocks noGrp="1"/>
-          </p:cNvSpPr>
-          <p:nvPr>
-            <p:ph idx="1"/>
-          </p:nvPr>
-        </p:nvSpPr>
-        <p:spPr/>
-        <p:txBody>
-          <a:bodyPr/>
-          <a:lstStyle/>
-          <a:p>
-            <a:r>
-              <a:rPr lang="en-US" altLang="zh-TW" dirty="0" err="1"/>
-              <a:t>NVMe</a:t>
-            </a:r>
-            <a:r>
-              <a:rPr lang="en-US" altLang="zh-TW" dirty="0"/>
-              <a:t> 1.3 spec</a:t>
-            </a:r>
-          </a:p>
-          <a:p>
-            <a:pPr lvl="1"/>
-            <a:r>
-              <a:rPr lang="en-US" altLang="zh-TW" dirty="0">
-                <a:hlinkClick r:id="rId2"/>
-              </a:rPr>
-              <a:t>https://nvmexpress.org/wp-content/uploads/NVM_Express_Revision_1.3.pdf</a:t>
-            </a:r>
-            <a:endParaRPr lang="en-US" altLang="zh-TW" dirty="0"/>
-          </a:p>
-          <a:p>
-            <a:endParaRPr lang="en-US" altLang="zh-TW" dirty="0"/>
-          </a:p>
-          <a:p>
-            <a:r>
-              <a:rPr lang="en-US" altLang="zh-TW" dirty="0"/>
-              <a:t>Windows </a:t>
-            </a:r>
-            <a:r>
-              <a:rPr lang="en-US" altLang="zh-TW" dirty="0" err="1"/>
-              <a:t>StorNVMe</a:t>
-            </a:r>
-            <a:r>
-              <a:rPr lang="en-US" altLang="zh-TW" dirty="0"/>
-              <a:t> driver SCSI Translation Support</a:t>
-            </a:r>
-          </a:p>
-          <a:p>
-            <a:pPr lvl="1"/>
-            <a:r>
-              <a:rPr lang="en-US" altLang="zh-TW">
-                <a:hlinkClick r:id="rId3"/>
-              </a:rPr>
-              <a:t>https://github.com/MicrosoftDocs/windows-driver-docs/blob/staging/windows-driver-docs-pr/storage/stornvme-scsi-translation-support.md</a:t>
-            </a:r>
-            <a:endParaRPr lang="en-US" altLang="zh-TW"/>
-          </a:p>
-          <a:p>
-            <a:endParaRPr lang="zh-TW" altLang="en-US" dirty="0"/>
-          </a:p>
-        </p:txBody>
-      </p:sp>
-    </p:spTree>
-    <p:extLst>
-      <p:ext uri="{BB962C8B-B14F-4D97-AF65-F5344CB8AC3E}">
-        <p14:creationId xmlns:p14="http://schemas.microsoft.com/office/powerpoint/2010/main" val="1102339624"/>
-      </p:ext>
-    </p:extLst>
-  </p:cSld>
-  <p:clrMapOvr>
-    <a:masterClrMapping/>
-  </p:clrMapOvr>
-</p:sld>
-</file>
-
-<file path=ppt/slides/slide61.xml><?xml version="1.0" encoding="utf-8"?>
-<p:sld xmlns:a="http://schemas.openxmlformats.org/drawingml/2006/main" xmlns:r="http://schemas.openxmlformats.org/officeDocument/2006/relationships" xmlns:p="http://schemas.openxmlformats.org/presentationml/2006/main">
-  <p:cSld>
-    <p:spTree>
-      <p:nvGrpSpPr>
-        <p:cNvPr id="1" name=""/>
-        <p:cNvGrpSpPr/>
-        <p:nvPr/>
-      </p:nvGrpSpPr>
-      <p:grpSpPr>
-        <a:xfrm>
-          <a:off x="0" y="0"/>
-          <a:ext cx="0" cy="0"/>
-          <a:chOff x="0" y="0"/>
-          <a:chExt cx="0" cy="0"/>
-        </a:xfrm>
-      </p:grpSpPr>
-      <p:sp>
-        <p:nvSpPr>
-          <p:cNvPr id="2" name="標題 1">
-            <a:extLst>
-              <a:ext uri="{FF2B5EF4-FFF2-40B4-BE49-F238E27FC236}">
                 <a16:creationId xmlns:a16="http://schemas.microsoft.com/office/drawing/2014/main" id="{063D7246-E8AE-F734-CF16-12109BF4EF8F}"/>
               </a:ext>
             </a:extLst>
@@ -32827,7 +33214,7 @@
 </p:sld>
 </file>
 
-<file path=ppt/slides/slide62.xml><?xml version="1.0" encoding="utf-8"?>
+<file path=ppt/slides/slide61.xml><?xml version="1.0" encoding="utf-8"?>
 <p:sld xmlns:a="http://schemas.openxmlformats.org/drawingml/2006/main" xmlns:r="http://schemas.openxmlformats.org/officeDocument/2006/relationships" xmlns:p="http://schemas.openxmlformats.org/presentationml/2006/main">
   <p:cSld>
     <p:spTree>
